--- a/sessoes-13-14/sessao-14.pptx
+++ b/sessoes-13-14/sessao-14.pptx
@@ -27,16 +27,20 @@
     <p:sldId id="272" r:id="rId21"/>
     <p:sldId id="273" r:id="rId22"/>
     <p:sldId id="274" r:id="rId23"/>
+    <p:sldId id="275" r:id="rId24"/>
+    <p:sldId id="276" r:id="rId25"/>
+    <p:sldId id="277" r:id="rId26"/>
+    <p:sldId id="278" r:id="rId27"/>
   </p:sldIdLst>
   <p:sldSz cy="6858000" cx="9144000"/>
   <p:notesSz cx="6858000" cy="9144000"/>
   <p:embeddedFontLst>
     <p:embeddedFont>
       <p:font typeface="Open Sans"/>
-      <p:regular r:id="rId24"/>
-      <p:bold r:id="rId25"/>
-      <p:italic r:id="rId26"/>
-      <p:boldItalic r:id="rId27"/>
+      <p:regular r:id="rId28"/>
+      <p:bold r:id="rId29"/>
+      <p:italic r:id="rId30"/>
+      <p:boldItalic r:id="rId31"/>
     </p:embeddedFont>
   </p:embeddedFontLst>
   <p:defaultTextStyle>
@@ -3283,7 +3287,7 @@
   <p:cSld>
     <p:spTree>
       <p:nvGrpSpPr>
-        <p:cNvPr id="197" name="Shape 197"/>
+        <p:cNvPr id="196" name="Shape 196"/>
         <p:cNvGrpSpPr/>
         <p:nvPr/>
       </p:nvGrpSpPr>
@@ -3297,7 +3301,7 @@
       </p:grpSpPr>
       <p:sp>
         <p:nvSpPr>
-          <p:cNvPr id="198" name="Google Shape;198;p18:notes"/>
+          <p:cNvPr id="197" name="Google Shape;197;p18:notes"/>
           <p:cNvSpPr/>
           <p:nvPr>
             <p:ph idx="2" type="sldImg"/>
@@ -3342,7 +3346,7 @@
       </p:sp>
       <p:sp>
         <p:nvSpPr>
-          <p:cNvPr id="199" name="Google Shape;199;p18:notes"/>
+          <p:cNvPr id="198" name="Google Shape;198;p18:notes"/>
           <p:cNvSpPr txBox="1"/>
           <p:nvPr>
             <p:ph idx="1" type="body"/>
@@ -3398,7 +3402,7 @@
       </p:sp>
       <p:sp>
         <p:nvSpPr>
-          <p:cNvPr id="200" name="Google Shape;200;p18:notes"/>
+          <p:cNvPr id="199" name="Google Shape;199;p18:notes"/>
           <p:cNvSpPr txBox="1"/>
           <p:nvPr>
             <p:ph idx="12" type="sldNum"/>
@@ -3469,7 +3473,7 @@
   <p:cSld>
     <p:spTree>
       <p:nvGrpSpPr>
-        <p:cNvPr id="206" name="Shape 206"/>
+        <p:cNvPr id="204" name="Shape 204"/>
         <p:cNvGrpSpPr/>
         <p:nvPr/>
       </p:nvGrpSpPr>
@@ -3483,7 +3487,7 @@
       </p:grpSpPr>
       <p:sp>
         <p:nvSpPr>
-          <p:cNvPr id="207" name="Google Shape;207;p19:notes"/>
+          <p:cNvPr id="205" name="Google Shape;205;p19:notes"/>
           <p:cNvSpPr/>
           <p:nvPr>
             <p:ph idx="2" type="sldImg"/>
@@ -3528,7 +3532,7 @@
       </p:sp>
       <p:sp>
         <p:nvSpPr>
-          <p:cNvPr id="208" name="Google Shape;208;p19:notes"/>
+          <p:cNvPr id="206" name="Google Shape;206;p19:notes"/>
           <p:cNvSpPr txBox="1"/>
           <p:nvPr>
             <p:ph idx="1" type="body"/>
@@ -3584,7 +3588,7 @@
       </p:sp>
       <p:sp>
         <p:nvSpPr>
-          <p:cNvPr id="209" name="Google Shape;209;p19:notes"/>
+          <p:cNvPr id="207" name="Google Shape;207;p19:notes"/>
           <p:cNvSpPr txBox="1"/>
           <p:nvPr>
             <p:ph idx="12" type="sldNum"/>
@@ -3836,6 +3840,750 @@
 </p:notes>
 </file>
 
+<file path=ppt/notesSlides/notesSlide20.xml><?xml version="1.0" encoding="utf-8"?>
+<p:notes xmlns:a="http://schemas.openxmlformats.org/drawingml/2006/main" xmlns:r="http://schemas.openxmlformats.org/officeDocument/2006/relationships" xmlns:mc="http://schemas.openxmlformats.org/markup-compatibility/2006" xmlns:mv="urn:schemas-microsoft-com:mac:vml" xmlns:p="http://schemas.openxmlformats.org/presentationml/2006/main" xmlns:c="http://schemas.openxmlformats.org/drawingml/2006/chart" xmlns:dgm="http://schemas.openxmlformats.org/drawingml/2006/diagram" xmlns:o="urn:schemas-microsoft-com:office:office" xmlns:v="urn:schemas-microsoft-com:vml" xmlns:pvml="urn:schemas-microsoft-com:office:powerpoint" xmlns:com="http://schemas.openxmlformats.org/drawingml/2006/compatibility" xmlns:p14="http://schemas.microsoft.com/office/powerpoint/2010/main" xmlns:p15="http://schemas.microsoft.com/office/powerpoint/2012/main" xmlns:ahyp="http://schemas.microsoft.com/office/drawing/2018/hyperlinkcolor" showMasterPhAnim="0" showMasterSp="0">
+  <p:cSld>
+    <p:spTree>
+      <p:nvGrpSpPr>
+        <p:cNvPr id="212" name="Shape 212"/>
+        <p:cNvGrpSpPr/>
+        <p:nvPr/>
+      </p:nvGrpSpPr>
+      <p:grpSpPr>
+        <a:xfrm>
+          <a:off x="0" y="0"/>
+          <a:ext cx="0" cy="0"/>
+          <a:chOff x="0" y="0"/>
+          <a:chExt cx="0" cy="0"/>
+        </a:xfrm>
+      </p:grpSpPr>
+      <p:sp>
+        <p:nvSpPr>
+          <p:cNvPr id="213" name="Google Shape;213;p20:notes"/>
+          <p:cNvSpPr/>
+          <p:nvPr>
+            <p:ph idx="2" type="sldImg"/>
+          </p:nvPr>
+        </p:nvSpPr>
+        <p:spPr>
+          <a:xfrm>
+            <a:off x="1143000" y="685800"/>
+            <a:ext cx="4572000" cy="3429000"/>
+          </a:xfrm>
+          <a:custGeom>
+            <a:rect b="b" l="l" r="r" t="t"/>
+            <a:pathLst>
+              <a:path extrusionOk="0" h="120000" w="120000">
+                <a:moveTo>
+                  <a:pt x="0" y="0"/>
+                </a:moveTo>
+                <a:lnTo>
+                  <a:pt x="120000" y="0"/>
+                </a:lnTo>
+                <a:lnTo>
+                  <a:pt x="120000" y="120000"/>
+                </a:lnTo>
+                <a:lnTo>
+                  <a:pt x="0" y="120000"/>
+                </a:lnTo>
+                <a:close/>
+              </a:path>
+            </a:pathLst>
+          </a:custGeom>
+          <a:noFill/>
+          <a:ln cap="flat" cmpd="sng" w="12700">
+            <a:solidFill>
+              <a:srgbClr val="000000"/>
+            </a:solidFill>
+            <a:prstDash val="solid"/>
+            <a:round/>
+            <a:headEnd len="sm" w="sm" type="none"/>
+            <a:tailEnd len="sm" w="sm" type="none"/>
+          </a:ln>
+        </p:spPr>
+      </p:sp>
+      <p:sp>
+        <p:nvSpPr>
+          <p:cNvPr id="214" name="Google Shape;214;p20:notes"/>
+          <p:cNvSpPr txBox="1"/>
+          <p:nvPr>
+            <p:ph idx="1" type="body"/>
+          </p:nvPr>
+        </p:nvSpPr>
+        <p:spPr>
+          <a:xfrm>
+            <a:off x="685800" y="4343400"/>
+            <a:ext cx="5486400" cy="4114800"/>
+          </a:xfrm>
+          <a:prstGeom prst="rect">
+            <a:avLst/>
+          </a:prstGeom>
+          <a:noFill/>
+          <a:ln>
+            <a:noFill/>
+          </a:ln>
+        </p:spPr>
+        <p:txBody>
+          <a:bodyPr anchorCtr="0" anchor="t" bIns="91425" lIns="91425" spcFirstLastPara="1" rIns="91425" wrap="square" tIns="91425">
+            <a:noAutofit/>
+          </a:bodyPr>
+          <a:lstStyle/>
+          <a:p>
+            <a:pPr indent="0" lvl="0" marL="0" marR="0" rtl="0" algn="l">
+              <a:spcBef>
+                <a:spcPts val="0"/>
+              </a:spcBef>
+              <a:spcAft>
+                <a:spcPts val="0"/>
+              </a:spcAft>
+              <a:buClr>
+                <a:schemeClr val="dk1"/>
+              </a:buClr>
+              <a:buSzPts val="300"/>
+              <a:buFont typeface="Calibri"/>
+              <a:buNone/>
+            </a:pPr>
+            <a:r>
+              <a:t/>
+            </a:r>
+            <a:endParaRPr b="0" i="0" sz="1200" u="none" cap="none" strike="noStrike">
+              <a:solidFill>
+                <a:schemeClr val="dk1"/>
+              </a:solidFill>
+              <a:latin typeface="Calibri"/>
+              <a:ea typeface="Calibri"/>
+              <a:cs typeface="Calibri"/>
+              <a:sym typeface="Calibri"/>
+            </a:endParaRPr>
+          </a:p>
+        </p:txBody>
+      </p:sp>
+      <p:sp>
+        <p:nvSpPr>
+          <p:cNvPr id="215" name="Google Shape;215;p20:notes"/>
+          <p:cNvSpPr txBox="1"/>
+          <p:nvPr>
+            <p:ph idx="12" type="sldNum"/>
+          </p:nvPr>
+        </p:nvSpPr>
+        <p:spPr>
+          <a:xfrm>
+            <a:off x="3884612" y="8685213"/>
+            <a:ext cx="2971799" cy="457200"/>
+          </a:xfrm>
+          <a:prstGeom prst="rect">
+            <a:avLst/>
+          </a:prstGeom>
+          <a:noFill/>
+          <a:ln>
+            <a:noFill/>
+          </a:ln>
+        </p:spPr>
+        <p:txBody>
+          <a:bodyPr anchorCtr="0" anchor="b" bIns="45700" lIns="91425" spcFirstLastPara="1" rIns="91425" wrap="square" tIns="45700">
+            <a:noAutofit/>
+          </a:bodyPr>
+          <a:lstStyle/>
+          <a:p>
+            <a:pPr indent="0" lvl="0" marL="0" marR="0" rtl="0" algn="l">
+              <a:lnSpc>
+                <a:spcPct val="100000"/>
+              </a:lnSpc>
+              <a:spcBef>
+                <a:spcPts val="0"/>
+              </a:spcBef>
+              <a:spcAft>
+                <a:spcPts val="0"/>
+              </a:spcAft>
+              <a:buClr>
+                <a:srgbClr val="000000"/>
+              </a:buClr>
+              <a:buSzPts val="350"/>
+              <a:buFont typeface="Arial"/>
+              <a:buNone/>
+            </a:pPr>
+            <a:fld id="{00000000-1234-1234-1234-123412341234}" type="slidenum">
+              <a:rPr b="0" i="0" lang="en-US" sz="1400" u="none" cap="none" strike="noStrike">
+                <a:solidFill>
+                  <a:srgbClr val="000000"/>
+                </a:solidFill>
+                <a:latin typeface="Arial"/>
+                <a:ea typeface="Arial"/>
+                <a:cs typeface="Arial"/>
+                <a:sym typeface="Arial"/>
+              </a:rPr>
+              <a:t>‹#›</a:t>
+            </a:fld>
+            <a:endParaRPr/>
+          </a:p>
+        </p:txBody>
+      </p:sp>
+    </p:spTree>
+  </p:cSld>
+  <p:clrMapOvr>
+    <a:masterClrMapping/>
+  </p:clrMapOvr>
+</p:notes>
+</file>
+
+<file path=ppt/notesSlides/notesSlide21.xml><?xml version="1.0" encoding="utf-8"?>
+<p:notes xmlns:a="http://schemas.openxmlformats.org/drawingml/2006/main" xmlns:r="http://schemas.openxmlformats.org/officeDocument/2006/relationships" xmlns:mc="http://schemas.openxmlformats.org/markup-compatibility/2006" xmlns:mv="urn:schemas-microsoft-com:mac:vml" xmlns:p="http://schemas.openxmlformats.org/presentationml/2006/main" xmlns:c="http://schemas.openxmlformats.org/drawingml/2006/chart" xmlns:dgm="http://schemas.openxmlformats.org/drawingml/2006/diagram" xmlns:o="urn:schemas-microsoft-com:office:office" xmlns:v="urn:schemas-microsoft-com:vml" xmlns:pvml="urn:schemas-microsoft-com:office:powerpoint" xmlns:com="http://schemas.openxmlformats.org/drawingml/2006/compatibility" xmlns:p14="http://schemas.microsoft.com/office/powerpoint/2010/main" xmlns:p15="http://schemas.microsoft.com/office/powerpoint/2012/main" xmlns:ahyp="http://schemas.microsoft.com/office/drawing/2018/hyperlinkcolor" showMasterPhAnim="0" showMasterSp="0">
+  <p:cSld>
+    <p:spTree>
+      <p:nvGrpSpPr>
+        <p:cNvPr id="220" name="Shape 220"/>
+        <p:cNvGrpSpPr/>
+        <p:nvPr/>
+      </p:nvGrpSpPr>
+      <p:grpSpPr>
+        <a:xfrm>
+          <a:off x="0" y="0"/>
+          <a:ext cx="0" cy="0"/>
+          <a:chOff x="0" y="0"/>
+          <a:chExt cx="0" cy="0"/>
+        </a:xfrm>
+      </p:grpSpPr>
+      <p:sp>
+        <p:nvSpPr>
+          <p:cNvPr id="221" name="Google Shape;221;p21:notes"/>
+          <p:cNvSpPr/>
+          <p:nvPr>
+            <p:ph idx="2" type="sldImg"/>
+          </p:nvPr>
+        </p:nvSpPr>
+        <p:spPr>
+          <a:xfrm>
+            <a:off x="1143000" y="685800"/>
+            <a:ext cx="4572000" cy="3429000"/>
+          </a:xfrm>
+          <a:custGeom>
+            <a:rect b="b" l="l" r="r" t="t"/>
+            <a:pathLst>
+              <a:path extrusionOk="0" h="120000" w="120000">
+                <a:moveTo>
+                  <a:pt x="0" y="0"/>
+                </a:moveTo>
+                <a:lnTo>
+                  <a:pt x="120000" y="0"/>
+                </a:lnTo>
+                <a:lnTo>
+                  <a:pt x="120000" y="120000"/>
+                </a:lnTo>
+                <a:lnTo>
+                  <a:pt x="0" y="120000"/>
+                </a:lnTo>
+                <a:close/>
+              </a:path>
+            </a:pathLst>
+          </a:custGeom>
+          <a:noFill/>
+          <a:ln cap="flat" cmpd="sng" w="12700">
+            <a:solidFill>
+              <a:srgbClr val="000000"/>
+            </a:solidFill>
+            <a:prstDash val="solid"/>
+            <a:round/>
+            <a:headEnd len="sm" w="sm" type="none"/>
+            <a:tailEnd len="sm" w="sm" type="none"/>
+          </a:ln>
+        </p:spPr>
+      </p:sp>
+      <p:sp>
+        <p:nvSpPr>
+          <p:cNvPr id="222" name="Google Shape;222;p21:notes"/>
+          <p:cNvSpPr txBox="1"/>
+          <p:nvPr>
+            <p:ph idx="1" type="body"/>
+          </p:nvPr>
+        </p:nvSpPr>
+        <p:spPr>
+          <a:xfrm>
+            <a:off x="685800" y="4343400"/>
+            <a:ext cx="5486400" cy="4114800"/>
+          </a:xfrm>
+          <a:prstGeom prst="rect">
+            <a:avLst/>
+          </a:prstGeom>
+          <a:noFill/>
+          <a:ln>
+            <a:noFill/>
+          </a:ln>
+        </p:spPr>
+        <p:txBody>
+          <a:bodyPr anchorCtr="0" anchor="t" bIns="91425" lIns="91425" spcFirstLastPara="1" rIns="91425" wrap="square" tIns="91425">
+            <a:noAutofit/>
+          </a:bodyPr>
+          <a:lstStyle/>
+          <a:p>
+            <a:pPr indent="0" lvl="0" marL="0" marR="0" rtl="0" algn="l">
+              <a:spcBef>
+                <a:spcPts val="0"/>
+              </a:spcBef>
+              <a:spcAft>
+                <a:spcPts val="0"/>
+              </a:spcAft>
+              <a:buClr>
+                <a:schemeClr val="dk1"/>
+              </a:buClr>
+              <a:buSzPts val="300"/>
+              <a:buFont typeface="Calibri"/>
+              <a:buNone/>
+            </a:pPr>
+            <a:r>
+              <a:t/>
+            </a:r>
+            <a:endParaRPr b="0" i="0" sz="1200" u="none" cap="none" strike="noStrike">
+              <a:solidFill>
+                <a:schemeClr val="dk1"/>
+              </a:solidFill>
+              <a:latin typeface="Calibri"/>
+              <a:ea typeface="Calibri"/>
+              <a:cs typeface="Calibri"/>
+              <a:sym typeface="Calibri"/>
+            </a:endParaRPr>
+          </a:p>
+        </p:txBody>
+      </p:sp>
+      <p:sp>
+        <p:nvSpPr>
+          <p:cNvPr id="223" name="Google Shape;223;p21:notes"/>
+          <p:cNvSpPr txBox="1"/>
+          <p:nvPr>
+            <p:ph idx="12" type="sldNum"/>
+          </p:nvPr>
+        </p:nvSpPr>
+        <p:spPr>
+          <a:xfrm>
+            <a:off x="3884612" y="8685213"/>
+            <a:ext cx="2971799" cy="457200"/>
+          </a:xfrm>
+          <a:prstGeom prst="rect">
+            <a:avLst/>
+          </a:prstGeom>
+          <a:noFill/>
+          <a:ln>
+            <a:noFill/>
+          </a:ln>
+        </p:spPr>
+        <p:txBody>
+          <a:bodyPr anchorCtr="0" anchor="b" bIns="45700" lIns="91425" spcFirstLastPara="1" rIns="91425" wrap="square" tIns="45700">
+            <a:noAutofit/>
+          </a:bodyPr>
+          <a:lstStyle/>
+          <a:p>
+            <a:pPr indent="0" lvl="0" marL="0" marR="0" rtl="0" algn="l">
+              <a:lnSpc>
+                <a:spcPct val="100000"/>
+              </a:lnSpc>
+              <a:spcBef>
+                <a:spcPts val="0"/>
+              </a:spcBef>
+              <a:spcAft>
+                <a:spcPts val="0"/>
+              </a:spcAft>
+              <a:buClr>
+                <a:srgbClr val="000000"/>
+              </a:buClr>
+              <a:buSzPts val="350"/>
+              <a:buFont typeface="Arial"/>
+              <a:buNone/>
+            </a:pPr>
+            <a:fld id="{00000000-1234-1234-1234-123412341234}" type="slidenum">
+              <a:rPr b="0" i="0" lang="en-US" sz="1400" u="none" cap="none" strike="noStrike">
+                <a:solidFill>
+                  <a:srgbClr val="000000"/>
+                </a:solidFill>
+                <a:latin typeface="Arial"/>
+                <a:ea typeface="Arial"/>
+                <a:cs typeface="Arial"/>
+                <a:sym typeface="Arial"/>
+              </a:rPr>
+              <a:t>‹#›</a:t>
+            </a:fld>
+            <a:endParaRPr/>
+          </a:p>
+        </p:txBody>
+      </p:sp>
+    </p:spTree>
+  </p:cSld>
+  <p:clrMapOvr>
+    <a:masterClrMapping/>
+  </p:clrMapOvr>
+</p:notes>
+</file>
+
+<file path=ppt/notesSlides/notesSlide22.xml><?xml version="1.0" encoding="utf-8"?>
+<p:notes xmlns:a="http://schemas.openxmlformats.org/drawingml/2006/main" xmlns:r="http://schemas.openxmlformats.org/officeDocument/2006/relationships" xmlns:mc="http://schemas.openxmlformats.org/markup-compatibility/2006" xmlns:mv="urn:schemas-microsoft-com:mac:vml" xmlns:p="http://schemas.openxmlformats.org/presentationml/2006/main" xmlns:c="http://schemas.openxmlformats.org/drawingml/2006/chart" xmlns:dgm="http://schemas.openxmlformats.org/drawingml/2006/diagram" xmlns:o="urn:schemas-microsoft-com:office:office" xmlns:v="urn:schemas-microsoft-com:vml" xmlns:pvml="urn:schemas-microsoft-com:office:powerpoint" xmlns:com="http://schemas.openxmlformats.org/drawingml/2006/compatibility" xmlns:p14="http://schemas.microsoft.com/office/powerpoint/2010/main" xmlns:p15="http://schemas.microsoft.com/office/powerpoint/2012/main" xmlns:ahyp="http://schemas.microsoft.com/office/drawing/2018/hyperlinkcolor" showMasterPhAnim="0" showMasterSp="0">
+  <p:cSld>
+    <p:spTree>
+      <p:nvGrpSpPr>
+        <p:cNvPr id="228" name="Shape 228"/>
+        <p:cNvGrpSpPr/>
+        <p:nvPr/>
+      </p:nvGrpSpPr>
+      <p:grpSpPr>
+        <a:xfrm>
+          <a:off x="0" y="0"/>
+          <a:ext cx="0" cy="0"/>
+          <a:chOff x="0" y="0"/>
+          <a:chExt cx="0" cy="0"/>
+        </a:xfrm>
+      </p:grpSpPr>
+      <p:sp>
+        <p:nvSpPr>
+          <p:cNvPr id="229" name="Google Shape;229;p22:notes"/>
+          <p:cNvSpPr/>
+          <p:nvPr>
+            <p:ph idx="2" type="sldImg"/>
+          </p:nvPr>
+        </p:nvSpPr>
+        <p:spPr>
+          <a:xfrm>
+            <a:off x="1143000" y="685800"/>
+            <a:ext cx="4572000" cy="3429000"/>
+          </a:xfrm>
+          <a:custGeom>
+            <a:rect b="b" l="l" r="r" t="t"/>
+            <a:pathLst>
+              <a:path extrusionOk="0" h="120000" w="120000">
+                <a:moveTo>
+                  <a:pt x="0" y="0"/>
+                </a:moveTo>
+                <a:lnTo>
+                  <a:pt x="120000" y="0"/>
+                </a:lnTo>
+                <a:lnTo>
+                  <a:pt x="120000" y="120000"/>
+                </a:lnTo>
+                <a:lnTo>
+                  <a:pt x="0" y="120000"/>
+                </a:lnTo>
+                <a:close/>
+              </a:path>
+            </a:pathLst>
+          </a:custGeom>
+          <a:noFill/>
+          <a:ln cap="flat" cmpd="sng" w="12700">
+            <a:solidFill>
+              <a:srgbClr val="000000"/>
+            </a:solidFill>
+            <a:prstDash val="solid"/>
+            <a:round/>
+            <a:headEnd len="sm" w="sm" type="none"/>
+            <a:tailEnd len="sm" w="sm" type="none"/>
+          </a:ln>
+        </p:spPr>
+      </p:sp>
+      <p:sp>
+        <p:nvSpPr>
+          <p:cNvPr id="230" name="Google Shape;230;p22:notes"/>
+          <p:cNvSpPr txBox="1"/>
+          <p:nvPr>
+            <p:ph idx="1" type="body"/>
+          </p:nvPr>
+        </p:nvSpPr>
+        <p:spPr>
+          <a:xfrm>
+            <a:off x="685800" y="4343400"/>
+            <a:ext cx="5486400" cy="4114800"/>
+          </a:xfrm>
+          <a:prstGeom prst="rect">
+            <a:avLst/>
+          </a:prstGeom>
+          <a:noFill/>
+          <a:ln>
+            <a:noFill/>
+          </a:ln>
+        </p:spPr>
+        <p:txBody>
+          <a:bodyPr anchorCtr="0" anchor="t" bIns="91425" lIns="91425" spcFirstLastPara="1" rIns="91425" wrap="square" tIns="91425">
+            <a:noAutofit/>
+          </a:bodyPr>
+          <a:lstStyle/>
+          <a:p>
+            <a:pPr indent="0" lvl="0" marL="0" marR="0" rtl="0" algn="l">
+              <a:spcBef>
+                <a:spcPts val="0"/>
+              </a:spcBef>
+              <a:spcAft>
+                <a:spcPts val="0"/>
+              </a:spcAft>
+              <a:buClr>
+                <a:schemeClr val="dk1"/>
+              </a:buClr>
+              <a:buSzPts val="300"/>
+              <a:buFont typeface="Calibri"/>
+              <a:buNone/>
+            </a:pPr>
+            <a:r>
+              <a:t/>
+            </a:r>
+            <a:endParaRPr b="0" i="0" sz="1200" u="none" cap="none" strike="noStrike">
+              <a:solidFill>
+                <a:schemeClr val="dk1"/>
+              </a:solidFill>
+              <a:latin typeface="Calibri"/>
+              <a:ea typeface="Calibri"/>
+              <a:cs typeface="Calibri"/>
+              <a:sym typeface="Calibri"/>
+            </a:endParaRPr>
+          </a:p>
+        </p:txBody>
+      </p:sp>
+      <p:sp>
+        <p:nvSpPr>
+          <p:cNvPr id="231" name="Google Shape;231;p22:notes"/>
+          <p:cNvSpPr txBox="1"/>
+          <p:nvPr>
+            <p:ph idx="12" type="sldNum"/>
+          </p:nvPr>
+        </p:nvSpPr>
+        <p:spPr>
+          <a:xfrm>
+            <a:off x="3884612" y="8685213"/>
+            <a:ext cx="2971799" cy="457200"/>
+          </a:xfrm>
+          <a:prstGeom prst="rect">
+            <a:avLst/>
+          </a:prstGeom>
+          <a:noFill/>
+          <a:ln>
+            <a:noFill/>
+          </a:ln>
+        </p:spPr>
+        <p:txBody>
+          <a:bodyPr anchorCtr="0" anchor="b" bIns="45700" lIns="91425" spcFirstLastPara="1" rIns="91425" wrap="square" tIns="45700">
+            <a:noAutofit/>
+          </a:bodyPr>
+          <a:lstStyle/>
+          <a:p>
+            <a:pPr indent="0" lvl="0" marL="0" marR="0" rtl="0" algn="l">
+              <a:lnSpc>
+                <a:spcPct val="100000"/>
+              </a:lnSpc>
+              <a:spcBef>
+                <a:spcPts val="0"/>
+              </a:spcBef>
+              <a:spcAft>
+                <a:spcPts val="0"/>
+              </a:spcAft>
+              <a:buClr>
+                <a:srgbClr val="000000"/>
+              </a:buClr>
+              <a:buSzPts val="350"/>
+              <a:buFont typeface="Arial"/>
+              <a:buNone/>
+            </a:pPr>
+            <a:fld id="{00000000-1234-1234-1234-123412341234}" type="slidenum">
+              <a:rPr b="0" i="0" lang="en-US" sz="1400" u="none" cap="none" strike="noStrike">
+                <a:solidFill>
+                  <a:srgbClr val="000000"/>
+                </a:solidFill>
+                <a:latin typeface="Arial"/>
+                <a:ea typeface="Arial"/>
+                <a:cs typeface="Arial"/>
+                <a:sym typeface="Arial"/>
+              </a:rPr>
+              <a:t>‹#›</a:t>
+            </a:fld>
+            <a:endParaRPr/>
+          </a:p>
+        </p:txBody>
+      </p:sp>
+    </p:spTree>
+  </p:cSld>
+  <p:clrMapOvr>
+    <a:masterClrMapping/>
+  </p:clrMapOvr>
+</p:notes>
+</file>
+
+<file path=ppt/notesSlides/notesSlide23.xml><?xml version="1.0" encoding="utf-8"?>
+<p:notes xmlns:a="http://schemas.openxmlformats.org/drawingml/2006/main" xmlns:r="http://schemas.openxmlformats.org/officeDocument/2006/relationships" xmlns:mc="http://schemas.openxmlformats.org/markup-compatibility/2006" xmlns:mv="urn:schemas-microsoft-com:mac:vml" xmlns:p="http://schemas.openxmlformats.org/presentationml/2006/main" xmlns:c="http://schemas.openxmlformats.org/drawingml/2006/chart" xmlns:dgm="http://schemas.openxmlformats.org/drawingml/2006/diagram" xmlns:o="urn:schemas-microsoft-com:office:office" xmlns:v="urn:schemas-microsoft-com:vml" xmlns:pvml="urn:schemas-microsoft-com:office:powerpoint" xmlns:com="http://schemas.openxmlformats.org/drawingml/2006/compatibility" xmlns:p14="http://schemas.microsoft.com/office/powerpoint/2010/main" xmlns:p15="http://schemas.microsoft.com/office/powerpoint/2012/main" xmlns:ahyp="http://schemas.microsoft.com/office/drawing/2018/hyperlinkcolor" showMasterPhAnim="0" showMasterSp="0">
+  <p:cSld>
+    <p:spTree>
+      <p:nvGrpSpPr>
+        <p:cNvPr id="236" name="Shape 236"/>
+        <p:cNvGrpSpPr/>
+        <p:nvPr/>
+      </p:nvGrpSpPr>
+      <p:grpSpPr>
+        <a:xfrm>
+          <a:off x="0" y="0"/>
+          <a:ext cx="0" cy="0"/>
+          <a:chOff x="0" y="0"/>
+          <a:chExt cx="0" cy="0"/>
+        </a:xfrm>
+      </p:grpSpPr>
+      <p:sp>
+        <p:nvSpPr>
+          <p:cNvPr id="237" name="Google Shape;237;p23:notes"/>
+          <p:cNvSpPr/>
+          <p:nvPr>
+            <p:ph idx="2" type="sldImg"/>
+          </p:nvPr>
+        </p:nvSpPr>
+        <p:spPr>
+          <a:xfrm>
+            <a:off x="1143000" y="685800"/>
+            <a:ext cx="4572000" cy="3429000"/>
+          </a:xfrm>
+          <a:custGeom>
+            <a:rect b="b" l="l" r="r" t="t"/>
+            <a:pathLst>
+              <a:path extrusionOk="0" h="120000" w="120000">
+                <a:moveTo>
+                  <a:pt x="0" y="0"/>
+                </a:moveTo>
+                <a:lnTo>
+                  <a:pt x="120000" y="0"/>
+                </a:lnTo>
+                <a:lnTo>
+                  <a:pt x="120000" y="120000"/>
+                </a:lnTo>
+                <a:lnTo>
+                  <a:pt x="0" y="120000"/>
+                </a:lnTo>
+                <a:close/>
+              </a:path>
+            </a:pathLst>
+          </a:custGeom>
+          <a:noFill/>
+          <a:ln cap="flat" cmpd="sng" w="12700">
+            <a:solidFill>
+              <a:srgbClr val="000000"/>
+            </a:solidFill>
+            <a:prstDash val="solid"/>
+            <a:round/>
+            <a:headEnd len="sm" w="sm" type="none"/>
+            <a:tailEnd len="sm" w="sm" type="none"/>
+          </a:ln>
+        </p:spPr>
+      </p:sp>
+      <p:sp>
+        <p:nvSpPr>
+          <p:cNvPr id="238" name="Google Shape;238;p23:notes"/>
+          <p:cNvSpPr txBox="1"/>
+          <p:nvPr>
+            <p:ph idx="1" type="body"/>
+          </p:nvPr>
+        </p:nvSpPr>
+        <p:spPr>
+          <a:xfrm>
+            <a:off x="685800" y="4343400"/>
+            <a:ext cx="5486400" cy="4114800"/>
+          </a:xfrm>
+          <a:prstGeom prst="rect">
+            <a:avLst/>
+          </a:prstGeom>
+          <a:noFill/>
+          <a:ln>
+            <a:noFill/>
+          </a:ln>
+        </p:spPr>
+        <p:txBody>
+          <a:bodyPr anchorCtr="0" anchor="t" bIns="91425" lIns="91425" spcFirstLastPara="1" rIns="91425" wrap="square" tIns="91425">
+            <a:noAutofit/>
+          </a:bodyPr>
+          <a:lstStyle/>
+          <a:p>
+            <a:pPr indent="0" lvl="0" marL="0" marR="0" rtl="0" algn="l">
+              <a:spcBef>
+                <a:spcPts val="0"/>
+              </a:spcBef>
+              <a:spcAft>
+                <a:spcPts val="0"/>
+              </a:spcAft>
+              <a:buClr>
+                <a:schemeClr val="dk1"/>
+              </a:buClr>
+              <a:buSzPts val="300"/>
+              <a:buFont typeface="Calibri"/>
+              <a:buNone/>
+            </a:pPr>
+            <a:r>
+              <a:t/>
+            </a:r>
+            <a:endParaRPr b="0" i="0" sz="1200" u="none" cap="none" strike="noStrike">
+              <a:solidFill>
+                <a:schemeClr val="dk1"/>
+              </a:solidFill>
+              <a:latin typeface="Calibri"/>
+              <a:ea typeface="Calibri"/>
+              <a:cs typeface="Calibri"/>
+              <a:sym typeface="Calibri"/>
+            </a:endParaRPr>
+          </a:p>
+        </p:txBody>
+      </p:sp>
+      <p:sp>
+        <p:nvSpPr>
+          <p:cNvPr id="239" name="Google Shape;239;p23:notes"/>
+          <p:cNvSpPr txBox="1"/>
+          <p:nvPr>
+            <p:ph idx="12" type="sldNum"/>
+          </p:nvPr>
+        </p:nvSpPr>
+        <p:spPr>
+          <a:xfrm>
+            <a:off x="3884612" y="8685213"/>
+            <a:ext cx="2971799" cy="457200"/>
+          </a:xfrm>
+          <a:prstGeom prst="rect">
+            <a:avLst/>
+          </a:prstGeom>
+          <a:noFill/>
+          <a:ln>
+            <a:noFill/>
+          </a:ln>
+        </p:spPr>
+        <p:txBody>
+          <a:bodyPr anchorCtr="0" anchor="b" bIns="45700" lIns="91425" spcFirstLastPara="1" rIns="91425" wrap="square" tIns="45700">
+            <a:noAutofit/>
+          </a:bodyPr>
+          <a:lstStyle/>
+          <a:p>
+            <a:pPr indent="0" lvl="0" marL="0" marR="0" rtl="0" algn="l">
+              <a:lnSpc>
+                <a:spcPct val="100000"/>
+              </a:lnSpc>
+              <a:spcBef>
+                <a:spcPts val="0"/>
+              </a:spcBef>
+              <a:spcAft>
+                <a:spcPts val="0"/>
+              </a:spcAft>
+              <a:buClr>
+                <a:srgbClr val="000000"/>
+              </a:buClr>
+              <a:buSzPts val="350"/>
+              <a:buFont typeface="Arial"/>
+              <a:buNone/>
+            </a:pPr>
+            <a:fld id="{00000000-1234-1234-1234-123412341234}" type="slidenum">
+              <a:rPr b="0" i="0" lang="en-US" sz="1400" u="none" cap="none" strike="noStrike">
+                <a:solidFill>
+                  <a:srgbClr val="000000"/>
+                </a:solidFill>
+                <a:latin typeface="Arial"/>
+                <a:ea typeface="Arial"/>
+                <a:cs typeface="Arial"/>
+                <a:sym typeface="Arial"/>
+              </a:rPr>
+              <a:t>‹#›</a:t>
+            </a:fld>
+            <a:endParaRPr/>
+          </a:p>
+        </p:txBody>
+      </p:sp>
+    </p:spTree>
+  </p:cSld>
+  <p:clrMapOvr>
+    <a:masterClrMapping/>
+  </p:clrMapOvr>
+</p:notes>
+</file>
+
 <file path=ppt/notesSlides/notesSlide3.xml><?xml version="1.0" encoding="utf-8"?>
 <p:notes xmlns:a="http://schemas.openxmlformats.org/drawingml/2006/main" xmlns:r="http://schemas.openxmlformats.org/officeDocument/2006/relationships" xmlns:mc="http://schemas.openxmlformats.org/markup-compatibility/2006" xmlns:mv="urn:schemas-microsoft-com:mac:vml" xmlns:p="http://schemas.openxmlformats.org/presentationml/2006/main" xmlns:c="http://schemas.openxmlformats.org/drawingml/2006/chart" xmlns:dgm="http://schemas.openxmlformats.org/drawingml/2006/diagram" xmlns:o="urn:schemas-microsoft-com:office:office" xmlns:v="urn:schemas-microsoft-com:vml" xmlns:pvml="urn:schemas-microsoft-com:office:powerpoint" xmlns:com="http://schemas.openxmlformats.org/drawingml/2006/compatibility" xmlns:p14="http://schemas.microsoft.com/office/powerpoint/2010/main" xmlns:p15="http://schemas.microsoft.com/office/powerpoint/2012/main" xmlns:ahyp="http://schemas.microsoft.com/office/drawing/2018/hyperlinkcolor" showMasterPhAnim="0" showMasterSp="0">
   <p:cSld>
@@ -3909,7 +4657,7 @@
         <p:spPr>
           <a:xfrm>
             <a:off x="685800" y="4343400"/>
-            <a:ext cx="5486400" cy="4114800"/>
+            <a:ext cx="5486399" cy="4114800"/>
           </a:xfrm>
           <a:prstGeom prst="rect">
             <a:avLst/>
@@ -11106,7 +11854,7 @@
               <a:buNone/>
             </a:pPr>
             <a:r>
-              <a:rPr b="1" i="0" lang="en-US" sz="4800" u="none" cap="none" strike="noStrike">
+              <a:rPr b="1" i="0" lang="en-US" sz="3900" u="none" cap="none" strike="noStrike">
                 <a:solidFill>
                   <a:srgbClr val="000000"/>
                 </a:solidFill>
@@ -11118,7 +11866,7 @@
               <a:t>Sessão </a:t>
             </a:r>
             <a:r>
-              <a:rPr b="1" lang="en-US" sz="4800">
+              <a:rPr b="1" lang="en-US" sz="3900">
                 <a:solidFill>
                   <a:srgbClr val="000000"/>
                 </a:solidFill>
@@ -11127,9 +11875,9 @@
                 <a:cs typeface="Open Sans"/>
                 <a:sym typeface="Open Sans"/>
               </a:rPr>
-              <a:t>14 - O Desenho das Instituições </a:t>
-            </a:r>
-            <a:endParaRPr b="1" sz="4800">
+              <a:t>14 - Instituições no Terceiro Mundo e o Caso Islâmico</a:t>
+            </a:r>
+            <a:endParaRPr b="1" sz="3900">
               <a:latin typeface="Open Sans"/>
               <a:ea typeface="Open Sans"/>
               <a:cs typeface="Open Sans"/>
@@ -11161,7 +11909,7 @@
         </p:spPr>
         <p:txBody>
           <a:bodyPr anchorCtr="0" anchor="t" bIns="45700" lIns="91425" spcFirstLastPara="1" rIns="91425" wrap="square" tIns="45700">
-            <a:normAutofit fontScale="92500" lnSpcReduction="10000"/>
+            <a:normAutofit fontScale="77500" lnSpcReduction="20000"/>
           </a:bodyPr>
           <a:lstStyle/>
           <a:p>
@@ -11178,7 +11926,7 @@
               <a:buClr>
                 <a:schemeClr val="dk1"/>
               </a:buClr>
-              <a:buSzPts val="555"/>
+              <a:buSzPts val="465"/>
               <a:buFont typeface="Arial"/>
               <a:buNone/>
             </a:pPr>
@@ -11199,7 +11947,7 @@
             </a:endParaRPr>
           </a:p>
           <a:p>
-            <a:pPr indent="0" lvl="0" marL="0" rtl="0" algn="ctr">
+            <a:pPr indent="0" lvl="0" marL="0" marR="0" rtl="0" algn="ctr">
               <a:lnSpc>
                 <a:spcPct val="100000"/>
               </a:lnSpc>
@@ -11212,10 +11960,25 @@
               <a:buClr>
                 <a:schemeClr val="dk1"/>
               </a:buClr>
-              <a:buSzPts val="555"/>
+              <a:buSzPts val="465"/>
               <a:buFont typeface="Arial"/>
               <a:buNone/>
             </a:pPr>
+            <a:r>
+              <a:rPr lang="en-US" sz="2400">
+                <a:solidFill>
+                  <a:srgbClr val="24292E"/>
+                </a:solidFill>
+                <a:highlight>
+                  <a:srgbClr val="FFFFFF"/>
+                </a:highlight>
+                <a:latin typeface="Open Sans"/>
+                <a:ea typeface="Open Sans"/>
+                <a:cs typeface="Open Sans"/>
+                <a:sym typeface="Open Sans"/>
+              </a:rPr>
+              <a:t>Timur Kuran - </a:t>
+            </a:r>
             <a:r>
               <a:rPr lang="en-US" sz="2400">
                 <a:solidFill>
@@ -11226,7 +11989,7 @@
                 <a:cs typeface="Open Sans"/>
                 <a:sym typeface="Open Sans"/>
               </a:rPr>
-              <a:t>Anthony Ogus - Economics and the Design of Regulatory Law</a:t>
+              <a:t>The Puzzle of the Middle East's Economic Underdevelopment e The Economic Impact of Islamism</a:t>
             </a:r>
             <a:endParaRPr>
               <a:latin typeface="Open Sans"/>
@@ -11236,7 +11999,7 @@
             </a:endParaRPr>
           </a:p>
           <a:p>
-            <a:pPr indent="0" lvl="0" marL="0" marR="0" rtl="0" algn="l">
+            <a:pPr indent="0" lvl="0" marL="0" marR="0" rtl="0" algn="ctr">
               <a:lnSpc>
                 <a:spcPct val="100000"/>
               </a:lnSpc>
@@ -11249,7 +12012,7 @@
               <a:buClr>
                 <a:schemeClr val="dk1"/>
               </a:buClr>
-              <a:buSzPts val="555"/>
+              <a:buSzPts val="465"/>
               <a:buFont typeface="Arial"/>
               <a:buNone/>
             </a:pPr>
@@ -11287,8 +12050,8 @@
         </p:blipFill>
         <p:spPr>
           <a:xfrm>
-            <a:off x="152400" y="6080299"/>
-            <a:ext cx="2083148" cy="625301"/>
+            <a:off x="152400" y="6069824"/>
+            <a:ext cx="2118076" cy="635774"/>
           </a:xfrm>
           <a:prstGeom prst="rect">
             <a:avLst/>
@@ -11353,29 +12116,35 @@
           <a:p>
             <a:pPr indent="0" lvl="0" marL="0" marR="0" rtl="0" algn="ctr">
               <a:lnSpc>
-                <a:spcPct val="125000"/>
-              </a:lnSpc>
-              <a:spcBef>
-                <a:spcPts val="0"/>
-              </a:spcBef>
-              <a:spcAft>
-                <a:spcPts val="0"/>
-              </a:spcAft>
-              <a:buClr>
-                <a:srgbClr val="000000"/>
+                <a:spcPct val="100000"/>
+              </a:lnSpc>
+              <a:spcBef>
+                <a:spcPts val="0"/>
+              </a:spcBef>
+              <a:spcAft>
+                <a:spcPts val="0"/>
+              </a:spcAft>
+              <a:buClr>
+                <a:schemeClr val="dk1"/>
               </a:buClr>
               <a:buSzPts val="900"/>
-              <a:buFont typeface="Arial"/>
+              <a:buFont typeface="Calibri"/>
               <a:buNone/>
             </a:pPr>
             <a:r>
               <a:rPr b="1" lang="en-US" sz="3600">
+                <a:solidFill>
+                  <a:srgbClr val="000000"/>
+                </a:solidFill>
+                <a:highlight>
+                  <a:srgbClr val="FFFFFF"/>
+                </a:highlight>
                 <a:latin typeface="Open Sans"/>
                 <a:ea typeface="Open Sans"/>
                 <a:cs typeface="Open Sans"/>
                 <a:sym typeface="Open Sans"/>
               </a:rPr>
-              <a:t>The Design of Regulation</a:t>
+              <a:t>The Economic Impact of Islamism</a:t>
             </a:r>
             <a:endParaRPr>
               <a:latin typeface="Open Sans"/>
@@ -11409,20 +12178,23 @@
         </p:spPr>
         <p:txBody>
           <a:bodyPr anchorCtr="0" anchor="t" bIns="91425" lIns="91425" spcFirstLastPara="1" rIns="91425" wrap="square" tIns="91425">
-            <a:normAutofit fontScale="92500" lnSpcReduction="10000"/>
+            <a:normAutofit fontScale="85000" lnSpcReduction="20000"/>
           </a:bodyPr>
           <a:lstStyle/>
           <a:p>
-            <a:pPr indent="-369570" lvl="0" marL="457200" marR="0" rtl="0" algn="l">
-              <a:lnSpc>
-                <a:spcPct val="150000"/>
-              </a:lnSpc>
-              <a:spcBef>
-                <a:spcPts val="0"/>
-              </a:spcBef>
-              <a:spcAft>
-                <a:spcPts val="0"/>
-              </a:spcAft>
+            <a:pPr indent="-358140" lvl="0" marL="457200" rtl="0" algn="l">
+              <a:lnSpc>
+                <a:spcPct val="115000"/>
+              </a:lnSpc>
+              <a:spcBef>
+                <a:spcPts val="0"/>
+              </a:spcBef>
+              <a:spcAft>
+                <a:spcPts val="0"/>
+              </a:spcAft>
+              <a:buClr>
+                <a:schemeClr val="dk1"/>
+              </a:buClr>
               <a:buSzPct val="100000"/>
               <a:buFont typeface="Open Sans"/>
               <a:buChar char="•"/>
@@ -11434,7 +12206,7 @@
                 <a:cs typeface="Open Sans"/>
                 <a:sym typeface="Open Sans"/>
               </a:rPr>
-              <a:t>O primeiro aspecto da </a:t>
+              <a:t>Para Kuran, a </a:t>
             </a:r>
             <a:r>
               <a:rPr i="1" lang="en-US" sz="2400">
@@ -11443,7 +12215,7 @@
                 <a:cs typeface="Open Sans"/>
                 <a:sym typeface="Open Sans"/>
               </a:rPr>
-              <a:t>regulatory failure</a:t>
+              <a:t>Islamic economics</a:t>
             </a:r>
             <a:r>
               <a:rPr lang="en-US" sz="2400">
@@ -11452,17 +12224,56 @@
                 <a:cs typeface="Open Sans"/>
                 <a:sym typeface="Open Sans"/>
               </a:rPr>
-              <a:t> vem da </a:t>
-            </a:r>
-            <a:r>
-              <a:rPr i="1" lang="en-US" sz="2400">
-                <a:latin typeface="Open Sans"/>
-                <a:ea typeface="Open Sans"/>
-                <a:cs typeface="Open Sans"/>
-                <a:sym typeface="Open Sans"/>
-              </a:rPr>
-              <a:t>regulatory capture</a:t>
-            </a:r>
+              <a:t> é parte de um projeto holístico e fundamentalista de expansão do Islã para outras esferas que não aquela da moral</a:t>
+            </a:r>
+            <a:endParaRPr sz="2400">
+              <a:latin typeface="Open Sans"/>
+              <a:ea typeface="Open Sans"/>
+              <a:cs typeface="Open Sans"/>
+              <a:sym typeface="Open Sans"/>
+            </a:endParaRPr>
+          </a:p>
+          <a:p>
+            <a:pPr indent="0" lvl="0" marL="406400" rtl="0" algn="l">
+              <a:lnSpc>
+                <a:spcPct val="115000"/>
+              </a:lnSpc>
+              <a:spcBef>
+                <a:spcPts val="0"/>
+              </a:spcBef>
+              <a:spcAft>
+                <a:spcPts val="0"/>
+              </a:spcAft>
+              <a:buNone/>
+            </a:pPr>
+            <a:r>
+              <a:t/>
+            </a:r>
+            <a:endParaRPr sz="2400">
+              <a:latin typeface="Open Sans"/>
+              <a:ea typeface="Open Sans"/>
+              <a:cs typeface="Open Sans"/>
+              <a:sym typeface="Open Sans"/>
+            </a:endParaRPr>
+          </a:p>
+          <a:p>
+            <a:pPr indent="-358140" lvl="0" marL="457200" rtl="0" algn="l">
+              <a:lnSpc>
+                <a:spcPct val="115000"/>
+              </a:lnSpc>
+              <a:spcBef>
+                <a:spcPts val="0"/>
+              </a:spcBef>
+              <a:spcAft>
+                <a:spcPts val="0"/>
+              </a:spcAft>
+              <a:buClr>
+                <a:schemeClr val="dk1"/>
+              </a:buClr>
+              <a:buSzPct val="100000"/>
+              <a:buFont typeface="Open Sans"/>
+              <a:buChar char="•"/>
+            </a:pPr>
             <a:r>
               <a:rPr lang="en-US" sz="2400">
                 <a:latin typeface="Open Sans"/>
@@ -11470,7 +12281,7 @@
                 <a:cs typeface="Open Sans"/>
                 <a:sym typeface="Open Sans"/>
               </a:rPr>
-              <a:t>, ou seja, a noção de que agências reguladoras também são capturadas por interesses privados e passam a atuar para defender tais interesses e não a vontade geral</a:t>
+              <a:t>A idéia de que a economia deveria ser integrada à fé é moderna, estabelecida no século XX por Abul A'la Mawdudi (1903-1979)</a:t>
             </a:r>
             <a:endParaRPr sz="2400">
               <a:latin typeface="Open Sans"/>
@@ -11480,9 +12291,9 @@
             </a:endParaRPr>
           </a:p>
           <a:p>
-            <a:pPr indent="0" lvl="0" marL="406400" marR="0" rtl="0" algn="l">
-              <a:lnSpc>
-                <a:spcPct val="150000"/>
+            <a:pPr indent="0" lvl="0" marL="406400" rtl="0" algn="l">
+              <a:lnSpc>
+                <a:spcPct val="115000"/>
               </a:lnSpc>
               <a:spcBef>
                 <a:spcPts val="0"/>
@@ -11503,16 +12314,19 @@
             </a:endParaRPr>
           </a:p>
           <a:p>
-            <a:pPr indent="-369570" lvl="0" marL="457200" marR="0" rtl="0" algn="l">
-              <a:lnSpc>
-                <a:spcPct val="150000"/>
-              </a:lnSpc>
-              <a:spcBef>
-                <a:spcPts val="0"/>
-              </a:spcBef>
-              <a:spcAft>
-                <a:spcPts val="0"/>
-              </a:spcAft>
+            <a:pPr indent="-358140" lvl="0" marL="457200" rtl="0" algn="l">
+              <a:lnSpc>
+                <a:spcPct val="115000"/>
+              </a:lnSpc>
+              <a:spcBef>
+                <a:spcPts val="0"/>
+              </a:spcBef>
+              <a:spcAft>
+                <a:spcPts val="0"/>
+              </a:spcAft>
+              <a:buClr>
+                <a:schemeClr val="dk1"/>
+              </a:buClr>
               <a:buSzPct val="100000"/>
               <a:buFont typeface="Open Sans"/>
               <a:buChar char="•"/>
@@ -11524,7 +12338,64 @@
                 <a:cs typeface="Open Sans"/>
                 <a:sym typeface="Open Sans"/>
               </a:rPr>
-              <a:t>Agências poderiam ser capturadas de diversas formas, via propinas, indicações políticas, contribuições para eleições, negociatas com membros das reguladoras, etc</a:t>
+              <a:t>Maududi defendia a “shariarização” do Paquistão e defendia que o Islã era “um sistema completo de conduta”, que abarcava toda a vida individual</a:t>
+            </a:r>
+            <a:endParaRPr sz="2400">
+              <a:latin typeface="Open Sans"/>
+              <a:ea typeface="Open Sans"/>
+              <a:cs typeface="Open Sans"/>
+              <a:sym typeface="Open Sans"/>
+            </a:endParaRPr>
+          </a:p>
+          <a:p>
+            <a:pPr indent="0" lvl="0" marL="406400" rtl="0" algn="l">
+              <a:lnSpc>
+                <a:spcPct val="115000"/>
+              </a:lnSpc>
+              <a:spcBef>
+                <a:spcPts val="0"/>
+              </a:spcBef>
+              <a:spcAft>
+                <a:spcPts val="0"/>
+              </a:spcAft>
+              <a:buNone/>
+            </a:pPr>
+            <a:r>
+              <a:t/>
+            </a:r>
+            <a:endParaRPr sz="2400">
+              <a:latin typeface="Open Sans"/>
+              <a:ea typeface="Open Sans"/>
+              <a:cs typeface="Open Sans"/>
+              <a:sym typeface="Open Sans"/>
+            </a:endParaRPr>
+          </a:p>
+          <a:p>
+            <a:pPr indent="-358140" lvl="0" marL="457200" rtl="0" algn="l">
+              <a:lnSpc>
+                <a:spcPct val="115000"/>
+              </a:lnSpc>
+              <a:spcBef>
+                <a:spcPts val="0"/>
+              </a:spcBef>
+              <a:spcAft>
+                <a:spcPts val="0"/>
+              </a:spcAft>
+              <a:buClr>
+                <a:schemeClr val="dk1"/>
+              </a:buClr>
+              <a:buSzPct val="100000"/>
+              <a:buFont typeface="Open Sans"/>
+              <a:buChar char="•"/>
+            </a:pPr>
+            <a:r>
+              <a:rPr lang="en-US" sz="2400">
+                <a:latin typeface="Open Sans"/>
+                <a:ea typeface="Open Sans"/>
+                <a:cs typeface="Open Sans"/>
+                <a:sym typeface="Open Sans"/>
+              </a:rPr>
+              <a:t>Sayyd Qutb (1906-1966), no Egito, tinha pensamento similar</a:t>
             </a:r>
             <a:endParaRPr>
               <a:latin typeface="Open Sans"/>
@@ -11551,8 +12422,8 @@
         </p:blipFill>
         <p:spPr>
           <a:xfrm>
-            <a:off x="152400" y="6080299"/>
-            <a:ext cx="2083148" cy="625301"/>
+            <a:off x="152400" y="6069824"/>
+            <a:ext cx="2118076" cy="635774"/>
           </a:xfrm>
           <a:prstGeom prst="rect">
             <a:avLst/>
@@ -11617,29 +12488,35 @@
           <a:p>
             <a:pPr indent="0" lvl="0" marL="0" marR="0" rtl="0" algn="ctr">
               <a:lnSpc>
-                <a:spcPct val="125000"/>
-              </a:lnSpc>
-              <a:spcBef>
-                <a:spcPts val="0"/>
-              </a:spcBef>
-              <a:spcAft>
-                <a:spcPts val="0"/>
-              </a:spcAft>
-              <a:buClr>
-                <a:srgbClr val="000000"/>
+                <a:spcPct val="100000"/>
+              </a:lnSpc>
+              <a:spcBef>
+                <a:spcPts val="0"/>
+              </a:spcBef>
+              <a:spcAft>
+                <a:spcPts val="0"/>
+              </a:spcAft>
+              <a:buClr>
+                <a:schemeClr val="dk1"/>
               </a:buClr>
               <a:buSzPts val="900"/>
-              <a:buFont typeface="Arial"/>
+              <a:buFont typeface="Calibri"/>
               <a:buNone/>
             </a:pPr>
             <a:r>
               <a:rPr b="1" lang="en-US" sz="3600">
+                <a:solidFill>
+                  <a:srgbClr val="000000"/>
+                </a:solidFill>
+                <a:highlight>
+                  <a:srgbClr val="FFFFFF"/>
+                </a:highlight>
                 <a:latin typeface="Open Sans"/>
                 <a:ea typeface="Open Sans"/>
                 <a:cs typeface="Open Sans"/>
                 <a:sym typeface="Open Sans"/>
               </a:rPr>
-              <a:t>The Design of Regulation</a:t>
+              <a:t>The Economic Impact of Islamism</a:t>
             </a:r>
             <a:endParaRPr>
               <a:latin typeface="Open Sans"/>
@@ -11677,16 +12554,19 @@
           </a:bodyPr>
           <a:lstStyle/>
           <a:p>
-            <a:pPr indent="-358140" lvl="0" marL="457200" marR="0" rtl="0" algn="l">
-              <a:lnSpc>
-                <a:spcPct val="150000"/>
-              </a:lnSpc>
-              <a:spcBef>
-                <a:spcPts val="0"/>
-              </a:spcBef>
-              <a:spcAft>
-                <a:spcPts val="0"/>
-              </a:spcAft>
+            <a:pPr indent="-358140" lvl="0" marL="457200" rtl="0" algn="l">
+              <a:lnSpc>
+                <a:spcPct val="115000"/>
+              </a:lnSpc>
+              <a:spcBef>
+                <a:spcPts val="0"/>
+              </a:spcBef>
+              <a:spcAft>
+                <a:spcPts val="0"/>
+              </a:spcAft>
+              <a:buClr>
+                <a:schemeClr val="dk1"/>
+              </a:buClr>
               <a:buSzPct val="100000"/>
               <a:buFont typeface="Open Sans"/>
               <a:buChar char="•"/>
@@ -11698,7 +12578,7 @@
                 <a:cs typeface="Open Sans"/>
                 <a:sym typeface="Open Sans"/>
               </a:rPr>
-              <a:t>Chega então uma nova forma de se entender a regulação:</a:t>
+              <a:t>Mas enquanto Qutb era desconfiado do mercado, Maududi era em teoria a favor da economia de mercado, contanto que ela se conformasse dentro dos parâmetros da fé</a:t>
             </a:r>
             <a:endParaRPr sz="2400">
               <a:latin typeface="Open Sans"/>
@@ -11708,9 +12588,9 @@
             </a:endParaRPr>
           </a:p>
           <a:p>
-            <a:pPr indent="0" lvl="0" marL="406400" marR="0" rtl="0" algn="l">
-              <a:lnSpc>
-                <a:spcPct val="150000"/>
+            <a:pPr indent="0" lvl="0" marL="406400" rtl="0" algn="l">
+              <a:lnSpc>
+                <a:spcPct val="115000"/>
               </a:lnSpc>
               <a:spcBef>
                 <a:spcPts val="0"/>
@@ -11731,16 +12611,19 @@
             </a:endParaRPr>
           </a:p>
           <a:p>
-            <a:pPr indent="-358140" lvl="0" marL="457200" marR="0" rtl="0" algn="l">
-              <a:lnSpc>
-                <a:spcPct val="150000"/>
-              </a:lnSpc>
-              <a:spcBef>
-                <a:spcPts val="0"/>
-              </a:spcBef>
-              <a:spcAft>
-                <a:spcPts val="0"/>
-              </a:spcAft>
+            <a:pPr indent="-358140" lvl="0" marL="457200" rtl="0" algn="l">
+              <a:lnSpc>
+                <a:spcPct val="115000"/>
+              </a:lnSpc>
+              <a:spcBef>
+                <a:spcPts val="0"/>
+              </a:spcBef>
+              <a:spcAft>
+                <a:spcPts val="0"/>
+              </a:spcAft>
+              <a:buClr>
+                <a:schemeClr val="dk1"/>
+              </a:buClr>
               <a:buSzPct val="100000"/>
               <a:buFont typeface="Open Sans"/>
               <a:buChar char="•"/>
@@ -11752,7 +12635,73 @@
                 <a:cs typeface="Open Sans"/>
                 <a:sym typeface="Open Sans"/>
               </a:rPr>
-              <a:t>Vários dos serviços então sob o monopólio do estado passam a ser fornecidos por empresas privadas (água, luz, saúde pública, etc), e a regulação então se foca em manter condições competitivas para o mercado</a:t>
+              <a:t>É importante lembrar que o próprio profeta Maomé era comerciante, então a rigor não existe oposição entre o Islã e o capitalismo </a:t>
+            </a:r>
+            <a:r>
+              <a:rPr i="1" lang="en-US" sz="2400">
+                <a:latin typeface="Open Sans"/>
+                <a:ea typeface="Open Sans"/>
+                <a:cs typeface="Open Sans"/>
+                <a:sym typeface="Open Sans"/>
+              </a:rPr>
+              <a:t>per se</a:t>
+            </a:r>
+            <a:endParaRPr i="1" sz="2400">
+              <a:latin typeface="Open Sans"/>
+              <a:ea typeface="Open Sans"/>
+              <a:cs typeface="Open Sans"/>
+              <a:sym typeface="Open Sans"/>
+            </a:endParaRPr>
+          </a:p>
+          <a:p>
+            <a:pPr indent="0" lvl="0" marL="406400" rtl="0" algn="l">
+              <a:lnSpc>
+                <a:spcPct val="115000"/>
+              </a:lnSpc>
+              <a:spcBef>
+                <a:spcPts val="0"/>
+              </a:spcBef>
+              <a:spcAft>
+                <a:spcPts val="0"/>
+              </a:spcAft>
+              <a:buNone/>
+            </a:pPr>
+            <a:r>
+              <a:t/>
+            </a:r>
+            <a:endParaRPr i="1" sz="2400">
+              <a:latin typeface="Open Sans"/>
+              <a:ea typeface="Open Sans"/>
+              <a:cs typeface="Open Sans"/>
+              <a:sym typeface="Open Sans"/>
+            </a:endParaRPr>
+          </a:p>
+          <a:p>
+            <a:pPr indent="-358140" lvl="0" marL="457200" rtl="0" algn="l">
+              <a:lnSpc>
+                <a:spcPct val="115000"/>
+              </a:lnSpc>
+              <a:spcBef>
+                <a:spcPts val="0"/>
+              </a:spcBef>
+              <a:spcAft>
+                <a:spcPts val="0"/>
+              </a:spcAft>
+              <a:buClr>
+                <a:schemeClr val="dk1"/>
+              </a:buClr>
+              <a:buSzPct val="100000"/>
+              <a:buFont typeface="Open Sans"/>
+              <a:buChar char="•"/>
+            </a:pPr>
+            <a:r>
+              <a:rPr lang="en-US" sz="2400">
+                <a:latin typeface="Open Sans"/>
+                <a:ea typeface="Open Sans"/>
+                <a:cs typeface="Open Sans"/>
+                <a:sym typeface="Open Sans"/>
+              </a:rPr>
+              <a:t>Mawdudi argumentava que na época de ouro do Islã, “todos eram sujeitos às mesmas leis”, e assim a sociedade funcionava bem</a:t>
             </a:r>
             <a:endParaRPr sz="2400">
               <a:latin typeface="Open Sans"/>
@@ -11762,9 +12711,9 @@
             </a:endParaRPr>
           </a:p>
           <a:p>
-            <a:pPr indent="0" lvl="0" marL="406400" marR="0" rtl="0" algn="l">
-              <a:lnSpc>
-                <a:spcPct val="150000"/>
+            <a:pPr indent="0" lvl="0" marL="406400" rtl="0" algn="l">
+              <a:lnSpc>
+                <a:spcPct val="115000"/>
               </a:lnSpc>
               <a:spcBef>
                 <a:spcPts val="0"/>
@@ -11785,16 +12734,19 @@
             </a:endParaRPr>
           </a:p>
           <a:p>
-            <a:pPr indent="-358140" lvl="0" marL="457200" marR="0" rtl="0" algn="l">
-              <a:lnSpc>
-                <a:spcPct val="150000"/>
-              </a:lnSpc>
-              <a:spcBef>
-                <a:spcPts val="0"/>
-              </a:spcBef>
-              <a:spcAft>
-                <a:spcPts val="0"/>
-              </a:spcAft>
+            <a:pPr indent="-358140" lvl="0" marL="457200" rtl="0" algn="l">
+              <a:lnSpc>
+                <a:spcPct val="115000"/>
+              </a:lnSpc>
+              <a:spcBef>
+                <a:spcPts val="0"/>
+              </a:spcBef>
+              <a:spcAft>
+                <a:spcPts val="0"/>
+              </a:spcAft>
+              <a:buClr>
+                <a:schemeClr val="dk1"/>
+              </a:buClr>
               <a:buSzPct val="100000"/>
               <a:buFont typeface="Open Sans"/>
               <a:buChar char="•"/>
@@ -11806,7 +12758,7 @@
                 <a:cs typeface="Open Sans"/>
                 <a:sym typeface="Open Sans"/>
               </a:rPr>
-              <a:t>A avaliação da qualidade e dos riscos tornam-se objeto de regulação apenas quando o mercado não opera com razoável nível de competição</a:t>
+              <a:t>Depois dos califas, a sociedade disvirtuou-se</a:t>
             </a:r>
             <a:endParaRPr>
               <a:latin typeface="Open Sans"/>
@@ -11833,8 +12785,8 @@
         </p:blipFill>
         <p:spPr>
           <a:xfrm>
-            <a:off x="152400" y="6080299"/>
-            <a:ext cx="2083148" cy="625301"/>
+            <a:off x="152400" y="6069824"/>
+            <a:ext cx="2118076" cy="635774"/>
           </a:xfrm>
           <a:prstGeom prst="rect">
             <a:avLst/>
@@ -11899,29 +12851,35 @@
           <a:p>
             <a:pPr indent="0" lvl="0" marL="0" marR="0" rtl="0" algn="ctr">
               <a:lnSpc>
-                <a:spcPct val="125000"/>
-              </a:lnSpc>
-              <a:spcBef>
-                <a:spcPts val="0"/>
-              </a:spcBef>
-              <a:spcAft>
-                <a:spcPts val="0"/>
-              </a:spcAft>
-              <a:buClr>
-                <a:srgbClr val="000000"/>
+                <a:spcPct val="100000"/>
+              </a:lnSpc>
+              <a:spcBef>
+                <a:spcPts val="0"/>
+              </a:spcBef>
+              <a:spcAft>
+                <a:spcPts val="0"/>
+              </a:spcAft>
+              <a:buClr>
+                <a:schemeClr val="dk1"/>
               </a:buClr>
               <a:buSzPts val="900"/>
-              <a:buFont typeface="Arial"/>
+              <a:buFont typeface="Calibri"/>
               <a:buNone/>
             </a:pPr>
             <a:r>
               <a:rPr b="1" lang="en-US" sz="3600">
+                <a:solidFill>
+                  <a:srgbClr val="000000"/>
+                </a:solidFill>
+                <a:highlight>
+                  <a:srgbClr val="FFFFFF"/>
+                </a:highlight>
                 <a:latin typeface="Open Sans"/>
                 <a:ea typeface="Open Sans"/>
                 <a:cs typeface="Open Sans"/>
                 <a:sym typeface="Open Sans"/>
               </a:rPr>
-              <a:t>The Design of Regulation</a:t>
+              <a:t>The Economic Impact of Islamism</a:t>
             </a:r>
             <a:endParaRPr>
               <a:latin typeface="Open Sans"/>
@@ -11955,33 +12913,27 @@
         </p:spPr>
         <p:txBody>
           <a:bodyPr anchorCtr="0" anchor="t" bIns="91425" lIns="91425" spcFirstLastPara="1" rIns="91425" wrap="square" tIns="91425">
-            <a:normAutofit fontScale="85000" lnSpcReduction="20000"/>
+            <a:normAutofit fontScale="85000" lnSpcReduction="10000"/>
           </a:bodyPr>
           <a:lstStyle/>
           <a:p>
-            <a:pPr indent="-358140" lvl="0" marL="457200" marR="0" rtl="0" algn="l">
-              <a:lnSpc>
-                <a:spcPct val="150000"/>
-              </a:lnSpc>
-              <a:spcBef>
-                <a:spcPts val="0"/>
-              </a:spcBef>
-              <a:spcAft>
-                <a:spcPts val="0"/>
-              </a:spcAft>
+            <a:pPr indent="-358140" lvl="0" marL="457200" rtl="0" algn="l">
+              <a:lnSpc>
+                <a:spcPct val="115000"/>
+              </a:lnSpc>
+              <a:spcBef>
+                <a:spcPts val="0"/>
+              </a:spcBef>
+              <a:spcAft>
+                <a:spcPts val="0"/>
+              </a:spcAft>
+              <a:buClr>
+                <a:schemeClr val="dk1"/>
+              </a:buClr>
               <a:buSzPct val="100000"/>
               <a:buFont typeface="Open Sans"/>
               <a:buChar char="•"/>
             </a:pPr>
-            <a:r>
-              <a:rPr i="1" lang="en-US" sz="2400">
-                <a:latin typeface="Open Sans"/>
-                <a:ea typeface="Open Sans"/>
-                <a:cs typeface="Open Sans"/>
-                <a:sym typeface="Open Sans"/>
-              </a:rPr>
-              <a:t>Regulação social</a:t>
-            </a:r>
             <a:r>
               <a:rPr lang="en-US" sz="2400">
                 <a:latin typeface="Open Sans"/>
@@ -11989,7 +12941,7 @@
                 <a:cs typeface="Open Sans"/>
                 <a:sym typeface="Open Sans"/>
               </a:rPr>
-              <a:t>: alguns dos incentivos sociais passam a ser substituídos por incentivos financeiros, tal como bônus por produtividade</a:t>
+              <a:t>Era necessário, então, resgatá-la: a idéia de Mawdudi era promover um islamismo próximo dos ensinamentos originais de Maomé e restaurar a moralidade da idade de ouro</a:t>
             </a:r>
             <a:endParaRPr sz="2400">
               <a:latin typeface="Open Sans"/>
@@ -11999,9 +12951,9 @@
             </a:endParaRPr>
           </a:p>
           <a:p>
-            <a:pPr indent="0" lvl="0" marL="406400" marR="0" rtl="0" algn="l">
-              <a:lnSpc>
-                <a:spcPct val="150000"/>
+            <a:pPr indent="0" lvl="0" marL="406400" rtl="0" algn="l">
+              <a:lnSpc>
+                <a:spcPct val="115000"/>
               </a:lnSpc>
               <a:spcBef>
                 <a:spcPts val="0"/>
@@ -12022,16 +12974,19 @@
             </a:endParaRPr>
           </a:p>
           <a:p>
-            <a:pPr indent="-358140" lvl="0" marL="457200" marR="0" rtl="0" algn="l">
-              <a:lnSpc>
-                <a:spcPct val="150000"/>
-              </a:lnSpc>
-              <a:spcBef>
-                <a:spcPts val="0"/>
-              </a:spcBef>
-              <a:spcAft>
-                <a:spcPts val="0"/>
-              </a:spcAft>
+            <a:pPr indent="-358140" lvl="0" marL="457200" rtl="0" algn="l">
+              <a:lnSpc>
+                <a:spcPct val="115000"/>
+              </a:lnSpc>
+              <a:spcBef>
+                <a:spcPts val="0"/>
+              </a:spcBef>
+              <a:spcAft>
+                <a:spcPts val="0"/>
+              </a:spcAft>
+              <a:buClr>
+                <a:schemeClr val="dk1"/>
+              </a:buClr>
               <a:buSzPct val="100000"/>
               <a:buFont typeface="Open Sans"/>
               <a:buChar char="•"/>
@@ -12043,17 +12998,56 @@
                 <a:cs typeface="Open Sans"/>
                 <a:sym typeface="Open Sans"/>
               </a:rPr>
-              <a:t>As indústrias e a sociedade civil adotam o princípio de “</a:t>
-            </a:r>
-            <a:r>
-              <a:rPr i="1" lang="en-US" sz="2400">
-                <a:latin typeface="Open Sans"/>
-                <a:ea typeface="Open Sans"/>
-                <a:cs typeface="Open Sans"/>
-                <a:sym typeface="Open Sans"/>
-              </a:rPr>
-              <a:t>co-regulamentação</a:t>
-            </a:r>
+              <a:t>Esta é uma interpretação romantizada do passado:  não apenas os califas foram criticados por corrupção, como a economia era muito mais rudimentar, logo mais facilmente manejável</a:t>
+            </a:r>
+            <a:endParaRPr sz="2400">
+              <a:latin typeface="Open Sans"/>
+              <a:ea typeface="Open Sans"/>
+              <a:cs typeface="Open Sans"/>
+              <a:sym typeface="Open Sans"/>
+            </a:endParaRPr>
+          </a:p>
+          <a:p>
+            <a:pPr indent="0" lvl="0" marL="406400" rtl="0" algn="l">
+              <a:lnSpc>
+                <a:spcPct val="115000"/>
+              </a:lnSpc>
+              <a:spcBef>
+                <a:spcPts val="0"/>
+              </a:spcBef>
+              <a:spcAft>
+                <a:spcPts val="0"/>
+              </a:spcAft>
+              <a:buNone/>
+            </a:pPr>
+            <a:r>
+              <a:t/>
+            </a:r>
+            <a:endParaRPr sz="2400">
+              <a:latin typeface="Open Sans"/>
+              <a:ea typeface="Open Sans"/>
+              <a:cs typeface="Open Sans"/>
+              <a:sym typeface="Open Sans"/>
+            </a:endParaRPr>
+          </a:p>
+          <a:p>
+            <a:pPr indent="-358140" lvl="0" marL="457200" rtl="0" algn="l">
+              <a:lnSpc>
+                <a:spcPct val="115000"/>
+              </a:lnSpc>
+              <a:spcBef>
+                <a:spcPts val="0"/>
+              </a:spcBef>
+              <a:spcAft>
+                <a:spcPts val="0"/>
+              </a:spcAft>
+              <a:buClr>
+                <a:schemeClr val="dk1"/>
+              </a:buClr>
+              <a:buSzPct val="100000"/>
+              <a:buFont typeface="Open Sans"/>
+              <a:buChar char="•"/>
+            </a:pPr>
             <a:r>
               <a:rPr lang="en-US" sz="2400">
                 <a:latin typeface="Open Sans"/>
@@ -12061,61 +13055,7 @@
                 <a:cs typeface="Open Sans"/>
                 <a:sym typeface="Open Sans"/>
               </a:rPr>
-              <a:t>”, na qual as decisões são tomadas em conjunto com diversos atores</a:t>
-            </a:r>
-            <a:endParaRPr sz="2400">
-              <a:latin typeface="Open Sans"/>
-              <a:ea typeface="Open Sans"/>
-              <a:cs typeface="Open Sans"/>
-              <a:sym typeface="Open Sans"/>
-            </a:endParaRPr>
-          </a:p>
-          <a:p>
-            <a:pPr indent="0" lvl="0" marL="406400" marR="0" rtl="0" algn="l">
-              <a:lnSpc>
-                <a:spcPct val="150000"/>
-              </a:lnSpc>
-              <a:spcBef>
-                <a:spcPts val="0"/>
-              </a:spcBef>
-              <a:spcAft>
-                <a:spcPts val="0"/>
-              </a:spcAft>
-              <a:buNone/>
-            </a:pPr>
-            <a:r>
-              <a:t/>
-            </a:r>
-            <a:endParaRPr sz="2400">
-              <a:latin typeface="Open Sans"/>
-              <a:ea typeface="Open Sans"/>
-              <a:cs typeface="Open Sans"/>
-              <a:sym typeface="Open Sans"/>
-            </a:endParaRPr>
-          </a:p>
-          <a:p>
-            <a:pPr indent="-358140" lvl="0" marL="457200" marR="0" rtl="0" algn="l">
-              <a:lnSpc>
-                <a:spcPct val="150000"/>
-              </a:lnSpc>
-              <a:spcBef>
-                <a:spcPts val="0"/>
-              </a:spcBef>
-              <a:spcAft>
-                <a:spcPts val="0"/>
-              </a:spcAft>
-              <a:buSzPct val="100000"/>
-              <a:buFont typeface="Open Sans"/>
-              <a:buChar char="•"/>
-            </a:pPr>
-            <a:r>
-              <a:rPr lang="en-US" sz="2400">
-                <a:latin typeface="Open Sans"/>
-                <a:ea typeface="Open Sans"/>
-                <a:cs typeface="Open Sans"/>
-                <a:sym typeface="Open Sans"/>
-              </a:rPr>
-              <a:t>O estado afirma apenas quais são os objetivos centrais do serviço, deixando o resto a cargo dos fornecedores</a:t>
+              <a:t>Ao implementar uma solução passada para um problema presente, é difícil que o problema atual seja resolvido de modo satisfatório</a:t>
             </a:r>
             <a:endParaRPr>
               <a:latin typeface="Open Sans"/>
@@ -12142,8 +13082,8 @@
         </p:blipFill>
         <p:spPr>
           <a:xfrm>
-            <a:off x="152400" y="6080299"/>
-            <a:ext cx="2083148" cy="625301"/>
+            <a:off x="152400" y="6069824"/>
+            <a:ext cx="2118076" cy="635774"/>
           </a:xfrm>
           <a:prstGeom prst="rect">
             <a:avLst/>
@@ -12208,29 +13148,35 @@
           <a:p>
             <a:pPr indent="0" lvl="0" marL="0" marR="0" rtl="0" algn="ctr">
               <a:lnSpc>
-                <a:spcPct val="125000"/>
-              </a:lnSpc>
-              <a:spcBef>
-                <a:spcPts val="0"/>
-              </a:spcBef>
-              <a:spcAft>
-                <a:spcPts val="0"/>
-              </a:spcAft>
-              <a:buClr>
-                <a:srgbClr val="000000"/>
+                <a:spcPct val="100000"/>
+              </a:lnSpc>
+              <a:spcBef>
+                <a:spcPts val="0"/>
+              </a:spcBef>
+              <a:spcAft>
+                <a:spcPts val="0"/>
+              </a:spcAft>
+              <a:buClr>
+                <a:schemeClr val="dk1"/>
               </a:buClr>
               <a:buSzPts val="900"/>
-              <a:buFont typeface="Arial"/>
+              <a:buFont typeface="Calibri"/>
               <a:buNone/>
             </a:pPr>
             <a:r>
               <a:rPr b="1" lang="en-US" sz="3600">
+                <a:solidFill>
+                  <a:srgbClr val="000000"/>
+                </a:solidFill>
+                <a:highlight>
+                  <a:srgbClr val="FFFFFF"/>
+                </a:highlight>
                 <a:latin typeface="Open Sans"/>
                 <a:ea typeface="Open Sans"/>
                 <a:cs typeface="Open Sans"/>
                 <a:sym typeface="Open Sans"/>
               </a:rPr>
-              <a:t>The Design of Regulation</a:t>
+              <a:t>The Economic Impact of Islamism</a:t>
             </a:r>
             <a:endParaRPr>
               <a:latin typeface="Open Sans"/>
@@ -12264,20 +13210,23 @@
         </p:spPr>
         <p:txBody>
           <a:bodyPr anchorCtr="0" anchor="t" bIns="91425" lIns="91425" spcFirstLastPara="1" rIns="91425" wrap="square" tIns="91425">
-            <a:normAutofit fontScale="92500" lnSpcReduction="10000"/>
+            <a:normAutofit fontScale="85000" lnSpcReduction="10000"/>
           </a:bodyPr>
           <a:lstStyle/>
           <a:p>
-            <a:pPr indent="-369570" lvl="0" marL="457200" marR="0" rtl="0" algn="l">
-              <a:lnSpc>
-                <a:spcPct val="150000"/>
-              </a:lnSpc>
-              <a:spcBef>
-                <a:spcPts val="0"/>
-              </a:spcBef>
-              <a:spcAft>
-                <a:spcPts val="0"/>
-              </a:spcAft>
+            <a:pPr indent="-358140" lvl="0" marL="457200" rtl="0" algn="l">
+              <a:lnSpc>
+                <a:spcPct val="115000"/>
+              </a:lnSpc>
+              <a:spcBef>
+                <a:spcPts val="0"/>
+              </a:spcBef>
+              <a:spcAft>
+                <a:spcPts val="0"/>
+              </a:spcAft>
+              <a:buClr>
+                <a:schemeClr val="dk1"/>
+              </a:buClr>
               <a:buSzPct val="100000"/>
               <a:buFont typeface="Open Sans"/>
               <a:buChar char="•"/>
@@ -12289,7 +13238,25 @@
                 <a:cs typeface="Open Sans"/>
                 <a:sym typeface="Open Sans"/>
               </a:rPr>
-              <a:t>Uma das mudanças principais deste novo paradigma da regulação é o foco no custo-benefício da regulação</a:t>
+              <a:t>Ao mesmo tempo, a nova </a:t>
+            </a:r>
+            <a:r>
+              <a:rPr i="1" lang="en-US" sz="2400">
+                <a:latin typeface="Open Sans"/>
+                <a:ea typeface="Open Sans"/>
+                <a:cs typeface="Open Sans"/>
+                <a:sym typeface="Open Sans"/>
+              </a:rPr>
+              <a:t>Islamic economics</a:t>
+            </a:r>
+            <a:r>
+              <a:rPr lang="en-US" sz="2400">
+                <a:latin typeface="Open Sans"/>
+                <a:ea typeface="Open Sans"/>
+                <a:cs typeface="Open Sans"/>
+                <a:sym typeface="Open Sans"/>
+              </a:rPr>
+              <a:t> também lança mão de ferramentas modernas: deseja crescimento econômico, busca estabilidade de preços, etc</a:t>
             </a:r>
             <a:endParaRPr sz="2400">
               <a:latin typeface="Open Sans"/>
@@ -12299,9 +13266,9 @@
             </a:endParaRPr>
           </a:p>
           <a:p>
-            <a:pPr indent="0" lvl="0" marL="406400" marR="0" rtl="0" algn="l">
-              <a:lnSpc>
-                <a:spcPct val="150000"/>
+            <a:pPr indent="0" lvl="0" marL="406400" rtl="0" algn="l">
+              <a:lnSpc>
+                <a:spcPct val="115000"/>
               </a:lnSpc>
               <a:spcBef>
                 <a:spcPts val="0"/>
@@ -12322,16 +13289,19 @@
             </a:endParaRPr>
           </a:p>
           <a:p>
-            <a:pPr indent="-369570" lvl="0" marL="457200" marR="0" rtl="0" algn="l">
-              <a:lnSpc>
-                <a:spcPct val="150000"/>
-              </a:lnSpc>
-              <a:spcBef>
-                <a:spcPts val="0"/>
-              </a:spcBef>
-              <a:spcAft>
-                <a:spcPts val="0"/>
-              </a:spcAft>
+            <a:pPr indent="-358140" lvl="0" marL="457200" rtl="0" algn="l">
+              <a:lnSpc>
+                <a:spcPct val="115000"/>
+              </a:lnSpc>
+              <a:spcBef>
+                <a:spcPts val="0"/>
+              </a:spcBef>
+              <a:spcAft>
+                <a:spcPts val="0"/>
+              </a:spcAft>
+              <a:buClr>
+                <a:schemeClr val="dk1"/>
+              </a:buClr>
               <a:buSzPct val="100000"/>
               <a:buFont typeface="Open Sans"/>
               <a:buChar char="•"/>
@@ -12343,7 +13313,7 @@
                 <a:cs typeface="Open Sans"/>
                 <a:sym typeface="Open Sans"/>
               </a:rPr>
-              <a:t>Obter informações necessárias, prover os incentivos corretos, entender os custos indiretos</a:t>
+              <a:t>Assim, os teóricos econômicos buscam implementar as soluções passadas: quando elas não estão presentes, visam justificar atitudes contemporâneas pelos textos sagrados</a:t>
             </a:r>
             <a:endParaRPr sz="2400">
               <a:latin typeface="Open Sans"/>
@@ -12353,9 +13323,9 @@
             </a:endParaRPr>
           </a:p>
           <a:p>
-            <a:pPr indent="0" lvl="0" marL="406400" marR="0" rtl="0" algn="l">
-              <a:lnSpc>
-                <a:spcPct val="150000"/>
+            <a:pPr indent="0" lvl="0" marL="406400" rtl="0" algn="l">
+              <a:lnSpc>
+                <a:spcPct val="115000"/>
               </a:lnSpc>
               <a:spcBef>
                 <a:spcPts val="0"/>
@@ -12376,16 +13346,19 @@
             </a:endParaRPr>
           </a:p>
           <a:p>
-            <a:pPr indent="-369570" lvl="0" marL="457200" marR="0" rtl="0" algn="l">
-              <a:lnSpc>
-                <a:spcPct val="150000"/>
-              </a:lnSpc>
-              <a:spcBef>
-                <a:spcPts val="0"/>
-              </a:spcBef>
-              <a:spcAft>
-                <a:spcPts val="0"/>
-              </a:spcAft>
+            <a:pPr indent="-358140" lvl="0" marL="457200" rtl="0" algn="l">
+              <a:lnSpc>
+                <a:spcPct val="115000"/>
+              </a:lnSpc>
+              <a:spcBef>
+                <a:spcPts val="0"/>
+              </a:spcBef>
+              <a:spcAft>
+                <a:spcPts val="0"/>
+              </a:spcAft>
+              <a:buClr>
+                <a:schemeClr val="dk1"/>
+              </a:buClr>
               <a:buSzPct val="100000"/>
               <a:buFont typeface="Open Sans"/>
               <a:buChar char="•"/>
@@ -12397,61 +13370,7 @@
                 <a:cs typeface="Open Sans"/>
                 <a:sym typeface="Open Sans"/>
               </a:rPr>
-              <a:t>Há também </a:t>
-            </a:r>
-            <a:r>
-              <a:rPr i="1" lang="en-US" sz="2400">
-                <a:latin typeface="Open Sans"/>
-                <a:ea typeface="Open Sans"/>
-                <a:cs typeface="Open Sans"/>
-                <a:sym typeface="Open Sans"/>
-              </a:rPr>
-              <a:t>deadweight</a:t>
-            </a:r>
-            <a:r>
-              <a:rPr lang="en-US" sz="2400">
-                <a:latin typeface="Open Sans"/>
-                <a:ea typeface="Open Sans"/>
-                <a:cs typeface="Open Sans"/>
-                <a:sym typeface="Open Sans"/>
-              </a:rPr>
-              <a:t> </a:t>
-            </a:r>
-            <a:r>
-              <a:rPr i="1" lang="en-US" sz="2400">
-                <a:latin typeface="Open Sans"/>
-                <a:ea typeface="Open Sans"/>
-                <a:cs typeface="Open Sans"/>
-                <a:sym typeface="Open Sans"/>
-              </a:rPr>
-              <a:t>losses</a:t>
-            </a:r>
-            <a:r>
-              <a:rPr lang="en-US" sz="2400">
-                <a:latin typeface="Open Sans"/>
-                <a:ea typeface="Open Sans"/>
-                <a:cs typeface="Open Sans"/>
-                <a:sym typeface="Open Sans"/>
-              </a:rPr>
-              <a:t> causadas pela redução da concorrência, aumento de preços finais pelo acréscimo de custos de </a:t>
-            </a:r>
-            <a:r>
-              <a:rPr i="1" lang="en-US" sz="2400">
-                <a:latin typeface="Open Sans"/>
-                <a:ea typeface="Open Sans"/>
-                <a:cs typeface="Open Sans"/>
-                <a:sym typeface="Open Sans"/>
-              </a:rPr>
-              <a:t>compliance</a:t>
-            </a:r>
-            <a:r>
-              <a:rPr lang="en-US" sz="2400">
-                <a:latin typeface="Open Sans"/>
-                <a:ea typeface="Open Sans"/>
-                <a:cs typeface="Open Sans"/>
-                <a:sym typeface="Open Sans"/>
-              </a:rPr>
-              <a:t>, etc</a:t>
+              <a:t>A teoria é fundamentalista no sentido em que tenta apresentar todos os seus pontos como a partir de uma lei imutável, mas na prática ela também serve a propósitos modernos</a:t>
             </a:r>
             <a:endParaRPr>
               <a:latin typeface="Open Sans"/>
@@ -12478,8 +13397,8 @@
         </p:blipFill>
         <p:spPr>
           <a:xfrm>
-            <a:off x="152400" y="6080299"/>
-            <a:ext cx="2083148" cy="625301"/>
+            <a:off x="152400" y="6069824"/>
+            <a:ext cx="2118076" cy="635774"/>
           </a:xfrm>
           <a:prstGeom prst="rect">
             <a:avLst/>
@@ -12544,29 +13463,35 @@
           <a:p>
             <a:pPr indent="0" lvl="0" marL="0" marR="0" rtl="0" algn="ctr">
               <a:lnSpc>
-                <a:spcPct val="125000"/>
-              </a:lnSpc>
-              <a:spcBef>
-                <a:spcPts val="0"/>
-              </a:spcBef>
-              <a:spcAft>
-                <a:spcPts val="0"/>
-              </a:spcAft>
-              <a:buClr>
-                <a:srgbClr val="000000"/>
+                <a:spcPct val="100000"/>
+              </a:lnSpc>
+              <a:spcBef>
+                <a:spcPts val="0"/>
+              </a:spcBef>
+              <a:spcAft>
+                <a:spcPts val="0"/>
+              </a:spcAft>
+              <a:buClr>
+                <a:schemeClr val="dk1"/>
               </a:buClr>
               <a:buSzPts val="900"/>
-              <a:buFont typeface="Arial"/>
+              <a:buFont typeface="Calibri"/>
               <a:buNone/>
             </a:pPr>
             <a:r>
               <a:rPr b="1" lang="en-US" sz="3600">
+                <a:solidFill>
+                  <a:srgbClr val="000000"/>
+                </a:solidFill>
+                <a:highlight>
+                  <a:srgbClr val="FFFFFF"/>
+                </a:highlight>
                 <a:latin typeface="Open Sans"/>
                 <a:ea typeface="Open Sans"/>
                 <a:cs typeface="Open Sans"/>
                 <a:sym typeface="Open Sans"/>
               </a:rPr>
-              <a:t>The Design of Regulation</a:t>
+              <a:t>The Economic Impact of Islamism</a:t>
             </a:r>
             <a:endParaRPr>
               <a:latin typeface="Open Sans"/>
@@ -12600,20 +13525,23 @@
         </p:spPr>
         <p:txBody>
           <a:bodyPr anchorCtr="0" anchor="t" bIns="91425" lIns="91425" spcFirstLastPara="1" rIns="91425" wrap="square" tIns="91425">
-            <a:normAutofit fontScale="85000" lnSpcReduction="20000"/>
+            <a:normAutofit fontScale="92500" lnSpcReduction="20000"/>
           </a:bodyPr>
           <a:lstStyle/>
           <a:p>
-            <a:pPr indent="-358140" lvl="0" marL="457200" marR="0" rtl="0" algn="l">
-              <a:lnSpc>
-                <a:spcPct val="150000"/>
-              </a:lnSpc>
-              <a:spcBef>
-                <a:spcPts val="0"/>
-              </a:spcBef>
-              <a:spcAft>
-                <a:spcPts val="0"/>
-              </a:spcAft>
+            <a:pPr indent="-369570" lvl="0" marL="457200" rtl="0" algn="l">
+              <a:lnSpc>
+                <a:spcPct val="115000"/>
+              </a:lnSpc>
+              <a:spcBef>
+                <a:spcPts val="0"/>
+              </a:spcBef>
+              <a:spcAft>
+                <a:spcPts val="0"/>
+              </a:spcAft>
+              <a:buClr>
+                <a:schemeClr val="dk1"/>
+              </a:buClr>
               <a:buSzPct val="100000"/>
               <a:buFont typeface="Open Sans"/>
               <a:buChar char="•"/>
@@ -12625,7 +13553,7 @@
                 <a:cs typeface="Open Sans"/>
                 <a:sym typeface="Open Sans"/>
               </a:rPr>
-              <a:t>Qual o melhor modo de aplicar punições aos que descumprem os regulamentos?</a:t>
+              <a:t>Um desses propósitos é a própria expansão do fundamentalismo muçulmano</a:t>
             </a:r>
             <a:endParaRPr sz="2400">
               <a:latin typeface="Open Sans"/>
@@ -12635,9 +13563,9 @@
             </a:endParaRPr>
           </a:p>
           <a:p>
-            <a:pPr indent="0" lvl="0" marL="406400" marR="0" rtl="0" algn="l">
-              <a:lnSpc>
-                <a:spcPct val="150000"/>
+            <a:pPr indent="0" lvl="0" marL="406400" rtl="0" algn="l">
+              <a:lnSpc>
+                <a:spcPct val="115000"/>
               </a:lnSpc>
               <a:spcBef>
                 <a:spcPts val="0"/>
@@ -12658,16 +13586,19 @@
             </a:endParaRPr>
           </a:p>
           <a:p>
-            <a:pPr indent="-358140" lvl="0" marL="457200" marR="0" rtl="0" algn="l">
-              <a:lnSpc>
-                <a:spcPct val="150000"/>
-              </a:lnSpc>
-              <a:spcBef>
-                <a:spcPts val="0"/>
-              </a:spcBef>
-              <a:spcAft>
-                <a:spcPts val="0"/>
-              </a:spcAft>
+            <a:pPr indent="-369570" lvl="0" marL="457200" rtl="0" algn="l">
+              <a:lnSpc>
+                <a:spcPct val="115000"/>
+              </a:lnSpc>
+              <a:spcBef>
+                <a:spcPts val="0"/>
+              </a:spcBef>
+              <a:spcAft>
+                <a:spcPts val="0"/>
+              </a:spcAft>
+              <a:buClr>
+                <a:schemeClr val="dk1"/>
+              </a:buClr>
               <a:buSzPct val="100000"/>
               <a:buFont typeface="Open Sans"/>
               <a:buChar char="•"/>
@@ -12679,7 +13610,43 @@
                 <a:cs typeface="Open Sans"/>
                 <a:sym typeface="Open Sans"/>
               </a:rPr>
-              <a:t>Ainda hoje é comum o argumento de que o correto é dar multas vultosas às empresas a fim de exemplificar a conduta aos outros</a:t>
+              <a:t>Um dos grandes motivos da regulamentação do </a:t>
+            </a:r>
+            <a:r>
+              <a:rPr i="1" lang="en-US" sz="2400">
+                <a:latin typeface="Open Sans"/>
+                <a:ea typeface="Open Sans"/>
+                <a:cs typeface="Open Sans"/>
+                <a:sym typeface="Open Sans"/>
+              </a:rPr>
+              <a:t>zakat</a:t>
+            </a:r>
+            <a:r>
+              <a:rPr lang="en-US" sz="2400">
+                <a:latin typeface="Open Sans"/>
+                <a:ea typeface="Open Sans"/>
+                <a:cs typeface="Open Sans"/>
+                <a:sym typeface="Open Sans"/>
+              </a:rPr>
+              <a:t> é justamente seu uso para a expansão de escolas religiosas, as </a:t>
+            </a:r>
+            <a:r>
+              <a:rPr i="1" lang="en-US" sz="2400">
+                <a:latin typeface="Open Sans"/>
+                <a:ea typeface="Open Sans"/>
+                <a:cs typeface="Open Sans"/>
+                <a:sym typeface="Open Sans"/>
+              </a:rPr>
+              <a:t>madrasas</a:t>
+            </a:r>
+            <a:r>
+              <a:rPr lang="en-US" sz="2400">
+                <a:latin typeface="Open Sans"/>
+                <a:ea typeface="Open Sans"/>
+                <a:cs typeface="Open Sans"/>
+                <a:sym typeface="Open Sans"/>
+              </a:rPr>
+              <a:t>, que passaram assim a ser financiadas com dinheiro que o estado não possuía</a:t>
             </a:r>
             <a:endParaRPr sz="2400">
               <a:latin typeface="Open Sans"/>
@@ -12689,9 +13656,9 @@
             </a:endParaRPr>
           </a:p>
           <a:p>
-            <a:pPr indent="0" lvl="0" marL="406400" marR="0" rtl="0" algn="l">
-              <a:lnSpc>
-                <a:spcPct val="150000"/>
+            <a:pPr indent="0" lvl="0" marL="406400" rtl="0" algn="l">
+              <a:lnSpc>
+                <a:spcPct val="115000"/>
               </a:lnSpc>
               <a:spcBef>
                 <a:spcPts val="0"/>
@@ -12712,16 +13679,19 @@
             </a:endParaRPr>
           </a:p>
           <a:p>
-            <a:pPr indent="-358140" lvl="0" marL="457200" marR="0" rtl="0" algn="l">
-              <a:lnSpc>
-                <a:spcPct val="150000"/>
-              </a:lnSpc>
-              <a:spcBef>
-                <a:spcPts val="0"/>
-              </a:spcBef>
-              <a:spcAft>
-                <a:spcPts val="0"/>
-              </a:spcAft>
+            <a:pPr indent="-369570" lvl="0" marL="457200" rtl="0" algn="l">
+              <a:lnSpc>
+                <a:spcPct val="115000"/>
+              </a:lnSpc>
+              <a:spcBef>
+                <a:spcPts val="0"/>
+              </a:spcBef>
+              <a:spcAft>
+                <a:spcPts val="0"/>
+              </a:spcAft>
+              <a:buClr>
+                <a:schemeClr val="dk1"/>
+              </a:buClr>
               <a:buSzPct val="100000"/>
               <a:buFont typeface="Open Sans"/>
               <a:buChar char="•"/>
@@ -12733,7 +13703,7 @@
                 <a:cs typeface="Open Sans"/>
                 <a:sym typeface="Open Sans"/>
               </a:rPr>
-              <a:t>Ogus, em contraste, afirma que uma melhor alternativa seria aplicar punições menores mas com grande certeza, baseando-se em Gary Becker</a:t>
+              <a:t>Outra razão é a de que bancos islâmicos passaram a ofertar vagas para membros de comunidades religiosas mais extremas, os quais não teriam chances em um mercado competitivo de trabalho</a:t>
             </a:r>
             <a:endParaRPr>
               <a:latin typeface="Open Sans"/>
@@ -12760,8 +13730,8 @@
         </p:blipFill>
         <p:spPr>
           <a:xfrm>
-            <a:off x="152400" y="6080299"/>
-            <a:ext cx="2083148" cy="625301"/>
+            <a:off x="152400" y="6069824"/>
+            <a:ext cx="2118076" cy="635774"/>
           </a:xfrm>
           <a:prstGeom prst="rect">
             <a:avLst/>
@@ -12826,29 +13796,35 @@
           <a:p>
             <a:pPr indent="0" lvl="0" marL="0" marR="0" rtl="0" algn="ctr">
               <a:lnSpc>
-                <a:spcPct val="125000"/>
-              </a:lnSpc>
-              <a:spcBef>
-                <a:spcPts val="0"/>
-              </a:spcBef>
-              <a:spcAft>
-                <a:spcPts val="0"/>
-              </a:spcAft>
-              <a:buClr>
-                <a:srgbClr val="000000"/>
+                <a:spcPct val="100000"/>
+              </a:lnSpc>
+              <a:spcBef>
+                <a:spcPts val="0"/>
+              </a:spcBef>
+              <a:spcAft>
+                <a:spcPts val="0"/>
+              </a:spcAft>
+              <a:buClr>
+                <a:schemeClr val="dk1"/>
               </a:buClr>
               <a:buSzPts val="900"/>
-              <a:buFont typeface="Arial"/>
+              <a:buFont typeface="Calibri"/>
               <a:buNone/>
             </a:pPr>
             <a:r>
               <a:rPr b="1" lang="en-US" sz="3600">
+                <a:solidFill>
+                  <a:srgbClr val="000000"/>
+                </a:solidFill>
+                <a:highlight>
+                  <a:srgbClr val="FFFFFF"/>
+                </a:highlight>
                 <a:latin typeface="Open Sans"/>
                 <a:ea typeface="Open Sans"/>
                 <a:cs typeface="Open Sans"/>
                 <a:sym typeface="Open Sans"/>
               </a:rPr>
-              <a:t>The Design of Regulation</a:t>
+              <a:t>The Economic Impact of Islamism</a:t>
             </a:r>
             <a:endParaRPr>
               <a:latin typeface="Open Sans"/>
@@ -12882,20 +13858,23 @@
         </p:spPr>
         <p:txBody>
           <a:bodyPr anchorCtr="0" anchor="t" bIns="91425" lIns="91425" spcFirstLastPara="1" rIns="91425" wrap="square" tIns="91425">
-            <a:normAutofit fontScale="85000"/>
+            <a:normAutofit fontScale="85000" lnSpcReduction="10000"/>
           </a:bodyPr>
           <a:lstStyle/>
           <a:p>
-            <a:pPr indent="-358140" lvl="0" marL="457200" marR="0" rtl="0" algn="l">
-              <a:lnSpc>
-                <a:spcPct val="150000"/>
-              </a:lnSpc>
-              <a:spcBef>
-                <a:spcPts val="0"/>
-              </a:spcBef>
-              <a:spcAft>
-                <a:spcPts val="0"/>
-              </a:spcAft>
+            <a:pPr indent="-358140" lvl="0" marL="457200" rtl="0" algn="l">
+              <a:lnSpc>
+                <a:spcPct val="115000"/>
+              </a:lnSpc>
+              <a:spcBef>
+                <a:spcPts val="0"/>
+              </a:spcBef>
+              <a:spcAft>
+                <a:spcPts val="0"/>
+              </a:spcAft>
+              <a:buClr>
+                <a:schemeClr val="dk1"/>
+              </a:buClr>
               <a:buSzPct val="100000"/>
               <a:buFont typeface="Open Sans"/>
               <a:buChar char="•"/>
@@ -12907,7 +13886,25 @@
                 <a:cs typeface="Open Sans"/>
                 <a:sym typeface="Open Sans"/>
               </a:rPr>
-              <a:t>Por fim, Ogus discute problemas relacionados à economia comportamental e paternalismo</a:t>
+              <a:t>Embora muitos intelectuais e políticos não concordem com a ligação entre a </a:t>
+            </a:r>
+            <a:r>
+              <a:rPr i="1" lang="en-US" sz="2400">
+                <a:latin typeface="Open Sans"/>
+                <a:ea typeface="Open Sans"/>
+                <a:cs typeface="Open Sans"/>
+                <a:sym typeface="Open Sans"/>
+              </a:rPr>
+              <a:t>Islamic economics</a:t>
+            </a:r>
+            <a:r>
+              <a:rPr lang="en-US" sz="2400">
+                <a:latin typeface="Open Sans"/>
+                <a:ea typeface="Open Sans"/>
+                <a:cs typeface="Open Sans"/>
+                <a:sym typeface="Open Sans"/>
+              </a:rPr>
+              <a:t> e o islamismo, eles são levados a suavizar suas posições pelo medo de serem criticados ou perderem votos dos eleitores mais devotos</a:t>
             </a:r>
             <a:endParaRPr sz="2400">
               <a:latin typeface="Open Sans"/>
@@ -12917,9 +13914,9 @@
             </a:endParaRPr>
           </a:p>
           <a:p>
-            <a:pPr indent="0" lvl="0" marL="406400" marR="0" rtl="0" algn="l">
-              <a:lnSpc>
-                <a:spcPct val="150000"/>
+            <a:pPr indent="0" lvl="0" marL="406400" rtl="0" algn="l">
+              <a:lnSpc>
+                <a:spcPct val="115000"/>
               </a:lnSpc>
               <a:spcBef>
                 <a:spcPts val="0"/>
@@ -12940,16 +13937,19 @@
             </a:endParaRPr>
           </a:p>
           <a:p>
-            <a:pPr indent="-358140" lvl="0" marL="457200" marR="0" rtl="0" algn="l">
-              <a:lnSpc>
-                <a:spcPct val="150000"/>
-              </a:lnSpc>
-              <a:spcBef>
-                <a:spcPts val="0"/>
-              </a:spcBef>
-              <a:spcAft>
-                <a:spcPts val="0"/>
-              </a:spcAft>
+            <a:pPr indent="-358140" lvl="0" marL="457200" rtl="0" algn="l">
+              <a:lnSpc>
+                <a:spcPct val="115000"/>
+              </a:lnSpc>
+              <a:spcBef>
+                <a:spcPts val="0"/>
+              </a:spcBef>
+              <a:spcAft>
+                <a:spcPts val="0"/>
+              </a:spcAft>
+              <a:buClr>
+                <a:schemeClr val="dk1"/>
+              </a:buClr>
               <a:buSzPct val="100000"/>
               <a:buFont typeface="Open Sans"/>
               <a:buChar char="•"/>
@@ -12961,7 +13961,64 @@
                 <a:cs typeface="Open Sans"/>
                 <a:sym typeface="Open Sans"/>
               </a:rPr>
-              <a:t>Autores como Kahneman e Tversky afirmam que os indivíduos são excessivamente avessos a risco, o que acarreta em grandes custos de monitoramento e </a:t>
+              <a:t>O negócio também é claramente ruim para os banqueiros e empresários, mas estes também são levados a manterem este sistema para evitar serem taxados de infiéis e sofrerem boicotes</a:t>
+            </a:r>
+            <a:endParaRPr sz="2400">
+              <a:latin typeface="Open Sans"/>
+              <a:ea typeface="Open Sans"/>
+              <a:cs typeface="Open Sans"/>
+              <a:sym typeface="Open Sans"/>
+            </a:endParaRPr>
+          </a:p>
+          <a:p>
+            <a:pPr indent="0" lvl="0" marL="406400" rtl="0" algn="l">
+              <a:lnSpc>
+                <a:spcPct val="115000"/>
+              </a:lnSpc>
+              <a:spcBef>
+                <a:spcPts val="0"/>
+              </a:spcBef>
+              <a:spcAft>
+                <a:spcPts val="0"/>
+              </a:spcAft>
+              <a:buNone/>
+            </a:pPr>
+            <a:r>
+              <a:t/>
+            </a:r>
+            <a:endParaRPr sz="2400">
+              <a:latin typeface="Open Sans"/>
+              <a:ea typeface="Open Sans"/>
+              <a:cs typeface="Open Sans"/>
+              <a:sym typeface="Open Sans"/>
+            </a:endParaRPr>
+          </a:p>
+          <a:p>
+            <a:pPr indent="-358140" lvl="0" marL="457200" rtl="0" algn="l">
+              <a:lnSpc>
+                <a:spcPct val="115000"/>
+              </a:lnSpc>
+              <a:spcBef>
+                <a:spcPts val="0"/>
+              </a:spcBef>
+              <a:spcAft>
+                <a:spcPts val="0"/>
+              </a:spcAft>
+              <a:buClr>
+                <a:schemeClr val="dk1"/>
+              </a:buClr>
+              <a:buSzPct val="100000"/>
+              <a:buFont typeface="Open Sans"/>
+              <a:buChar char="•"/>
+            </a:pPr>
+            <a:r>
+              <a:rPr lang="en-US" sz="2400">
+                <a:latin typeface="Open Sans"/>
+                <a:ea typeface="Open Sans"/>
+                <a:cs typeface="Open Sans"/>
+                <a:sym typeface="Open Sans"/>
+              </a:rPr>
+              <a:t>Assim, </a:t>
             </a:r>
             <a:r>
               <a:rPr i="1" lang="en-US" sz="2400">
@@ -12970,7 +14027,7 @@
                 <a:cs typeface="Open Sans"/>
                 <a:sym typeface="Open Sans"/>
               </a:rPr>
-              <a:t>trade-off</a:t>
+              <a:t>mesmo que muitos sejam contra tal prática</a:t>
             </a:r>
             <a:r>
               <a:rPr lang="en-US" sz="2400">
@@ -12979,61 +14036,7 @@
                 <a:cs typeface="Open Sans"/>
                 <a:sym typeface="Open Sans"/>
               </a:rPr>
-              <a:t> enviesados</a:t>
-            </a:r>
-            <a:endParaRPr sz="2400">
-              <a:latin typeface="Open Sans"/>
-              <a:ea typeface="Open Sans"/>
-              <a:cs typeface="Open Sans"/>
-              <a:sym typeface="Open Sans"/>
-            </a:endParaRPr>
-          </a:p>
-          <a:p>
-            <a:pPr indent="0" lvl="0" marL="406400" marR="0" rtl="0" algn="l">
-              <a:lnSpc>
-                <a:spcPct val="150000"/>
-              </a:lnSpc>
-              <a:spcBef>
-                <a:spcPts val="0"/>
-              </a:spcBef>
-              <a:spcAft>
-                <a:spcPts val="0"/>
-              </a:spcAft>
-              <a:buNone/>
-            </a:pPr>
-            <a:r>
-              <a:t/>
-            </a:r>
-            <a:endParaRPr sz="2400">
-              <a:latin typeface="Open Sans"/>
-              <a:ea typeface="Open Sans"/>
-              <a:cs typeface="Open Sans"/>
-              <a:sym typeface="Open Sans"/>
-            </a:endParaRPr>
-          </a:p>
-          <a:p>
-            <a:pPr indent="-358140" lvl="0" marL="457200" marR="0" rtl="0" algn="l">
-              <a:lnSpc>
-                <a:spcPct val="150000"/>
-              </a:lnSpc>
-              <a:spcBef>
-                <a:spcPts val="0"/>
-              </a:spcBef>
-              <a:spcAft>
-                <a:spcPts val="0"/>
-              </a:spcAft>
-              <a:buSzPct val="100000"/>
-              <a:buFont typeface="Open Sans"/>
-              <a:buChar char="•"/>
-            </a:pPr>
-            <a:r>
-              <a:rPr lang="en-US" sz="2400">
-                <a:latin typeface="Open Sans"/>
-                <a:ea typeface="Open Sans"/>
-                <a:cs typeface="Open Sans"/>
-                <a:sym typeface="Open Sans"/>
-              </a:rPr>
-              <a:t>Também, a percepção de risco também é ruim entre os indivíduos o que os leva a alocar recursos de forma ineficiente</a:t>
+              <a:t>, ela continua a acontecer</a:t>
             </a:r>
             <a:endParaRPr>
               <a:latin typeface="Open Sans"/>
@@ -13060,8 +14063,8 @@
         </p:blipFill>
         <p:spPr>
           <a:xfrm>
-            <a:off x="152400" y="6080299"/>
-            <a:ext cx="2083148" cy="625301"/>
+            <a:off x="152400" y="6069824"/>
+            <a:ext cx="2118076" cy="635774"/>
           </a:xfrm>
           <a:prstGeom prst="rect">
             <a:avLst/>
@@ -13126,29 +14129,35 @@
           <a:p>
             <a:pPr indent="0" lvl="0" marL="0" marR="0" rtl="0" algn="ctr">
               <a:lnSpc>
-                <a:spcPct val="125000"/>
-              </a:lnSpc>
-              <a:spcBef>
-                <a:spcPts val="0"/>
-              </a:spcBef>
-              <a:spcAft>
-                <a:spcPts val="0"/>
-              </a:spcAft>
-              <a:buClr>
-                <a:srgbClr val="000000"/>
+                <a:spcPct val="100000"/>
+              </a:lnSpc>
+              <a:spcBef>
+                <a:spcPts val="0"/>
+              </a:spcBef>
+              <a:spcAft>
+                <a:spcPts val="0"/>
+              </a:spcAft>
+              <a:buClr>
+                <a:schemeClr val="dk1"/>
               </a:buClr>
               <a:buSzPts val="900"/>
-              <a:buFont typeface="Arial"/>
+              <a:buFont typeface="Calibri"/>
               <a:buNone/>
             </a:pPr>
             <a:r>
               <a:rPr b="1" lang="en-US" sz="3600">
+                <a:solidFill>
+                  <a:srgbClr val="000000"/>
+                </a:solidFill>
+                <a:highlight>
+                  <a:srgbClr val="FFFFFF"/>
+                </a:highlight>
                 <a:latin typeface="Open Sans"/>
                 <a:ea typeface="Open Sans"/>
                 <a:cs typeface="Open Sans"/>
                 <a:sym typeface="Open Sans"/>
               </a:rPr>
-              <a:t>The Design of Regulation</a:t>
+              <a:t>Islamic Banking</a:t>
             </a:r>
             <a:endParaRPr>
               <a:latin typeface="Open Sans"/>
@@ -13182,20 +14191,23 @@
         </p:spPr>
         <p:txBody>
           <a:bodyPr anchorCtr="0" anchor="t" bIns="91425" lIns="91425" spcFirstLastPara="1" rIns="91425" wrap="square" tIns="91425">
-            <a:normAutofit fontScale="85000"/>
+            <a:normAutofit fontScale="85000" lnSpcReduction="20000"/>
           </a:bodyPr>
           <a:lstStyle/>
           <a:p>
-            <a:pPr indent="-358140" lvl="0" marL="457200" marR="0" rtl="0" algn="l">
-              <a:lnSpc>
-                <a:spcPct val="150000"/>
-              </a:lnSpc>
-              <a:spcBef>
-                <a:spcPts val="0"/>
-              </a:spcBef>
-              <a:spcAft>
-                <a:spcPts val="0"/>
-              </a:spcAft>
+            <a:pPr indent="-358140" lvl="0" marL="457200" rtl="0" algn="l">
+              <a:lnSpc>
+                <a:spcPct val="115000"/>
+              </a:lnSpc>
+              <a:spcBef>
+                <a:spcPts val="0"/>
+              </a:spcBef>
+              <a:spcAft>
+                <a:spcPts val="0"/>
+              </a:spcAft>
+              <a:buClr>
+                <a:schemeClr val="dk1"/>
+              </a:buClr>
               <a:buSzPct val="100000"/>
               <a:buFont typeface="Open Sans"/>
               <a:buChar char="•"/>
@@ -13207,7 +14219,7 @@
                 <a:cs typeface="Open Sans"/>
                 <a:sym typeface="Open Sans"/>
               </a:rPr>
-              <a:t>Esta aversão ao risco também alimenta um comportamento paternalista da parte dos reguladores: os problemas devem ser mínimos e evitados a qualquer custo</a:t>
+              <a:t>Qual é a função do juro?</a:t>
             </a:r>
             <a:endParaRPr sz="2400">
               <a:latin typeface="Open Sans"/>
@@ -13217,9 +14229,9 @@
             </a:endParaRPr>
           </a:p>
           <a:p>
-            <a:pPr indent="0" lvl="0" marL="406400" marR="0" rtl="0" algn="l">
-              <a:lnSpc>
-                <a:spcPct val="150000"/>
+            <a:pPr indent="0" lvl="0" marL="406400" rtl="0" algn="l">
+              <a:lnSpc>
+                <a:spcPct val="115000"/>
               </a:lnSpc>
               <a:spcBef>
                 <a:spcPts val="0"/>
@@ -13240,16 +14252,19 @@
             </a:endParaRPr>
           </a:p>
           <a:p>
-            <a:pPr indent="-358140" lvl="0" marL="457200" marR="0" rtl="0" algn="l">
-              <a:lnSpc>
-                <a:spcPct val="150000"/>
-              </a:lnSpc>
-              <a:spcBef>
-                <a:spcPts val="0"/>
-              </a:spcBef>
-              <a:spcAft>
-                <a:spcPts val="0"/>
-              </a:spcAft>
+            <a:pPr indent="-358140" lvl="0" marL="457200" rtl="0" algn="l">
+              <a:lnSpc>
+                <a:spcPct val="115000"/>
+              </a:lnSpc>
+              <a:spcBef>
+                <a:spcPts val="0"/>
+              </a:spcBef>
+              <a:spcAft>
+                <a:spcPts val="0"/>
+              </a:spcAft>
+              <a:buClr>
+                <a:schemeClr val="dk1"/>
+              </a:buClr>
               <a:buSzPct val="100000"/>
               <a:buFont typeface="Open Sans"/>
               <a:buChar char="•"/>
@@ -13261,7 +14276,7 @@
                 <a:cs typeface="Open Sans"/>
                 <a:sym typeface="Open Sans"/>
               </a:rPr>
-              <a:t>Os reguladores, assim, dão a si mesmos grande poder sobre o trabalho local, limitando o espaço de atuação dos indivíduos</a:t>
+              <a:t>O juro serve para alocar o risco de perda do capital original no tomador do empréstimo e assim incentivar que ele seja prudente no gasto do capital</a:t>
             </a:r>
             <a:endParaRPr sz="2400">
               <a:latin typeface="Open Sans"/>
@@ -13271,9 +14286,9 @@
             </a:endParaRPr>
           </a:p>
           <a:p>
-            <a:pPr indent="0" lvl="0" marL="406400" marR="0" rtl="0" algn="l">
-              <a:lnSpc>
-                <a:spcPct val="150000"/>
+            <a:pPr indent="0" lvl="0" marL="406400" rtl="0" algn="l">
+              <a:lnSpc>
+                <a:spcPct val="115000"/>
               </a:lnSpc>
               <a:spcBef>
                 <a:spcPts val="0"/>
@@ -13294,16 +14309,19 @@
             </a:endParaRPr>
           </a:p>
           <a:p>
-            <a:pPr indent="-358140" lvl="0" marL="457200" marR="0" rtl="0" algn="l">
-              <a:lnSpc>
-                <a:spcPct val="150000"/>
-              </a:lnSpc>
-              <a:spcBef>
-                <a:spcPts val="0"/>
-              </a:spcBef>
-              <a:spcAft>
-                <a:spcPts val="0"/>
-              </a:spcAft>
+            <a:pPr indent="-358140" lvl="0" marL="457200" rtl="0" algn="l">
+              <a:lnSpc>
+                <a:spcPct val="115000"/>
+              </a:lnSpc>
+              <a:spcBef>
+                <a:spcPts val="0"/>
+              </a:spcBef>
+              <a:spcAft>
+                <a:spcPts val="0"/>
+              </a:spcAft>
+              <a:buClr>
+                <a:schemeClr val="dk1"/>
+              </a:buClr>
               <a:buSzPct val="100000"/>
               <a:buFont typeface="Open Sans"/>
               <a:buChar char="•"/>
@@ -13315,7 +14333,64 @@
                 <a:cs typeface="Open Sans"/>
                 <a:sym typeface="Open Sans"/>
               </a:rPr>
-              <a:t>Talvez pelo “politicamente correto”, como a defesa dos trabalhadores, esse tópico é raramente questionado</a:t>
+              <a:t>No islã -- assim como no cristianismo antigo -- o juro/usura é visto como um enorme pecado pois leva ao materialismo e à ganância, além de desviar recursos “produtivos” para “rentistas”</a:t>
+            </a:r>
+            <a:endParaRPr sz="2400">
+              <a:latin typeface="Open Sans"/>
+              <a:ea typeface="Open Sans"/>
+              <a:cs typeface="Open Sans"/>
+              <a:sym typeface="Open Sans"/>
+            </a:endParaRPr>
+          </a:p>
+          <a:p>
+            <a:pPr indent="0" lvl="0" marL="406400" rtl="0" algn="l">
+              <a:lnSpc>
+                <a:spcPct val="115000"/>
+              </a:lnSpc>
+              <a:spcBef>
+                <a:spcPts val="0"/>
+              </a:spcBef>
+              <a:spcAft>
+                <a:spcPts val="0"/>
+              </a:spcAft>
+              <a:buNone/>
+            </a:pPr>
+            <a:r>
+              <a:t/>
+            </a:r>
+            <a:endParaRPr sz="2400">
+              <a:latin typeface="Open Sans"/>
+              <a:ea typeface="Open Sans"/>
+              <a:cs typeface="Open Sans"/>
+              <a:sym typeface="Open Sans"/>
+            </a:endParaRPr>
+          </a:p>
+          <a:p>
+            <a:pPr indent="-358140" lvl="0" marL="457200" rtl="0" algn="l">
+              <a:lnSpc>
+                <a:spcPct val="115000"/>
+              </a:lnSpc>
+              <a:spcBef>
+                <a:spcPts val="0"/>
+              </a:spcBef>
+              <a:spcAft>
+                <a:spcPts val="0"/>
+              </a:spcAft>
+              <a:buClr>
+                <a:schemeClr val="dk1"/>
+              </a:buClr>
+              <a:buSzPct val="100000"/>
+              <a:buFont typeface="Open Sans"/>
+              <a:buChar char="•"/>
+            </a:pPr>
+            <a:r>
+              <a:rPr lang="en-US" sz="2400">
+                <a:latin typeface="Open Sans"/>
+                <a:ea typeface="Open Sans"/>
+                <a:cs typeface="Open Sans"/>
+                <a:sym typeface="Open Sans"/>
+              </a:rPr>
+              <a:t>Os bancos islâmicos invertem a lógica: aceitam perder parte do capital em troca de parte dos eventuais lucros na firma</a:t>
             </a:r>
             <a:endParaRPr>
               <a:latin typeface="Open Sans"/>
@@ -13342,8 +14417,8 @@
         </p:blipFill>
         <p:spPr>
           <a:xfrm>
-            <a:off x="152400" y="6080299"/>
-            <a:ext cx="2083148" cy="625301"/>
+            <a:off x="152400" y="6069824"/>
+            <a:ext cx="2118076" cy="635774"/>
           </a:xfrm>
           <a:prstGeom prst="rect">
             <a:avLst/>
@@ -13408,29 +14483,35 @@
           <a:p>
             <a:pPr indent="0" lvl="0" marL="0" marR="0" rtl="0" algn="ctr">
               <a:lnSpc>
-                <a:spcPct val="125000"/>
-              </a:lnSpc>
-              <a:spcBef>
-                <a:spcPts val="0"/>
-              </a:spcBef>
-              <a:spcAft>
-                <a:spcPts val="0"/>
-              </a:spcAft>
-              <a:buClr>
-                <a:srgbClr val="000000"/>
+                <a:spcPct val="100000"/>
+              </a:lnSpc>
+              <a:spcBef>
+                <a:spcPts val="0"/>
+              </a:spcBef>
+              <a:spcAft>
+                <a:spcPts val="0"/>
+              </a:spcAft>
+              <a:buClr>
+                <a:schemeClr val="dk1"/>
               </a:buClr>
               <a:buSzPts val="900"/>
-              <a:buFont typeface="Arial"/>
+              <a:buFont typeface="Calibri"/>
               <a:buNone/>
             </a:pPr>
             <a:r>
               <a:rPr b="1" lang="en-US" sz="3600">
+                <a:solidFill>
+                  <a:srgbClr val="000000"/>
+                </a:solidFill>
+                <a:highlight>
+                  <a:srgbClr val="FFFFFF"/>
+                </a:highlight>
                 <a:latin typeface="Open Sans"/>
                 <a:ea typeface="Open Sans"/>
                 <a:cs typeface="Open Sans"/>
                 <a:sym typeface="Open Sans"/>
               </a:rPr>
-              <a:t>Bootleggers and Baptists</a:t>
+              <a:t>Islamic Banking</a:t>
             </a:r>
             <a:endParaRPr>
               <a:latin typeface="Open Sans"/>
@@ -13464,37 +14545,27 @@
         </p:spPr>
         <p:txBody>
           <a:bodyPr anchorCtr="0" anchor="t" bIns="91425" lIns="91425" spcFirstLastPara="1" rIns="91425" wrap="square" tIns="91425">
-            <a:normAutofit/>
+            <a:normAutofit fontScale="85000" lnSpcReduction="10000"/>
           </a:bodyPr>
           <a:lstStyle/>
           <a:p>
-            <a:pPr indent="-381000" lvl="0" marL="457200" marR="0" rtl="0" algn="l">
-              <a:lnSpc>
-                <a:spcPct val="150000"/>
-              </a:lnSpc>
-              <a:spcBef>
-                <a:spcPts val="0"/>
-              </a:spcBef>
-              <a:spcAft>
-                <a:spcPts val="0"/>
-              </a:spcAft>
-              <a:buSzPts val="2400"/>
+            <a:pPr indent="-358140" lvl="0" marL="457200" rtl="0" algn="l">
+              <a:lnSpc>
+                <a:spcPct val="115000"/>
+              </a:lnSpc>
+              <a:spcBef>
+                <a:spcPts val="0"/>
+              </a:spcBef>
+              <a:spcAft>
+                <a:spcPts val="0"/>
+              </a:spcAft>
+              <a:buClr>
+                <a:schemeClr val="dk1"/>
+              </a:buClr>
+              <a:buSzPct val="100000"/>
               <a:buFont typeface="Open Sans"/>
               <a:buChar char="•"/>
             </a:pPr>
-            <a:r>
-              <a:rPr lang="en-US" sz="2400" u="sng">
-                <a:solidFill>
-                  <a:schemeClr val="hlink"/>
-                </a:solidFill>
-                <a:latin typeface="Open Sans"/>
-                <a:ea typeface="Open Sans"/>
-                <a:cs typeface="Open Sans"/>
-                <a:sym typeface="Open Sans"/>
-                <a:hlinkClick r:id="rId3"/>
-              </a:rPr>
-              <a:t>https://www.youtube.com/watch?v=msQ_khFmKtU</a:t>
-            </a:r>
             <a:r>
               <a:rPr lang="en-US" sz="2400">
                 <a:latin typeface="Open Sans"/>
@@ -13502,7 +14573,139 @@
                 <a:cs typeface="Open Sans"/>
                 <a:sym typeface="Open Sans"/>
               </a:rPr>
-              <a:t> </a:t>
+              <a:t>Em uma das formas de empréstimo no Islã, o risco é inteiro do investidor, enquanto na outra ambos compartilham o risco de bancarrota</a:t>
+            </a:r>
+            <a:endParaRPr sz="2400">
+              <a:latin typeface="Open Sans"/>
+              <a:ea typeface="Open Sans"/>
+              <a:cs typeface="Open Sans"/>
+              <a:sym typeface="Open Sans"/>
+            </a:endParaRPr>
+          </a:p>
+          <a:p>
+            <a:pPr indent="0" lvl="0" marL="406400" rtl="0" algn="l">
+              <a:lnSpc>
+                <a:spcPct val="115000"/>
+              </a:lnSpc>
+              <a:spcBef>
+                <a:spcPts val="0"/>
+              </a:spcBef>
+              <a:spcAft>
+                <a:spcPts val="0"/>
+              </a:spcAft>
+              <a:buNone/>
+            </a:pPr>
+            <a:r>
+              <a:t/>
+            </a:r>
+            <a:endParaRPr sz="2400">
+              <a:latin typeface="Open Sans"/>
+              <a:ea typeface="Open Sans"/>
+              <a:cs typeface="Open Sans"/>
+              <a:sym typeface="Open Sans"/>
+            </a:endParaRPr>
+          </a:p>
+          <a:p>
+            <a:pPr indent="-358140" lvl="0" marL="457200" rtl="0" algn="l">
+              <a:lnSpc>
+                <a:spcPct val="115000"/>
+              </a:lnSpc>
+              <a:spcBef>
+                <a:spcPts val="0"/>
+              </a:spcBef>
+              <a:spcAft>
+                <a:spcPts val="0"/>
+              </a:spcAft>
+              <a:buClr>
+                <a:schemeClr val="dk1"/>
+              </a:buClr>
+              <a:buSzPct val="100000"/>
+              <a:buFont typeface="Open Sans"/>
+              <a:buChar char="•"/>
+            </a:pPr>
+            <a:r>
+              <a:rPr lang="en-US" sz="2400">
+                <a:latin typeface="Open Sans"/>
+                <a:ea typeface="Open Sans"/>
+                <a:cs typeface="Open Sans"/>
+                <a:sym typeface="Open Sans"/>
+              </a:rPr>
+              <a:t>O modo mais engenhoso, entretanto, consiste em pagar por um insumo ou bem em nome do cliente e adicionar “taxa de serviço” ao invés de “juro”,  cobrar um preço altíssimo de antemão e dar um desconto no caso de pagamento em dia para compensar um similar juro por atraso</a:t>
+            </a:r>
+            <a:endParaRPr sz="2400">
+              <a:latin typeface="Open Sans"/>
+              <a:ea typeface="Open Sans"/>
+              <a:cs typeface="Open Sans"/>
+              <a:sym typeface="Open Sans"/>
+            </a:endParaRPr>
+          </a:p>
+          <a:p>
+            <a:pPr indent="0" lvl="0" marL="406400" rtl="0" algn="l">
+              <a:lnSpc>
+                <a:spcPct val="115000"/>
+              </a:lnSpc>
+              <a:spcBef>
+                <a:spcPts val="0"/>
+              </a:spcBef>
+              <a:spcAft>
+                <a:spcPts val="0"/>
+              </a:spcAft>
+              <a:buNone/>
+            </a:pPr>
+            <a:r>
+              <a:t/>
+            </a:r>
+            <a:endParaRPr sz="2400">
+              <a:latin typeface="Open Sans"/>
+              <a:ea typeface="Open Sans"/>
+              <a:cs typeface="Open Sans"/>
+              <a:sym typeface="Open Sans"/>
+            </a:endParaRPr>
+          </a:p>
+          <a:p>
+            <a:pPr indent="-358140" lvl="0" marL="457200" rtl="0" algn="l">
+              <a:lnSpc>
+                <a:spcPct val="115000"/>
+              </a:lnSpc>
+              <a:spcBef>
+                <a:spcPts val="0"/>
+              </a:spcBef>
+              <a:spcAft>
+                <a:spcPts val="0"/>
+              </a:spcAft>
+              <a:buClr>
+                <a:schemeClr val="dk1"/>
+              </a:buClr>
+              <a:buSzPct val="100000"/>
+              <a:buFont typeface="Open Sans"/>
+              <a:buChar char="•"/>
+            </a:pPr>
+            <a:r>
+              <a:rPr lang="en-US" sz="2400">
+                <a:latin typeface="Open Sans"/>
+                <a:ea typeface="Open Sans"/>
+                <a:cs typeface="Open Sans"/>
+                <a:sym typeface="Open Sans"/>
+              </a:rPr>
+              <a:t>O problema é que este mecanismos serve apenas para </a:t>
+            </a:r>
+            <a:r>
+              <a:rPr i="1" lang="en-US" sz="2400">
+                <a:latin typeface="Open Sans"/>
+                <a:ea typeface="Open Sans"/>
+                <a:cs typeface="Open Sans"/>
+                <a:sym typeface="Open Sans"/>
+              </a:rPr>
+              <a:t>bens</a:t>
+            </a:r>
+            <a:r>
+              <a:rPr lang="en-US" sz="2400">
+                <a:latin typeface="Open Sans"/>
+                <a:ea typeface="Open Sans"/>
+                <a:cs typeface="Open Sans"/>
+                <a:sym typeface="Open Sans"/>
+              </a:rPr>
+              <a:t>, não podendo ser usado para fluxo de caixa ou financiamento</a:t>
             </a:r>
             <a:endParaRPr>
               <a:latin typeface="Open Sans"/>
@@ -13515,39 +14718,12 @@
       </p:sp>
       <p:pic>
         <p:nvPicPr>
-          <p:cNvPr descr="Screenshot_2017-05-08_04-51-22.png" id="195" name="Google Shape;195;p30"/>
-          <p:cNvPicPr preferRelativeResize="0"/>
-          <p:nvPr/>
-        </p:nvPicPr>
-        <p:blipFill rotWithShape="1">
-          <a:blip r:embed="rId4">
-            <a:alphaModFix/>
-          </a:blip>
-          <a:srcRect b="0" l="0" r="0" t="0"/>
-          <a:stretch/>
-        </p:blipFill>
-        <p:spPr>
-          <a:xfrm>
-            <a:off x="457200" y="2565325"/>
-            <a:ext cx="8229600" cy="3437199"/>
-          </a:xfrm>
-          <a:prstGeom prst="rect">
-            <a:avLst/>
-          </a:prstGeom>
-          <a:noFill/>
-          <a:ln>
-            <a:noFill/>
-          </a:ln>
-        </p:spPr>
-      </p:pic>
-      <p:pic>
-        <p:nvPicPr>
-          <p:cNvPr id="196" name="Google Shape;196;p30"/>
+          <p:cNvPr id="195" name="Google Shape;195;p30"/>
           <p:cNvPicPr preferRelativeResize="0"/>
           <p:nvPr/>
         </p:nvPicPr>
         <p:blipFill>
-          <a:blip r:embed="rId5">
+          <a:blip r:embed="rId3">
             <a:alphaModFix/>
           </a:blip>
           <a:stretch>
@@ -13556,8 +14732,8 @@
         </p:blipFill>
         <p:spPr>
           <a:xfrm>
-            <a:off x="152400" y="6080299"/>
-            <a:ext cx="2083148" cy="625301"/>
+            <a:off x="152400" y="6069824"/>
+            <a:ext cx="2118076" cy="635774"/>
           </a:xfrm>
           <a:prstGeom prst="rect">
             <a:avLst/>
@@ -13581,7 +14757,7 @@
   <p:cSld>
     <p:spTree>
       <p:nvGrpSpPr>
-        <p:cNvPr id="201" name="Shape 201"/>
+        <p:cNvPr id="200" name="Shape 200"/>
         <p:cNvGrpSpPr/>
         <p:nvPr/>
       </p:nvGrpSpPr>
@@ -13595,7 +14771,7 @@
       </p:grpSpPr>
       <p:sp>
         <p:nvSpPr>
-          <p:cNvPr id="202" name="Google Shape;202;p31"/>
+          <p:cNvPr id="201" name="Google Shape;201;p31"/>
           <p:cNvSpPr txBox="1"/>
           <p:nvPr>
             <p:ph type="title"/>
@@ -13622,29 +14798,35 @@
           <a:p>
             <a:pPr indent="0" lvl="0" marL="0" marR="0" rtl="0" algn="ctr">
               <a:lnSpc>
-                <a:spcPct val="125000"/>
-              </a:lnSpc>
-              <a:spcBef>
-                <a:spcPts val="0"/>
-              </a:spcBef>
-              <a:spcAft>
-                <a:spcPts val="0"/>
-              </a:spcAft>
-              <a:buClr>
-                <a:srgbClr val="000000"/>
+                <a:spcPct val="100000"/>
+              </a:lnSpc>
+              <a:spcBef>
+                <a:spcPts val="0"/>
+              </a:spcBef>
+              <a:spcAft>
+                <a:spcPts val="0"/>
+              </a:spcAft>
+              <a:buClr>
+                <a:schemeClr val="dk1"/>
               </a:buClr>
               <a:buSzPts val="900"/>
-              <a:buFont typeface="Arial"/>
+              <a:buFont typeface="Calibri"/>
               <a:buNone/>
             </a:pPr>
             <a:r>
               <a:rPr b="1" lang="en-US" sz="3600">
+                <a:solidFill>
+                  <a:srgbClr val="000000"/>
+                </a:solidFill>
+                <a:highlight>
+                  <a:srgbClr val="FFFFFF"/>
+                </a:highlight>
                 <a:latin typeface="Open Sans"/>
                 <a:ea typeface="Open Sans"/>
                 <a:cs typeface="Open Sans"/>
                 <a:sym typeface="Open Sans"/>
               </a:rPr>
-              <a:t>Bootleggers and Baptists</a:t>
+              <a:t>Islamic Banking</a:t>
             </a:r>
             <a:endParaRPr>
               <a:latin typeface="Open Sans"/>
@@ -13657,7 +14839,7 @@
       </p:sp>
       <p:sp>
         <p:nvSpPr>
-          <p:cNvPr id="203" name="Google Shape;203;p31"/>
+          <p:cNvPr id="202" name="Google Shape;202;p31"/>
           <p:cNvSpPr txBox="1"/>
           <p:nvPr>
             <p:ph idx="1" type="body"/>
@@ -13678,65 +14860,132 @@
         </p:spPr>
         <p:txBody>
           <a:bodyPr anchorCtr="0" anchor="t" bIns="91425" lIns="91425" spcFirstLastPara="1" rIns="91425" wrap="square" tIns="91425">
-            <a:normAutofit/>
+            <a:normAutofit fontScale="85000" lnSpcReduction="10000"/>
           </a:bodyPr>
           <a:lstStyle/>
           <a:p>
-            <a:pPr indent="0" lvl="0" marL="0" marR="0" rtl="0" algn="l">
-              <a:lnSpc>
-                <a:spcPct val="150000"/>
-              </a:lnSpc>
-              <a:spcBef>
-                <a:spcPts val="0"/>
-              </a:spcBef>
-              <a:spcAft>
-                <a:spcPts val="0"/>
-              </a:spcAft>
-              <a:buSzPts val="2400"/>
+            <a:pPr indent="-358140" lvl="0" marL="457200" rtl="0" algn="l">
+              <a:lnSpc>
+                <a:spcPct val="115000"/>
+              </a:lnSpc>
+              <a:spcBef>
+                <a:spcPts val="0"/>
+              </a:spcBef>
+              <a:spcAft>
+                <a:spcPts val="0"/>
+              </a:spcAft>
+              <a:buClr>
+                <a:schemeClr val="dk1"/>
+              </a:buClr>
+              <a:buSzPct val="100000"/>
+              <a:buFont typeface="Open Sans"/>
+              <a:buChar char="•"/>
+            </a:pPr>
+            <a:r>
+              <a:rPr lang="en-US" sz="2400">
+                <a:latin typeface="Open Sans"/>
+                <a:ea typeface="Open Sans"/>
+                <a:cs typeface="Open Sans"/>
+                <a:sym typeface="Open Sans"/>
+              </a:rPr>
+              <a:t>E por quais motivos os bancos islâmicos tiveram que modificar suas práticas? </a:t>
+            </a:r>
+            <a:r>
+              <a:rPr i="1" lang="en-US" sz="2400">
+                <a:latin typeface="Open Sans"/>
+                <a:ea typeface="Open Sans"/>
+                <a:cs typeface="Open Sans"/>
+                <a:sym typeface="Open Sans"/>
+              </a:rPr>
+              <a:t>Adverse selection </a:t>
+            </a:r>
+            <a:r>
+              <a:rPr lang="en-US" sz="2400">
+                <a:latin typeface="Open Sans"/>
+                <a:ea typeface="Open Sans"/>
+                <a:cs typeface="Open Sans"/>
+                <a:sym typeface="Open Sans"/>
+              </a:rPr>
+              <a:t>e </a:t>
+            </a:r>
+            <a:r>
+              <a:rPr i="1" lang="en-US" sz="2400">
+                <a:latin typeface="Open Sans"/>
+                <a:ea typeface="Open Sans"/>
+                <a:cs typeface="Open Sans"/>
+                <a:sym typeface="Open Sans"/>
+              </a:rPr>
+              <a:t>tax avoidance</a:t>
+            </a:r>
+            <a:endParaRPr i="1" sz="2400">
+              <a:latin typeface="Open Sans"/>
+              <a:ea typeface="Open Sans"/>
+              <a:cs typeface="Open Sans"/>
+              <a:sym typeface="Open Sans"/>
+            </a:endParaRPr>
+          </a:p>
+          <a:p>
+            <a:pPr indent="0" lvl="0" marL="406400" rtl="0" algn="l">
+              <a:lnSpc>
+                <a:spcPct val="115000"/>
+              </a:lnSpc>
+              <a:spcBef>
+                <a:spcPts val="0"/>
+              </a:spcBef>
+              <a:spcAft>
+                <a:spcPts val="0"/>
+              </a:spcAft>
               <a:buNone/>
             </a:pPr>
             <a:r>
               <a:t/>
             </a:r>
-            <a:endParaRPr sz="2400"/>
-          </a:p>
-        </p:txBody>
-      </p:sp>
-      <p:sp>
-        <p:nvSpPr>
-          <p:cNvPr descr="&quot;Bootleggers and Baptists&quot; by @LearnLiberty ► Get Learn Liberty updates in your inbox!  http://LearnLiberty.org/subscribe  We all know bootleggers and Baptists rarely see eye to eye. Ask one group and its members will probably tell you they despise the other group. Yet, when it comes to government regulation, both bootleggers and Baptists work together. Prof. Bruce Yandle explains that this happens because both groups actually desire the same outcome. The Baptists benefit, for example, from laws that make the sale of alcoholic beverages illegal on Sundays. Bootleggers benefit because now they can sell alcohol on Sundays. Groups who would never meet together but both desire the same outcome can often be found upon closer examination of many government regulations. Prof. Yandle demonstrates how environmental regulations fit into the bootlegger-Baptist theory. What are some other &quot;bootleggers&quot; and &quot;Baptists&quot; who benefit from government regulations? Let us know in the comments.  ► Like us on Facebook! http://facebook.com/LearnLiberty ► Follow us on Twitter! http://twitter.com/LearnLiberty ► Follow us again on Google+! http://bit.ly/13BCpFe ► Watch more videos: http://LearnLiberty.org" id="204" name="Google Shape;204;p31" title="Bootleggers and Baptists | Learn Liberty">
-            <a:hlinkClick r:id="rId3"/>
-          </p:cNvPr>
-          <p:cNvSpPr/>
-          <p:nvPr/>
-        </p:nvSpPr>
-        <p:spPr>
-          <a:xfrm>
-            <a:off x="457200" y="1417625"/>
-            <a:ext cx="8229600" cy="4591950"/>
-          </a:xfrm>
-          <a:prstGeom prst="rect">
-            <a:avLst/>
-          </a:prstGeom>
-          <a:blipFill rotWithShape="1">
-            <a:blip r:embed="rId4">
-              <a:alphaModFix/>
-            </a:blip>
-            <a:stretch>
-              <a:fillRect b="0" l="0" r="0" t="0"/>
-            </a:stretch>
-          </a:blipFill>
-          <a:ln>
-            <a:noFill/>
-          </a:ln>
-        </p:spPr>
-        <p:txBody>
-          <a:bodyPr anchorCtr="0" anchor="ctr" bIns="91425" lIns="91425" spcFirstLastPara="1" rIns="91425" wrap="square" tIns="91425">
-            <a:noAutofit/>
-          </a:bodyPr>
-          <a:lstStyle/>
-          <a:p>
-            <a:pPr indent="0" lvl="0" marL="0" rtl="0" algn="l">
+            <a:endParaRPr i="1" sz="2400">
+              <a:latin typeface="Open Sans"/>
+              <a:ea typeface="Open Sans"/>
+              <a:cs typeface="Open Sans"/>
+              <a:sym typeface="Open Sans"/>
+            </a:endParaRPr>
+          </a:p>
+          <a:p>
+            <a:pPr indent="-358140" lvl="0" marL="457200" rtl="0" algn="l">
+              <a:lnSpc>
+                <a:spcPct val="115000"/>
+              </a:lnSpc>
+              <a:spcBef>
+                <a:spcPts val="0"/>
+              </a:spcBef>
+              <a:spcAft>
+                <a:spcPts val="0"/>
+              </a:spcAft>
+              <a:buClr>
+                <a:schemeClr val="dk1"/>
+              </a:buClr>
+              <a:buSzPct val="100000"/>
+              <a:buFont typeface="Open Sans"/>
+              <a:buChar char="•"/>
+            </a:pPr>
+            <a:r>
+              <a:rPr lang="en-US" sz="2400">
+                <a:latin typeface="Open Sans"/>
+                <a:ea typeface="Open Sans"/>
+                <a:cs typeface="Open Sans"/>
+                <a:sym typeface="Open Sans"/>
+              </a:rPr>
+              <a:t>Como eles não cobram juros e dividem os riscos, clientes que tendem a dar calote são mais dispostos a procurar bancos islâmicos</a:t>
+            </a:r>
+            <a:endParaRPr sz="2400">
+              <a:latin typeface="Open Sans"/>
+              <a:ea typeface="Open Sans"/>
+              <a:cs typeface="Open Sans"/>
+              <a:sym typeface="Open Sans"/>
+            </a:endParaRPr>
+          </a:p>
+          <a:p>
+            <a:pPr indent="0" lvl="0" marL="406400" rtl="0" algn="l">
+              <a:lnSpc>
+                <a:spcPct val="115000"/>
+              </a:lnSpc>
               <a:spcBef>
                 <a:spcPts val="0"/>
               </a:spcBef>
@@ -13748,18 +14997,114 @@
             <a:r>
               <a:t/>
             </a:r>
-            <a:endParaRPr/>
+            <a:endParaRPr sz="2400">
+              <a:latin typeface="Open Sans"/>
+              <a:ea typeface="Open Sans"/>
+              <a:cs typeface="Open Sans"/>
+              <a:sym typeface="Open Sans"/>
+            </a:endParaRPr>
+          </a:p>
+          <a:p>
+            <a:pPr indent="-358140" lvl="0" marL="457200" rtl="0" algn="l">
+              <a:lnSpc>
+                <a:spcPct val="115000"/>
+              </a:lnSpc>
+              <a:spcBef>
+                <a:spcPts val="0"/>
+              </a:spcBef>
+              <a:spcAft>
+                <a:spcPts val="0"/>
+              </a:spcAft>
+              <a:buClr>
+                <a:schemeClr val="dk1"/>
+              </a:buClr>
+              <a:buSzPct val="100000"/>
+              <a:buFont typeface="Open Sans"/>
+              <a:buChar char="•"/>
+            </a:pPr>
+            <a:r>
+              <a:rPr lang="en-US" sz="2400">
+                <a:latin typeface="Open Sans"/>
+                <a:ea typeface="Open Sans"/>
+                <a:cs typeface="Open Sans"/>
+                <a:sym typeface="Open Sans"/>
+              </a:rPr>
+              <a:t>Também, como ambos compartilham lucros e perdas, bancos e empreendedores têm incentivos para dar informações erradas e assim ganhar a maior parte do lucro</a:t>
+            </a:r>
+            <a:endParaRPr sz="2400">
+              <a:latin typeface="Open Sans"/>
+              <a:ea typeface="Open Sans"/>
+              <a:cs typeface="Open Sans"/>
+              <a:sym typeface="Open Sans"/>
+            </a:endParaRPr>
+          </a:p>
+          <a:p>
+            <a:pPr indent="0" lvl="0" marL="406400" rtl="0" algn="l">
+              <a:lnSpc>
+                <a:spcPct val="115000"/>
+              </a:lnSpc>
+              <a:spcBef>
+                <a:spcPts val="0"/>
+              </a:spcBef>
+              <a:spcAft>
+                <a:spcPts val="0"/>
+              </a:spcAft>
+              <a:buNone/>
+            </a:pPr>
+            <a:r>
+              <a:t/>
+            </a:r>
+            <a:endParaRPr sz="2400">
+              <a:latin typeface="Open Sans"/>
+              <a:ea typeface="Open Sans"/>
+              <a:cs typeface="Open Sans"/>
+              <a:sym typeface="Open Sans"/>
+            </a:endParaRPr>
+          </a:p>
+          <a:p>
+            <a:pPr indent="-358140" lvl="0" marL="457200" rtl="0" algn="l">
+              <a:lnSpc>
+                <a:spcPct val="115000"/>
+              </a:lnSpc>
+              <a:spcBef>
+                <a:spcPts val="0"/>
+              </a:spcBef>
+              <a:spcAft>
+                <a:spcPts val="0"/>
+              </a:spcAft>
+              <a:buClr>
+                <a:schemeClr val="dk1"/>
+              </a:buClr>
+              <a:buSzPct val="100000"/>
+              <a:buFont typeface="Open Sans"/>
+              <a:buChar char="•"/>
+            </a:pPr>
+            <a:r>
+              <a:rPr lang="en-US" sz="2400">
+                <a:latin typeface="Open Sans"/>
+                <a:ea typeface="Open Sans"/>
+                <a:cs typeface="Open Sans"/>
+                <a:sym typeface="Open Sans"/>
+              </a:rPr>
+              <a:t>Juros embutidos foram a única saída</a:t>
+            </a:r>
+            <a:endParaRPr>
+              <a:latin typeface="Open Sans"/>
+              <a:ea typeface="Open Sans"/>
+              <a:cs typeface="Open Sans"/>
+              <a:sym typeface="Open Sans"/>
+            </a:endParaRPr>
           </a:p>
         </p:txBody>
       </p:sp>
       <p:pic>
         <p:nvPicPr>
-          <p:cNvPr id="205" name="Google Shape;205;p31"/>
+          <p:cNvPr id="203" name="Google Shape;203;p31"/>
           <p:cNvPicPr preferRelativeResize="0"/>
           <p:nvPr/>
         </p:nvPicPr>
         <p:blipFill>
-          <a:blip r:embed="rId5">
+          <a:blip r:embed="rId3">
             <a:alphaModFix/>
           </a:blip>
           <a:stretch>
@@ -13768,8 +15113,8 @@
         </p:blipFill>
         <p:spPr>
           <a:xfrm>
-            <a:off x="152400" y="6080299"/>
-            <a:ext cx="2083148" cy="625301"/>
+            <a:off x="152400" y="6069824"/>
+            <a:ext cx="2118076" cy="635774"/>
           </a:xfrm>
           <a:prstGeom prst="rect">
             <a:avLst/>
@@ -13793,7 +15138,7 @@
   <p:cSld>
     <p:spTree>
       <p:nvGrpSpPr>
-        <p:cNvPr id="210" name="Shape 210"/>
+        <p:cNvPr id="208" name="Shape 208"/>
         <p:cNvGrpSpPr/>
         <p:nvPr/>
       </p:nvGrpSpPr>
@@ -13807,7 +15152,7 @@
       </p:grpSpPr>
       <p:sp>
         <p:nvSpPr>
-          <p:cNvPr id="211" name="Google Shape;211;p32"/>
+          <p:cNvPr id="209" name="Google Shape;209;p32"/>
           <p:cNvSpPr txBox="1"/>
           <p:nvPr>
             <p:ph type="title"/>
@@ -13850,16 +15195,19 @@
               <a:buNone/>
             </a:pPr>
             <a:r>
-              <a:rPr b="1" i="0" lang="en-US" sz="3600" u="none" cap="none" strike="noStrike">
+              <a:rPr b="1" lang="en-US" sz="3600">
                 <a:solidFill>
-                  <a:schemeClr val="dk1"/>
+                  <a:srgbClr val="000000"/>
                 </a:solidFill>
+                <a:highlight>
+                  <a:srgbClr val="FFFFFF"/>
+                </a:highlight>
                 <a:latin typeface="Open Sans"/>
                 <a:ea typeface="Open Sans"/>
                 <a:cs typeface="Open Sans"/>
                 <a:sym typeface="Open Sans"/>
               </a:rPr>
-              <a:t>Questões</a:t>
+              <a:t>Zakat</a:t>
             </a:r>
             <a:endParaRPr>
               <a:latin typeface="Open Sans"/>
@@ -13872,7 +15220,7 @@
       </p:sp>
       <p:sp>
         <p:nvSpPr>
-          <p:cNvPr id="212" name="Google Shape;212;p32"/>
+          <p:cNvPr id="210" name="Google Shape;210;p32"/>
           <p:cNvSpPr txBox="1"/>
           <p:nvPr>
             <p:ph idx="1" type="body"/>
@@ -13893,13 +15241,13 @@
         </p:spPr>
         <p:txBody>
           <a:bodyPr anchorCtr="0" anchor="t" bIns="91425" lIns="91425" spcFirstLastPara="1" rIns="91425" wrap="square" tIns="91425">
-            <a:normAutofit fontScale="92500" lnSpcReduction="10000"/>
+            <a:normAutofit fontScale="92500" lnSpcReduction="20000"/>
           </a:bodyPr>
           <a:lstStyle/>
           <a:p>
             <a:pPr indent="-369570" lvl="0" marL="457200" rtl="0" algn="l">
               <a:lnSpc>
-                <a:spcPct val="150000"/>
+                <a:spcPct val="115000"/>
               </a:lnSpc>
               <a:spcBef>
                 <a:spcPts val="0"/>
@@ -13921,7 +15269,7 @@
                 <a:cs typeface="Open Sans"/>
                 <a:sym typeface="Open Sans"/>
               </a:rPr>
-              <a:t>Ogus menciona que um dos princípios de administração pública Tiebout (1956), depois retomado por Vincent Ostrom, é o da competição burocrática. Quais as vantagens e desvantagens deste modelo na União Européia?</a:t>
+              <a:t>O zakat é uma contribuição anual, baseada na renda de cada fiel, e é destinada a obras de caridade</a:t>
             </a:r>
             <a:endParaRPr sz="2400">
               <a:latin typeface="Open Sans"/>
@@ -13933,7 +15281,7 @@
           <a:p>
             <a:pPr indent="0" lvl="0" marL="406400" rtl="0" algn="l">
               <a:lnSpc>
-                <a:spcPct val="150000"/>
+                <a:spcPct val="115000"/>
               </a:lnSpc>
               <a:spcBef>
                 <a:spcPts val="0"/>
@@ -13956,7 +15304,7 @@
           <a:p>
             <a:pPr indent="-369570" lvl="0" marL="457200" rtl="0" algn="l">
               <a:lnSpc>
-                <a:spcPct val="150000"/>
+                <a:spcPct val="115000"/>
               </a:lnSpc>
               <a:spcBef>
                 <a:spcPts val="0"/>
@@ -13978,17 +15326,56 @@
                 <a:cs typeface="Open Sans"/>
                 <a:sym typeface="Open Sans"/>
               </a:rPr>
-              <a:t>Podem a aversão ao risco e o paternalismo levarem a sociedade a uma “tirania dos </a:t>
-            </a:r>
-            <a:r>
-              <a:rPr i="1" lang="en-US" sz="2400">
-                <a:latin typeface="Open Sans"/>
-                <a:ea typeface="Open Sans"/>
-                <a:cs typeface="Open Sans"/>
-                <a:sym typeface="Open Sans"/>
-              </a:rPr>
-              <a:t>experts</a:t>
-            </a:r>
+              <a:t>Mencionada explicitamente no Alcorão, é um dos 5 pilares da religião</a:t>
+            </a:r>
+            <a:endParaRPr sz="2400">
+              <a:latin typeface="Open Sans"/>
+              <a:ea typeface="Open Sans"/>
+              <a:cs typeface="Open Sans"/>
+              <a:sym typeface="Open Sans"/>
+            </a:endParaRPr>
+          </a:p>
+          <a:p>
+            <a:pPr indent="0" lvl="0" marL="406400" rtl="0" algn="l">
+              <a:lnSpc>
+                <a:spcPct val="115000"/>
+              </a:lnSpc>
+              <a:spcBef>
+                <a:spcPts val="0"/>
+              </a:spcBef>
+              <a:spcAft>
+                <a:spcPts val="0"/>
+              </a:spcAft>
+              <a:buNone/>
+            </a:pPr>
+            <a:r>
+              <a:t/>
+            </a:r>
+            <a:endParaRPr sz="2400">
+              <a:latin typeface="Open Sans"/>
+              <a:ea typeface="Open Sans"/>
+              <a:cs typeface="Open Sans"/>
+              <a:sym typeface="Open Sans"/>
+            </a:endParaRPr>
+          </a:p>
+          <a:p>
+            <a:pPr indent="-369570" lvl="0" marL="457200" rtl="0" algn="l">
+              <a:lnSpc>
+                <a:spcPct val="115000"/>
+              </a:lnSpc>
+              <a:spcBef>
+                <a:spcPts val="0"/>
+              </a:spcBef>
+              <a:spcAft>
+                <a:spcPts val="0"/>
+              </a:spcAft>
+              <a:buClr>
+                <a:schemeClr val="dk1"/>
+              </a:buClr>
+              <a:buSzPct val="100000"/>
+              <a:buFont typeface="Open Sans"/>
+              <a:buChar char="•"/>
+            </a:pPr>
             <a:r>
               <a:rPr lang="en-US" sz="2400">
                 <a:latin typeface="Open Sans"/>
@@ -13996,7 +15383,64 @@
                 <a:cs typeface="Open Sans"/>
                 <a:sym typeface="Open Sans"/>
               </a:rPr>
-              <a:t>”? Quais seriam os problemas relacionados ao domínio dos especialistas?</a:t>
+              <a:t>O zakat não teve apenas a função de distribuir renda, se é que atingiram esse objetivo</a:t>
+            </a:r>
+            <a:endParaRPr sz="2400">
+              <a:latin typeface="Open Sans"/>
+              <a:ea typeface="Open Sans"/>
+              <a:cs typeface="Open Sans"/>
+              <a:sym typeface="Open Sans"/>
+            </a:endParaRPr>
+          </a:p>
+          <a:p>
+            <a:pPr indent="0" lvl="0" marL="406400" rtl="0" algn="l">
+              <a:lnSpc>
+                <a:spcPct val="115000"/>
+              </a:lnSpc>
+              <a:spcBef>
+                <a:spcPts val="0"/>
+              </a:spcBef>
+              <a:spcAft>
+                <a:spcPts val="0"/>
+              </a:spcAft>
+              <a:buNone/>
+            </a:pPr>
+            <a:r>
+              <a:t/>
+            </a:r>
+            <a:endParaRPr sz="2400">
+              <a:latin typeface="Open Sans"/>
+              <a:ea typeface="Open Sans"/>
+              <a:cs typeface="Open Sans"/>
+              <a:sym typeface="Open Sans"/>
+            </a:endParaRPr>
+          </a:p>
+          <a:p>
+            <a:pPr indent="-369570" lvl="0" marL="457200" rtl="0" algn="l">
+              <a:lnSpc>
+                <a:spcPct val="115000"/>
+              </a:lnSpc>
+              <a:spcBef>
+                <a:spcPts val="0"/>
+              </a:spcBef>
+              <a:spcAft>
+                <a:spcPts val="0"/>
+              </a:spcAft>
+              <a:buClr>
+                <a:schemeClr val="dk1"/>
+              </a:buClr>
+              <a:buSzPct val="100000"/>
+              <a:buFont typeface="Open Sans"/>
+              <a:buChar char="•"/>
+            </a:pPr>
+            <a:r>
+              <a:rPr lang="en-US" sz="2400">
+                <a:latin typeface="Open Sans"/>
+                <a:ea typeface="Open Sans"/>
+                <a:cs typeface="Open Sans"/>
+                <a:sym typeface="Open Sans"/>
+              </a:rPr>
+              <a:t>Ele também serviu como expansão para o estado muçulmano ao permitir que o estado levantasse fundos e fornecesse certos bens públicos</a:t>
             </a:r>
             <a:endParaRPr>
               <a:latin typeface="Open Sans"/>
@@ -14009,7 +15453,7 @@
       </p:sp>
       <p:pic>
         <p:nvPicPr>
-          <p:cNvPr id="213" name="Google Shape;213;p32"/>
+          <p:cNvPr id="211" name="Google Shape;211;p32"/>
           <p:cNvPicPr preferRelativeResize="0"/>
           <p:nvPr/>
         </p:nvPicPr>
@@ -14023,8 +15467,8 @@
         </p:blipFill>
         <p:spPr>
           <a:xfrm>
-            <a:off x="152400" y="6080299"/>
-            <a:ext cx="2083148" cy="625301"/>
+            <a:off x="152400" y="6069824"/>
+            <a:ext cx="2118076" cy="635774"/>
           </a:xfrm>
           <a:prstGeom prst="rect">
             <a:avLst/>
@@ -14111,7 +15555,7 @@
                 <a:cs typeface="Open Sans"/>
                 <a:sym typeface="Open Sans"/>
               </a:rPr>
-              <a:t>Anthony Ogus</a:t>
+              <a:t>Timur Kuran</a:t>
             </a:r>
             <a:endParaRPr>
               <a:latin typeface="Open Sans"/>
@@ -14145,34 +15589,34 @@
         </p:spPr>
         <p:txBody>
           <a:bodyPr anchorCtr="0" anchor="t" bIns="91425" lIns="91425" spcFirstLastPara="1" rIns="91425" wrap="square" tIns="91425">
-            <a:normAutofit/>
+            <a:normAutofit lnSpcReduction="20000"/>
           </a:bodyPr>
           <a:lstStyle/>
           <a:p>
-            <a:pPr indent="-363220" lvl="0" marL="457200" marR="0" rtl="0" algn="l">
-              <a:lnSpc>
-                <a:spcPct val="180000"/>
-              </a:lnSpc>
-              <a:spcBef>
-                <a:spcPts val="0"/>
-              </a:spcBef>
-              <a:spcAft>
-                <a:spcPts val="0"/>
-              </a:spcAft>
-              <a:buSzPts val="2120"/>
+            <a:pPr indent="-381000" lvl="0" marL="457200" marR="0" rtl="0" algn="l">
+              <a:lnSpc>
+                <a:spcPct val="200000"/>
+              </a:lnSpc>
+              <a:spcBef>
+                <a:spcPts val="0"/>
+              </a:spcBef>
+              <a:spcAft>
+                <a:spcPts val="0"/>
+              </a:spcAft>
+              <a:buSzPts val="2400"/>
               <a:buFont typeface="Open Sans"/>
               <a:buChar char="•"/>
             </a:pPr>
             <a:r>
-              <a:rPr lang="en-US" sz="2120">
+              <a:rPr lang="en-US" sz="2400">
                 <a:latin typeface="Open Sans"/>
                 <a:ea typeface="Open Sans"/>
                 <a:cs typeface="Open Sans"/>
                 <a:sym typeface="Open Sans"/>
               </a:rPr>
-              <a:t>Jurista inglês (1954)</a:t>
-            </a:r>
-            <a:endParaRPr sz="2860">
+              <a:t>Economista turco/americano (1954)</a:t>
+            </a:r>
+            <a:endParaRPr>
               <a:latin typeface="Open Sans"/>
               <a:ea typeface="Open Sans"/>
               <a:cs typeface="Open Sans"/>
@@ -14180,30 +15624,30 @@
             </a:endParaRPr>
           </a:p>
           <a:p>
-            <a:pPr indent="-363220" lvl="0" marL="457200" marR="0" rtl="0" algn="l">
-              <a:lnSpc>
-                <a:spcPct val="180000"/>
-              </a:lnSpc>
-              <a:spcBef>
-                <a:spcPts val="0"/>
-              </a:spcBef>
-              <a:spcAft>
-                <a:spcPts val="0"/>
-              </a:spcAft>
-              <a:buSzPts val="2120"/>
+            <a:pPr indent="-381000" lvl="0" marL="457200" marR="0" rtl="0" algn="l">
+              <a:lnSpc>
+                <a:spcPct val="200000"/>
+              </a:lnSpc>
+              <a:spcBef>
+                <a:spcPts val="0"/>
+              </a:spcBef>
+              <a:spcAft>
+                <a:spcPts val="0"/>
+              </a:spcAft>
+              <a:buSzPts val="2400"/>
               <a:buFont typeface="Open Sans"/>
               <a:buChar char="•"/>
             </a:pPr>
             <a:r>
-              <a:rPr lang="en-US" sz="2120">
+              <a:rPr lang="en-US" sz="2400">
                 <a:latin typeface="Open Sans"/>
                 <a:ea typeface="Open Sans"/>
                 <a:cs typeface="Open Sans"/>
                 <a:sym typeface="Open Sans"/>
               </a:rPr>
-              <a:t>Professor emérito de direito (U Man)</a:t>
-            </a:r>
-            <a:endParaRPr sz="2860">
+              <a:t>Professor de ciência política</a:t>
+            </a:r>
+            <a:endParaRPr>
               <a:latin typeface="Open Sans"/>
               <a:ea typeface="Open Sans"/>
               <a:cs typeface="Open Sans"/>
@@ -14211,30 +15655,30 @@
             </a:endParaRPr>
           </a:p>
           <a:p>
-            <a:pPr indent="-363220" lvl="0" marL="457200" marR="0" rtl="0" algn="l">
-              <a:lnSpc>
-                <a:spcPct val="180000"/>
-              </a:lnSpc>
-              <a:spcBef>
-                <a:spcPts val="0"/>
-              </a:spcBef>
-              <a:spcAft>
-                <a:spcPts val="0"/>
-              </a:spcAft>
-              <a:buSzPts val="2120"/>
+            <a:pPr indent="-381000" lvl="0" marL="457200" marR="0" rtl="0" algn="l">
+              <a:lnSpc>
+                <a:spcPct val="200000"/>
+              </a:lnSpc>
+              <a:spcBef>
+                <a:spcPts val="0"/>
+              </a:spcBef>
+              <a:spcAft>
+                <a:spcPts val="0"/>
+              </a:spcAft>
+              <a:buSzPts val="2400"/>
               <a:buFont typeface="Open Sans"/>
               <a:buChar char="•"/>
             </a:pPr>
             <a:r>
-              <a:rPr lang="en-US" sz="2120">
+              <a:rPr lang="en-US" sz="2400">
                 <a:latin typeface="Open Sans"/>
                 <a:ea typeface="Open Sans"/>
                 <a:cs typeface="Open Sans"/>
                 <a:sym typeface="Open Sans"/>
               </a:rPr>
-              <a:t>Especialista em regulação</a:t>
-            </a:r>
-            <a:endParaRPr sz="2860">
+              <a:t>Professor de estudos islâmicos em Duke</a:t>
+            </a:r>
+            <a:endParaRPr>
               <a:latin typeface="Open Sans"/>
               <a:ea typeface="Open Sans"/>
               <a:cs typeface="Open Sans"/>
@@ -14242,30 +15686,30 @@
             </a:endParaRPr>
           </a:p>
           <a:p>
-            <a:pPr indent="-363220" lvl="0" marL="457200" marR="0" rtl="0" algn="l">
-              <a:lnSpc>
-                <a:spcPct val="180000"/>
-              </a:lnSpc>
-              <a:spcBef>
-                <a:spcPts val="0"/>
-              </a:spcBef>
-              <a:spcAft>
-                <a:spcPts val="0"/>
-              </a:spcAft>
-              <a:buSzPts val="2120"/>
+            <a:pPr indent="-381000" lvl="0" marL="457200" marR="0" rtl="0" algn="l">
+              <a:lnSpc>
+                <a:spcPct val="200000"/>
+              </a:lnSpc>
+              <a:spcBef>
+                <a:spcPts val="0"/>
+              </a:spcBef>
+              <a:spcAft>
+                <a:spcPts val="0"/>
+              </a:spcAft>
+              <a:buSzPts val="2400"/>
               <a:buFont typeface="Open Sans"/>
               <a:buChar char="•"/>
             </a:pPr>
             <a:r>
-              <a:rPr lang="en-US" sz="2120">
+              <a:rPr lang="en-US" sz="2400">
                 <a:latin typeface="Open Sans"/>
                 <a:ea typeface="Open Sans"/>
                 <a:cs typeface="Open Sans"/>
                 <a:sym typeface="Open Sans"/>
               </a:rPr>
-              <a:t>CBE e Fellow of the British Academy</a:t>
-            </a:r>
-            <a:endParaRPr sz="2860">
+              <a:t>Livros sobre islamismo e teoria dos jogos</a:t>
+            </a:r>
+            <a:endParaRPr>
               <a:latin typeface="Open Sans"/>
               <a:ea typeface="Open Sans"/>
               <a:cs typeface="Open Sans"/>
@@ -14273,30 +15717,52 @@
             </a:endParaRPr>
           </a:p>
           <a:p>
-            <a:pPr indent="-363220" lvl="0" marL="457200" marR="0" rtl="0" algn="l">
-              <a:lnSpc>
-                <a:spcPct val="180000"/>
-              </a:lnSpc>
-              <a:spcBef>
-                <a:spcPts val="0"/>
-              </a:spcBef>
-              <a:spcAft>
-                <a:spcPts val="0"/>
-              </a:spcAft>
-              <a:buSzPts val="2120"/>
+            <a:pPr indent="-381000" lvl="0" marL="457200" marR="0" rtl="0" algn="l">
+              <a:lnSpc>
+                <a:spcPct val="200000"/>
+              </a:lnSpc>
+              <a:spcBef>
+                <a:spcPts val="0"/>
+              </a:spcBef>
+              <a:spcAft>
+                <a:spcPts val="0"/>
+              </a:spcAft>
+              <a:buSzPts val="2400"/>
               <a:buFont typeface="Open Sans"/>
               <a:buChar char="•"/>
             </a:pPr>
             <a:r>
-              <a:rPr lang="en-US" sz="2120">
+              <a:rPr lang="en-US" sz="2400">
                 <a:latin typeface="Open Sans"/>
                 <a:ea typeface="Open Sans"/>
                 <a:cs typeface="Open Sans"/>
                 <a:sym typeface="Open Sans"/>
               </a:rPr>
-              <a:t>Grande conhecedor de ópera: segundo seu site, já assistiu a mais de 1500 montagens e visitou 30 países por música!</a:t>
-            </a:r>
-            <a:endParaRPr sz="2860">
+              <a:t>Tem uma ótima conta no Twitter: </a:t>
+            </a:r>
+            <a:r>
+              <a:rPr lang="en-US" sz="2400" u="sng">
+                <a:solidFill>
+                  <a:schemeClr val="hlink"/>
+                </a:solidFill>
+                <a:latin typeface="Open Sans"/>
+                <a:ea typeface="Open Sans"/>
+                <a:cs typeface="Open Sans"/>
+                <a:sym typeface="Open Sans"/>
+                <a:hlinkClick r:id="rId3"/>
+              </a:rPr>
+              <a:t>https://twitter.com/timurkuran</a:t>
+            </a:r>
+            <a:r>
+              <a:rPr lang="en-US" sz="2400">
+                <a:latin typeface="Open Sans"/>
+                <a:ea typeface="Open Sans"/>
+                <a:cs typeface="Open Sans"/>
+                <a:sym typeface="Open Sans"/>
+              </a:rPr>
+              <a:t> </a:t>
+            </a:r>
+            <a:endParaRPr>
               <a:latin typeface="Open Sans"/>
               <a:ea typeface="Open Sans"/>
               <a:cs typeface="Open Sans"/>
@@ -14307,12 +15773,12 @@
       </p:sp>
       <p:pic>
         <p:nvPicPr>
-          <p:cNvPr descr="anthony-ogus.jpg" id="74" name="Google Shape;74;p15"/>
+          <p:cNvPr descr="Kuran 20150727-P7271094.jpg" id="74" name="Google Shape;74;p15"/>
           <p:cNvPicPr preferRelativeResize="0"/>
           <p:nvPr/>
         </p:nvPicPr>
         <p:blipFill rotWithShape="1">
-          <a:blip r:embed="rId3">
+          <a:blip r:embed="rId4">
             <a:alphaModFix/>
           </a:blip>
           <a:srcRect b="0" l="0" r="0" t="0"/>
@@ -14320,8 +15786,8 @@
         </p:blipFill>
         <p:spPr>
           <a:xfrm>
-            <a:off x="6170150" y="1417625"/>
-            <a:ext cx="2916874" cy="2571450"/>
+            <a:off x="6986075" y="1665725"/>
+            <a:ext cx="1945000" cy="3548600"/>
           </a:xfrm>
           <a:prstGeom prst="rect">
             <a:avLst/>
@@ -14339,7 +15805,7 @@
           <p:nvPr/>
         </p:nvPicPr>
         <p:blipFill>
-          <a:blip r:embed="rId4">
+          <a:blip r:embed="rId5">
             <a:alphaModFix/>
           </a:blip>
           <a:stretch>
@@ -14348,8 +15814,1252 @@
         </p:blipFill>
         <p:spPr>
           <a:xfrm>
-            <a:off x="152400" y="6080299"/>
-            <a:ext cx="2083148" cy="625301"/>
+            <a:off x="152400" y="6069824"/>
+            <a:ext cx="2118076" cy="635774"/>
+          </a:xfrm>
+          <a:prstGeom prst="rect">
+            <a:avLst/>
+          </a:prstGeom>
+          <a:noFill/>
+          <a:ln>
+            <a:noFill/>
+          </a:ln>
+        </p:spPr>
+      </p:pic>
+    </p:spTree>
+  </p:cSld>
+  <p:clrMapOvr>
+    <a:masterClrMapping/>
+  </p:clrMapOvr>
+</p:sld>
+</file>
+
+<file path=ppt/slides/slide20.xml><?xml version="1.0" encoding="utf-8"?>
+<p:sld xmlns:a="http://schemas.openxmlformats.org/drawingml/2006/main" xmlns:r="http://schemas.openxmlformats.org/officeDocument/2006/relationships" xmlns:mc="http://schemas.openxmlformats.org/markup-compatibility/2006" xmlns:mv="urn:schemas-microsoft-com:mac:vml" xmlns:p="http://schemas.openxmlformats.org/presentationml/2006/main" xmlns:c="http://schemas.openxmlformats.org/drawingml/2006/chart" xmlns:dgm="http://schemas.openxmlformats.org/drawingml/2006/diagram" xmlns:o="urn:schemas-microsoft-com:office:office" xmlns:v="urn:schemas-microsoft-com:vml" xmlns:pvml="urn:schemas-microsoft-com:office:powerpoint" xmlns:com="http://schemas.openxmlformats.org/drawingml/2006/compatibility" xmlns:p14="http://schemas.microsoft.com/office/powerpoint/2010/main" xmlns:p15="http://schemas.microsoft.com/office/powerpoint/2012/main" xmlns:ahyp="http://schemas.microsoft.com/office/drawing/2018/hyperlinkcolor">
+  <p:cSld>
+    <p:spTree>
+      <p:nvGrpSpPr>
+        <p:cNvPr id="216" name="Shape 216"/>
+        <p:cNvGrpSpPr/>
+        <p:nvPr/>
+      </p:nvGrpSpPr>
+      <p:grpSpPr>
+        <a:xfrm>
+          <a:off x="0" y="0"/>
+          <a:ext cx="0" cy="0"/>
+          <a:chOff x="0" y="0"/>
+          <a:chExt cx="0" cy="0"/>
+        </a:xfrm>
+      </p:grpSpPr>
+      <p:sp>
+        <p:nvSpPr>
+          <p:cNvPr id="217" name="Google Shape;217;p33"/>
+          <p:cNvSpPr txBox="1"/>
+          <p:nvPr>
+            <p:ph type="title"/>
+          </p:nvPr>
+        </p:nvSpPr>
+        <p:spPr>
+          <a:xfrm>
+            <a:off x="457200" y="274637"/>
+            <a:ext cx="8229600" cy="1143000"/>
+          </a:xfrm>
+          <a:prstGeom prst="rect">
+            <a:avLst/>
+          </a:prstGeom>
+          <a:noFill/>
+          <a:ln>
+            <a:noFill/>
+          </a:ln>
+        </p:spPr>
+        <p:txBody>
+          <a:bodyPr anchorCtr="0" anchor="ctr" bIns="91425" lIns="91425" spcFirstLastPara="1" rIns="91425" wrap="square" tIns="91425">
+            <a:normAutofit/>
+          </a:bodyPr>
+          <a:lstStyle/>
+          <a:p>
+            <a:pPr indent="0" lvl="0" marL="0" marR="0" rtl="0" algn="ctr">
+              <a:lnSpc>
+                <a:spcPct val="100000"/>
+              </a:lnSpc>
+              <a:spcBef>
+                <a:spcPts val="0"/>
+              </a:spcBef>
+              <a:spcAft>
+                <a:spcPts val="0"/>
+              </a:spcAft>
+              <a:buClr>
+                <a:schemeClr val="dk1"/>
+              </a:buClr>
+              <a:buSzPts val="900"/>
+              <a:buFont typeface="Calibri"/>
+              <a:buNone/>
+            </a:pPr>
+            <a:r>
+              <a:rPr b="1" lang="en-US" sz="3600">
+                <a:solidFill>
+                  <a:srgbClr val="000000"/>
+                </a:solidFill>
+                <a:highlight>
+                  <a:srgbClr val="FFFFFF"/>
+                </a:highlight>
+                <a:latin typeface="Open Sans"/>
+                <a:ea typeface="Open Sans"/>
+                <a:cs typeface="Open Sans"/>
+                <a:sym typeface="Open Sans"/>
+              </a:rPr>
+              <a:t>Zakat</a:t>
+            </a:r>
+            <a:endParaRPr>
+              <a:latin typeface="Open Sans"/>
+              <a:ea typeface="Open Sans"/>
+              <a:cs typeface="Open Sans"/>
+              <a:sym typeface="Open Sans"/>
+            </a:endParaRPr>
+          </a:p>
+        </p:txBody>
+      </p:sp>
+      <p:sp>
+        <p:nvSpPr>
+          <p:cNvPr id="218" name="Google Shape;218;p33"/>
+          <p:cNvSpPr txBox="1"/>
+          <p:nvPr>
+            <p:ph idx="1" type="body"/>
+          </p:nvPr>
+        </p:nvSpPr>
+        <p:spPr>
+          <a:xfrm>
+            <a:off x="457200" y="1665725"/>
+            <a:ext cx="8229600" cy="4336800"/>
+          </a:xfrm>
+          <a:prstGeom prst="rect">
+            <a:avLst/>
+          </a:prstGeom>
+          <a:noFill/>
+          <a:ln>
+            <a:noFill/>
+          </a:ln>
+        </p:spPr>
+        <p:txBody>
+          <a:bodyPr anchorCtr="0" anchor="t" bIns="91425" lIns="91425" spcFirstLastPara="1" rIns="91425" wrap="square" tIns="91425">
+            <a:normAutofit fontScale="92500" lnSpcReduction="20000"/>
+          </a:bodyPr>
+          <a:lstStyle/>
+          <a:p>
+            <a:pPr indent="-369570" lvl="0" marL="457200" rtl="0" algn="l">
+              <a:lnSpc>
+                <a:spcPct val="115000"/>
+              </a:lnSpc>
+              <a:spcBef>
+                <a:spcPts val="0"/>
+              </a:spcBef>
+              <a:spcAft>
+                <a:spcPts val="0"/>
+              </a:spcAft>
+              <a:buClr>
+                <a:schemeClr val="dk1"/>
+              </a:buClr>
+              <a:buSzPct val="100000"/>
+              <a:buFont typeface="Open Sans"/>
+              <a:buChar char="•"/>
+            </a:pPr>
+            <a:r>
+              <a:rPr lang="en-US" sz="2400">
+                <a:latin typeface="Open Sans"/>
+                <a:ea typeface="Open Sans"/>
+                <a:cs typeface="Open Sans"/>
+                <a:sym typeface="Open Sans"/>
+              </a:rPr>
+              <a:t>Estados como a Arábia Saudita e Paquistão expandiram o zakat também para pessoas jurídicas e outros bens, mas a evasão fiscal é significativa</a:t>
+            </a:r>
+            <a:endParaRPr sz="2400">
+              <a:latin typeface="Open Sans"/>
+              <a:ea typeface="Open Sans"/>
+              <a:cs typeface="Open Sans"/>
+              <a:sym typeface="Open Sans"/>
+            </a:endParaRPr>
+          </a:p>
+          <a:p>
+            <a:pPr indent="0" lvl="0" marL="406400" rtl="0" algn="l">
+              <a:lnSpc>
+                <a:spcPct val="115000"/>
+              </a:lnSpc>
+              <a:spcBef>
+                <a:spcPts val="0"/>
+              </a:spcBef>
+              <a:spcAft>
+                <a:spcPts val="0"/>
+              </a:spcAft>
+              <a:buNone/>
+            </a:pPr>
+            <a:r>
+              <a:t/>
+            </a:r>
+            <a:endParaRPr sz="2400">
+              <a:latin typeface="Open Sans"/>
+              <a:ea typeface="Open Sans"/>
+              <a:cs typeface="Open Sans"/>
+              <a:sym typeface="Open Sans"/>
+            </a:endParaRPr>
+          </a:p>
+          <a:p>
+            <a:pPr indent="-369570" lvl="0" marL="457200" rtl="0" algn="l">
+              <a:lnSpc>
+                <a:spcPct val="115000"/>
+              </a:lnSpc>
+              <a:spcBef>
+                <a:spcPts val="0"/>
+              </a:spcBef>
+              <a:spcAft>
+                <a:spcPts val="0"/>
+              </a:spcAft>
+              <a:buClr>
+                <a:schemeClr val="dk1"/>
+              </a:buClr>
+              <a:buSzPct val="100000"/>
+              <a:buFont typeface="Open Sans"/>
+              <a:buChar char="•"/>
+            </a:pPr>
+            <a:r>
+              <a:rPr lang="en-US" sz="2400">
+                <a:latin typeface="Open Sans"/>
+                <a:ea typeface="Open Sans"/>
+                <a:cs typeface="Open Sans"/>
+                <a:sym typeface="Open Sans"/>
+              </a:rPr>
+              <a:t>Os fundos do zakat são insuficientes para aliviar a pobreza nestes países, e também são presa fácil da corrupção oficial</a:t>
+            </a:r>
+            <a:endParaRPr sz="2400">
+              <a:latin typeface="Open Sans"/>
+              <a:ea typeface="Open Sans"/>
+              <a:cs typeface="Open Sans"/>
+              <a:sym typeface="Open Sans"/>
+            </a:endParaRPr>
+          </a:p>
+          <a:p>
+            <a:pPr indent="0" lvl="0" marL="406400" rtl="0" algn="l">
+              <a:lnSpc>
+                <a:spcPct val="115000"/>
+              </a:lnSpc>
+              <a:spcBef>
+                <a:spcPts val="0"/>
+              </a:spcBef>
+              <a:spcAft>
+                <a:spcPts val="0"/>
+              </a:spcAft>
+              <a:buNone/>
+            </a:pPr>
+            <a:r>
+              <a:t/>
+            </a:r>
+            <a:endParaRPr sz="2400">
+              <a:latin typeface="Open Sans"/>
+              <a:ea typeface="Open Sans"/>
+              <a:cs typeface="Open Sans"/>
+              <a:sym typeface="Open Sans"/>
+            </a:endParaRPr>
+          </a:p>
+          <a:p>
+            <a:pPr indent="-369570" lvl="0" marL="457200" rtl="0" algn="l">
+              <a:lnSpc>
+                <a:spcPct val="115000"/>
+              </a:lnSpc>
+              <a:spcBef>
+                <a:spcPts val="0"/>
+              </a:spcBef>
+              <a:spcAft>
+                <a:spcPts val="0"/>
+              </a:spcAft>
+              <a:buClr>
+                <a:schemeClr val="dk1"/>
+              </a:buClr>
+              <a:buSzPct val="100000"/>
+              <a:buFont typeface="Open Sans"/>
+              <a:buChar char="•"/>
+            </a:pPr>
+            <a:r>
+              <a:rPr lang="en-US" sz="2400">
+                <a:latin typeface="Open Sans"/>
+                <a:ea typeface="Open Sans"/>
+                <a:cs typeface="Open Sans"/>
+                <a:sym typeface="Open Sans"/>
+              </a:rPr>
+              <a:t>Tanto o oferecimento do zakat por um modelo descentralizado quando a distribuição estatal se mostraram problemáticas: em ambos os casos, favoritismo, propinas e corrupção se tornaram comuns</a:t>
+            </a:r>
+            <a:endParaRPr>
+              <a:latin typeface="Open Sans"/>
+              <a:ea typeface="Open Sans"/>
+              <a:cs typeface="Open Sans"/>
+              <a:sym typeface="Open Sans"/>
+            </a:endParaRPr>
+          </a:p>
+        </p:txBody>
+      </p:sp>
+      <p:pic>
+        <p:nvPicPr>
+          <p:cNvPr id="219" name="Google Shape;219;p33"/>
+          <p:cNvPicPr preferRelativeResize="0"/>
+          <p:nvPr/>
+        </p:nvPicPr>
+        <p:blipFill>
+          <a:blip r:embed="rId3">
+            <a:alphaModFix/>
+          </a:blip>
+          <a:stretch>
+            <a:fillRect/>
+          </a:stretch>
+        </p:blipFill>
+        <p:spPr>
+          <a:xfrm>
+            <a:off x="152400" y="6069824"/>
+            <a:ext cx="2118076" cy="635774"/>
+          </a:xfrm>
+          <a:prstGeom prst="rect">
+            <a:avLst/>
+          </a:prstGeom>
+          <a:noFill/>
+          <a:ln>
+            <a:noFill/>
+          </a:ln>
+        </p:spPr>
+      </p:pic>
+    </p:spTree>
+  </p:cSld>
+  <p:clrMapOvr>
+    <a:masterClrMapping/>
+  </p:clrMapOvr>
+</p:sld>
+</file>
+
+<file path=ppt/slides/slide21.xml><?xml version="1.0" encoding="utf-8"?>
+<p:sld xmlns:a="http://schemas.openxmlformats.org/drawingml/2006/main" xmlns:r="http://schemas.openxmlformats.org/officeDocument/2006/relationships" xmlns:mc="http://schemas.openxmlformats.org/markup-compatibility/2006" xmlns:mv="urn:schemas-microsoft-com:mac:vml" xmlns:p="http://schemas.openxmlformats.org/presentationml/2006/main" xmlns:c="http://schemas.openxmlformats.org/drawingml/2006/chart" xmlns:dgm="http://schemas.openxmlformats.org/drawingml/2006/diagram" xmlns:o="urn:schemas-microsoft-com:office:office" xmlns:v="urn:schemas-microsoft-com:vml" xmlns:pvml="urn:schemas-microsoft-com:office:powerpoint" xmlns:com="http://schemas.openxmlformats.org/drawingml/2006/compatibility" xmlns:p14="http://schemas.microsoft.com/office/powerpoint/2010/main" xmlns:p15="http://schemas.microsoft.com/office/powerpoint/2012/main" xmlns:ahyp="http://schemas.microsoft.com/office/drawing/2018/hyperlinkcolor">
+  <p:cSld>
+    <p:spTree>
+      <p:nvGrpSpPr>
+        <p:cNvPr id="224" name="Shape 224"/>
+        <p:cNvGrpSpPr/>
+        <p:nvPr/>
+      </p:nvGrpSpPr>
+      <p:grpSpPr>
+        <a:xfrm>
+          <a:off x="0" y="0"/>
+          <a:ext cx="0" cy="0"/>
+          <a:chOff x="0" y="0"/>
+          <a:chExt cx="0" cy="0"/>
+        </a:xfrm>
+      </p:grpSpPr>
+      <p:sp>
+        <p:nvSpPr>
+          <p:cNvPr id="225" name="Google Shape;225;p34"/>
+          <p:cNvSpPr txBox="1"/>
+          <p:nvPr>
+            <p:ph type="title"/>
+          </p:nvPr>
+        </p:nvSpPr>
+        <p:spPr>
+          <a:xfrm>
+            <a:off x="457200" y="274637"/>
+            <a:ext cx="8229600" cy="1143000"/>
+          </a:xfrm>
+          <a:prstGeom prst="rect">
+            <a:avLst/>
+          </a:prstGeom>
+          <a:noFill/>
+          <a:ln>
+            <a:noFill/>
+          </a:ln>
+        </p:spPr>
+        <p:txBody>
+          <a:bodyPr anchorCtr="0" anchor="ctr" bIns="91425" lIns="91425" spcFirstLastPara="1" rIns="91425" wrap="square" tIns="91425">
+            <a:normAutofit/>
+          </a:bodyPr>
+          <a:lstStyle/>
+          <a:p>
+            <a:pPr indent="0" lvl="0" marL="0" marR="0" rtl="0" algn="ctr">
+              <a:lnSpc>
+                <a:spcPct val="100000"/>
+              </a:lnSpc>
+              <a:spcBef>
+                <a:spcPts val="0"/>
+              </a:spcBef>
+              <a:spcAft>
+                <a:spcPts val="0"/>
+              </a:spcAft>
+              <a:buClr>
+                <a:schemeClr val="dk1"/>
+              </a:buClr>
+              <a:buSzPts val="900"/>
+              <a:buFont typeface="Calibri"/>
+              <a:buNone/>
+            </a:pPr>
+            <a:r>
+              <a:rPr b="1" lang="en-US" sz="3600">
+                <a:solidFill>
+                  <a:srgbClr val="000000"/>
+                </a:solidFill>
+                <a:highlight>
+                  <a:srgbClr val="FFFFFF"/>
+                </a:highlight>
+                <a:latin typeface="Open Sans"/>
+                <a:ea typeface="Open Sans"/>
+                <a:cs typeface="Open Sans"/>
+                <a:sym typeface="Open Sans"/>
+              </a:rPr>
+              <a:t>Islamic Morality</a:t>
+            </a:r>
+            <a:endParaRPr>
+              <a:latin typeface="Open Sans"/>
+              <a:ea typeface="Open Sans"/>
+              <a:cs typeface="Open Sans"/>
+              <a:sym typeface="Open Sans"/>
+            </a:endParaRPr>
+          </a:p>
+        </p:txBody>
+      </p:sp>
+      <p:sp>
+        <p:nvSpPr>
+          <p:cNvPr id="226" name="Google Shape;226;p34"/>
+          <p:cNvSpPr txBox="1"/>
+          <p:nvPr>
+            <p:ph idx="1" type="body"/>
+          </p:nvPr>
+        </p:nvSpPr>
+        <p:spPr>
+          <a:xfrm>
+            <a:off x="457200" y="1665725"/>
+            <a:ext cx="8229600" cy="4336800"/>
+          </a:xfrm>
+          <a:prstGeom prst="rect">
+            <a:avLst/>
+          </a:prstGeom>
+          <a:noFill/>
+          <a:ln>
+            <a:noFill/>
+          </a:ln>
+        </p:spPr>
+        <p:txBody>
+          <a:bodyPr anchorCtr="0" anchor="t" bIns="91425" lIns="91425" spcFirstLastPara="1" rIns="91425" wrap="square" tIns="91425">
+            <a:normAutofit fontScale="85000" lnSpcReduction="20000"/>
+          </a:bodyPr>
+          <a:lstStyle/>
+          <a:p>
+            <a:pPr indent="-358140" lvl="0" marL="457200" rtl="0" algn="l">
+              <a:lnSpc>
+                <a:spcPct val="115000"/>
+              </a:lnSpc>
+              <a:spcBef>
+                <a:spcPts val="0"/>
+              </a:spcBef>
+              <a:spcAft>
+                <a:spcPts val="0"/>
+              </a:spcAft>
+              <a:buClr>
+                <a:schemeClr val="dk1"/>
+              </a:buClr>
+              <a:buSzPct val="100000"/>
+              <a:buFont typeface="Open Sans"/>
+              <a:buChar char="•"/>
+            </a:pPr>
+            <a:r>
+              <a:rPr lang="en-US" sz="2400">
+                <a:latin typeface="Open Sans"/>
+                <a:ea typeface="Open Sans"/>
+                <a:cs typeface="Open Sans"/>
+                <a:sym typeface="Open Sans"/>
+              </a:rPr>
+              <a:t>Por fim, Kuran comenta sobre o papel da moralidade e os códigos de conduta islâmicos na economia</a:t>
+            </a:r>
+            <a:endParaRPr sz="2400">
+              <a:latin typeface="Open Sans"/>
+              <a:ea typeface="Open Sans"/>
+              <a:cs typeface="Open Sans"/>
+              <a:sym typeface="Open Sans"/>
+            </a:endParaRPr>
+          </a:p>
+          <a:p>
+            <a:pPr indent="0" lvl="0" marL="406400" rtl="0" algn="l">
+              <a:lnSpc>
+                <a:spcPct val="115000"/>
+              </a:lnSpc>
+              <a:spcBef>
+                <a:spcPts val="0"/>
+              </a:spcBef>
+              <a:spcAft>
+                <a:spcPts val="0"/>
+              </a:spcAft>
+              <a:buNone/>
+            </a:pPr>
+            <a:r>
+              <a:t/>
+            </a:r>
+            <a:endParaRPr sz="2400">
+              <a:latin typeface="Open Sans"/>
+              <a:ea typeface="Open Sans"/>
+              <a:cs typeface="Open Sans"/>
+              <a:sym typeface="Open Sans"/>
+            </a:endParaRPr>
+          </a:p>
+          <a:p>
+            <a:pPr indent="-358140" lvl="0" marL="457200" rtl="0" algn="l">
+              <a:lnSpc>
+                <a:spcPct val="115000"/>
+              </a:lnSpc>
+              <a:spcBef>
+                <a:spcPts val="0"/>
+              </a:spcBef>
+              <a:spcAft>
+                <a:spcPts val="0"/>
+              </a:spcAft>
+              <a:buClr>
+                <a:schemeClr val="dk1"/>
+              </a:buClr>
+              <a:buSzPct val="100000"/>
+              <a:buFont typeface="Open Sans"/>
+              <a:buChar char="•"/>
+            </a:pPr>
+            <a:r>
+              <a:rPr lang="en-US" sz="2400">
+                <a:latin typeface="Open Sans"/>
+                <a:ea typeface="Open Sans"/>
+                <a:cs typeface="Open Sans"/>
+                <a:sym typeface="Open Sans"/>
+              </a:rPr>
+              <a:t>Como a visão coletivista é privilegiada na religião, o incentivo individual para lucro é reduzido</a:t>
+            </a:r>
+            <a:endParaRPr sz="2400">
+              <a:latin typeface="Open Sans"/>
+              <a:ea typeface="Open Sans"/>
+              <a:cs typeface="Open Sans"/>
+              <a:sym typeface="Open Sans"/>
+            </a:endParaRPr>
+          </a:p>
+          <a:p>
+            <a:pPr indent="0" lvl="0" marL="406400" rtl="0" algn="l">
+              <a:lnSpc>
+                <a:spcPct val="115000"/>
+              </a:lnSpc>
+              <a:spcBef>
+                <a:spcPts val="0"/>
+              </a:spcBef>
+              <a:spcAft>
+                <a:spcPts val="0"/>
+              </a:spcAft>
+              <a:buNone/>
+            </a:pPr>
+            <a:r>
+              <a:t/>
+            </a:r>
+            <a:endParaRPr sz="2400">
+              <a:latin typeface="Open Sans"/>
+              <a:ea typeface="Open Sans"/>
+              <a:cs typeface="Open Sans"/>
+              <a:sym typeface="Open Sans"/>
+            </a:endParaRPr>
+          </a:p>
+          <a:p>
+            <a:pPr indent="-358140" lvl="0" marL="457200" rtl="0" algn="l">
+              <a:lnSpc>
+                <a:spcPct val="115000"/>
+              </a:lnSpc>
+              <a:spcBef>
+                <a:spcPts val="0"/>
+              </a:spcBef>
+              <a:spcAft>
+                <a:spcPts val="0"/>
+              </a:spcAft>
+              <a:buClr>
+                <a:schemeClr val="dk1"/>
+              </a:buClr>
+              <a:buSzPct val="100000"/>
+              <a:buFont typeface="Open Sans"/>
+              <a:buChar char="•"/>
+            </a:pPr>
+            <a:r>
+              <a:rPr lang="en-US" sz="2400">
+                <a:latin typeface="Open Sans"/>
+                <a:ea typeface="Open Sans"/>
+                <a:cs typeface="Open Sans"/>
+                <a:sym typeface="Open Sans"/>
+              </a:rPr>
+              <a:t>A idéia de que o esforço individual é valorizado também não aparece, e o ideal de que o as pessoas devam fazer sacrifícios pessoais e colocar a comunidade primeiro é difundido</a:t>
+            </a:r>
+            <a:endParaRPr sz="2400">
+              <a:latin typeface="Open Sans"/>
+              <a:ea typeface="Open Sans"/>
+              <a:cs typeface="Open Sans"/>
+              <a:sym typeface="Open Sans"/>
+            </a:endParaRPr>
+          </a:p>
+          <a:p>
+            <a:pPr indent="0" lvl="0" marL="406400" rtl="0" algn="l">
+              <a:lnSpc>
+                <a:spcPct val="115000"/>
+              </a:lnSpc>
+              <a:spcBef>
+                <a:spcPts val="0"/>
+              </a:spcBef>
+              <a:spcAft>
+                <a:spcPts val="0"/>
+              </a:spcAft>
+              <a:buNone/>
+            </a:pPr>
+            <a:r>
+              <a:t/>
+            </a:r>
+            <a:endParaRPr sz="2400">
+              <a:latin typeface="Open Sans"/>
+              <a:ea typeface="Open Sans"/>
+              <a:cs typeface="Open Sans"/>
+              <a:sym typeface="Open Sans"/>
+            </a:endParaRPr>
+          </a:p>
+          <a:p>
+            <a:pPr indent="-358140" lvl="0" marL="457200" rtl="0" algn="l">
+              <a:lnSpc>
+                <a:spcPct val="115000"/>
+              </a:lnSpc>
+              <a:spcBef>
+                <a:spcPts val="0"/>
+              </a:spcBef>
+              <a:spcAft>
+                <a:spcPts val="0"/>
+              </a:spcAft>
+              <a:buClr>
+                <a:schemeClr val="dk1"/>
+              </a:buClr>
+              <a:buSzPct val="100000"/>
+              <a:buFont typeface="Open Sans"/>
+              <a:buChar char="•"/>
+            </a:pPr>
+            <a:r>
+              <a:rPr lang="en-US" sz="2400">
+                <a:latin typeface="Open Sans"/>
+                <a:ea typeface="Open Sans"/>
+                <a:cs typeface="Open Sans"/>
+                <a:sym typeface="Open Sans"/>
+              </a:rPr>
+              <a:t>Com efeito, estes valores são próximos ao ideal socialista de que ao abolir a ganância individual, a sociedade naturalmente se tornaria mais justa</a:t>
+            </a:r>
+            <a:endParaRPr>
+              <a:latin typeface="Open Sans"/>
+              <a:ea typeface="Open Sans"/>
+              <a:cs typeface="Open Sans"/>
+              <a:sym typeface="Open Sans"/>
+            </a:endParaRPr>
+          </a:p>
+        </p:txBody>
+      </p:sp>
+      <p:pic>
+        <p:nvPicPr>
+          <p:cNvPr id="227" name="Google Shape;227;p34"/>
+          <p:cNvPicPr preferRelativeResize="0"/>
+          <p:nvPr/>
+        </p:nvPicPr>
+        <p:blipFill>
+          <a:blip r:embed="rId3">
+            <a:alphaModFix/>
+          </a:blip>
+          <a:stretch>
+            <a:fillRect/>
+          </a:stretch>
+        </p:blipFill>
+        <p:spPr>
+          <a:xfrm>
+            <a:off x="152400" y="6069824"/>
+            <a:ext cx="2118076" cy="635774"/>
+          </a:xfrm>
+          <a:prstGeom prst="rect">
+            <a:avLst/>
+          </a:prstGeom>
+          <a:noFill/>
+          <a:ln>
+            <a:noFill/>
+          </a:ln>
+        </p:spPr>
+      </p:pic>
+    </p:spTree>
+  </p:cSld>
+  <p:clrMapOvr>
+    <a:masterClrMapping/>
+  </p:clrMapOvr>
+</p:sld>
+</file>
+
+<file path=ppt/slides/slide22.xml><?xml version="1.0" encoding="utf-8"?>
+<p:sld xmlns:a="http://schemas.openxmlformats.org/drawingml/2006/main" xmlns:r="http://schemas.openxmlformats.org/officeDocument/2006/relationships" xmlns:mc="http://schemas.openxmlformats.org/markup-compatibility/2006" xmlns:mv="urn:schemas-microsoft-com:mac:vml" xmlns:p="http://schemas.openxmlformats.org/presentationml/2006/main" xmlns:c="http://schemas.openxmlformats.org/drawingml/2006/chart" xmlns:dgm="http://schemas.openxmlformats.org/drawingml/2006/diagram" xmlns:o="urn:schemas-microsoft-com:office:office" xmlns:v="urn:schemas-microsoft-com:vml" xmlns:pvml="urn:schemas-microsoft-com:office:powerpoint" xmlns:com="http://schemas.openxmlformats.org/drawingml/2006/compatibility" xmlns:p14="http://schemas.microsoft.com/office/powerpoint/2010/main" xmlns:p15="http://schemas.microsoft.com/office/powerpoint/2012/main" xmlns:ahyp="http://schemas.microsoft.com/office/drawing/2018/hyperlinkcolor">
+  <p:cSld>
+    <p:spTree>
+      <p:nvGrpSpPr>
+        <p:cNvPr id="232" name="Shape 232"/>
+        <p:cNvGrpSpPr/>
+        <p:nvPr/>
+      </p:nvGrpSpPr>
+      <p:grpSpPr>
+        <a:xfrm>
+          <a:off x="0" y="0"/>
+          <a:ext cx="0" cy="0"/>
+          <a:chOff x="0" y="0"/>
+          <a:chExt cx="0" cy="0"/>
+        </a:xfrm>
+      </p:grpSpPr>
+      <p:sp>
+        <p:nvSpPr>
+          <p:cNvPr id="233" name="Google Shape;233;p35"/>
+          <p:cNvSpPr txBox="1"/>
+          <p:nvPr>
+            <p:ph type="title"/>
+          </p:nvPr>
+        </p:nvSpPr>
+        <p:spPr>
+          <a:xfrm>
+            <a:off x="457200" y="274637"/>
+            <a:ext cx="8229600" cy="1143000"/>
+          </a:xfrm>
+          <a:prstGeom prst="rect">
+            <a:avLst/>
+          </a:prstGeom>
+          <a:noFill/>
+          <a:ln>
+            <a:noFill/>
+          </a:ln>
+        </p:spPr>
+        <p:txBody>
+          <a:bodyPr anchorCtr="0" anchor="ctr" bIns="91425" lIns="91425" spcFirstLastPara="1" rIns="91425" wrap="square" tIns="91425">
+            <a:normAutofit/>
+          </a:bodyPr>
+          <a:lstStyle/>
+          <a:p>
+            <a:pPr indent="0" lvl="0" marL="0" marR="0" rtl="0" algn="ctr">
+              <a:lnSpc>
+                <a:spcPct val="100000"/>
+              </a:lnSpc>
+              <a:spcBef>
+                <a:spcPts val="0"/>
+              </a:spcBef>
+              <a:spcAft>
+                <a:spcPts val="0"/>
+              </a:spcAft>
+              <a:buClr>
+                <a:schemeClr val="dk1"/>
+              </a:buClr>
+              <a:buSzPts val="900"/>
+              <a:buFont typeface="Calibri"/>
+              <a:buNone/>
+            </a:pPr>
+            <a:r>
+              <a:rPr b="1" lang="en-US" sz="3600">
+                <a:solidFill>
+                  <a:srgbClr val="000000"/>
+                </a:solidFill>
+                <a:highlight>
+                  <a:srgbClr val="FFFFFF"/>
+                </a:highlight>
+                <a:latin typeface="Open Sans"/>
+                <a:ea typeface="Open Sans"/>
+                <a:cs typeface="Open Sans"/>
+                <a:sym typeface="Open Sans"/>
+              </a:rPr>
+              <a:t>Islamic Morality</a:t>
+            </a:r>
+            <a:endParaRPr>
+              <a:latin typeface="Open Sans"/>
+              <a:ea typeface="Open Sans"/>
+              <a:cs typeface="Open Sans"/>
+              <a:sym typeface="Open Sans"/>
+            </a:endParaRPr>
+          </a:p>
+        </p:txBody>
+      </p:sp>
+      <p:sp>
+        <p:nvSpPr>
+          <p:cNvPr id="234" name="Google Shape;234;p35"/>
+          <p:cNvSpPr txBox="1"/>
+          <p:nvPr>
+            <p:ph idx="1" type="body"/>
+          </p:nvPr>
+        </p:nvSpPr>
+        <p:spPr>
+          <a:xfrm>
+            <a:off x="457200" y="1665725"/>
+            <a:ext cx="8229600" cy="4336800"/>
+          </a:xfrm>
+          <a:prstGeom prst="rect">
+            <a:avLst/>
+          </a:prstGeom>
+          <a:noFill/>
+          <a:ln>
+            <a:noFill/>
+          </a:ln>
+        </p:spPr>
+        <p:txBody>
+          <a:bodyPr anchorCtr="0" anchor="t" bIns="91425" lIns="91425" spcFirstLastPara="1" rIns="91425" wrap="square" tIns="91425">
+            <a:normAutofit fontScale="85000" lnSpcReduction="20000"/>
+          </a:bodyPr>
+          <a:lstStyle/>
+          <a:p>
+            <a:pPr indent="-358140" lvl="0" marL="457200" rtl="0" algn="l">
+              <a:lnSpc>
+                <a:spcPct val="115000"/>
+              </a:lnSpc>
+              <a:spcBef>
+                <a:spcPts val="0"/>
+              </a:spcBef>
+              <a:spcAft>
+                <a:spcPts val="0"/>
+              </a:spcAft>
+              <a:buClr>
+                <a:schemeClr val="dk1"/>
+              </a:buClr>
+              <a:buSzPct val="100000"/>
+              <a:buFont typeface="Open Sans"/>
+              <a:buChar char="•"/>
+            </a:pPr>
+            <a:r>
+              <a:rPr lang="en-US" sz="2400">
+                <a:latin typeface="Open Sans"/>
+                <a:ea typeface="Open Sans"/>
+                <a:cs typeface="Open Sans"/>
+                <a:sym typeface="Open Sans"/>
+              </a:rPr>
+              <a:t>Em resumo, Kuran mostra que certos aspectos institucionais do Islã não colaboram para o desenvolvimento de uma cultura capitalista</a:t>
+            </a:r>
+            <a:endParaRPr sz="2400">
+              <a:latin typeface="Open Sans"/>
+              <a:ea typeface="Open Sans"/>
+              <a:cs typeface="Open Sans"/>
+              <a:sym typeface="Open Sans"/>
+            </a:endParaRPr>
+          </a:p>
+          <a:p>
+            <a:pPr indent="0" lvl="0" marL="406400" rtl="0" algn="l">
+              <a:lnSpc>
+                <a:spcPct val="115000"/>
+              </a:lnSpc>
+              <a:spcBef>
+                <a:spcPts val="0"/>
+              </a:spcBef>
+              <a:spcAft>
+                <a:spcPts val="0"/>
+              </a:spcAft>
+              <a:buNone/>
+            </a:pPr>
+            <a:r>
+              <a:t/>
+            </a:r>
+            <a:endParaRPr sz="2400">
+              <a:latin typeface="Open Sans"/>
+              <a:ea typeface="Open Sans"/>
+              <a:cs typeface="Open Sans"/>
+              <a:sym typeface="Open Sans"/>
+            </a:endParaRPr>
+          </a:p>
+          <a:p>
+            <a:pPr indent="-358140" lvl="0" marL="457200" rtl="0" algn="l">
+              <a:lnSpc>
+                <a:spcPct val="115000"/>
+              </a:lnSpc>
+              <a:spcBef>
+                <a:spcPts val="0"/>
+              </a:spcBef>
+              <a:spcAft>
+                <a:spcPts val="0"/>
+              </a:spcAft>
+              <a:buClr>
+                <a:schemeClr val="dk1"/>
+              </a:buClr>
+              <a:buSzPct val="100000"/>
+              <a:buFont typeface="Open Sans"/>
+              <a:buChar char="•"/>
+            </a:pPr>
+            <a:r>
+              <a:rPr lang="en-US" sz="2400">
+                <a:latin typeface="Open Sans"/>
+                <a:ea typeface="Open Sans"/>
+                <a:cs typeface="Open Sans"/>
+                <a:sym typeface="Open Sans"/>
+              </a:rPr>
+              <a:t>Assim como na Europa ocidental a mudança econômica veio acompanhada de uma mudança no pensamento, esta modernização também é necessária no mundo muçulmano</a:t>
+            </a:r>
+            <a:endParaRPr sz="2400">
+              <a:latin typeface="Open Sans"/>
+              <a:ea typeface="Open Sans"/>
+              <a:cs typeface="Open Sans"/>
+              <a:sym typeface="Open Sans"/>
+            </a:endParaRPr>
+          </a:p>
+          <a:p>
+            <a:pPr indent="0" lvl="0" marL="406400" rtl="0" algn="l">
+              <a:lnSpc>
+                <a:spcPct val="115000"/>
+              </a:lnSpc>
+              <a:spcBef>
+                <a:spcPts val="0"/>
+              </a:spcBef>
+              <a:spcAft>
+                <a:spcPts val="0"/>
+              </a:spcAft>
+              <a:buNone/>
+            </a:pPr>
+            <a:r>
+              <a:t/>
+            </a:r>
+            <a:endParaRPr sz="2400">
+              <a:latin typeface="Open Sans"/>
+              <a:ea typeface="Open Sans"/>
+              <a:cs typeface="Open Sans"/>
+              <a:sym typeface="Open Sans"/>
+            </a:endParaRPr>
+          </a:p>
+          <a:p>
+            <a:pPr indent="-358140" lvl="0" marL="457200" rtl="0" algn="l">
+              <a:lnSpc>
+                <a:spcPct val="115000"/>
+              </a:lnSpc>
+              <a:spcBef>
+                <a:spcPts val="0"/>
+              </a:spcBef>
+              <a:spcAft>
+                <a:spcPts val="0"/>
+              </a:spcAft>
+              <a:buClr>
+                <a:schemeClr val="dk1"/>
+              </a:buClr>
+              <a:buSzPct val="100000"/>
+              <a:buFont typeface="Open Sans"/>
+              <a:buChar char="•"/>
+            </a:pPr>
+            <a:r>
+              <a:rPr lang="en-US" sz="2400">
+                <a:latin typeface="Open Sans"/>
+                <a:ea typeface="Open Sans"/>
+                <a:cs typeface="Open Sans"/>
+                <a:sym typeface="Open Sans"/>
+              </a:rPr>
+              <a:t>A implementação da </a:t>
+            </a:r>
+            <a:r>
+              <a:rPr i="1" lang="en-US" sz="2400">
+                <a:latin typeface="Open Sans"/>
+                <a:ea typeface="Open Sans"/>
+                <a:cs typeface="Open Sans"/>
+                <a:sym typeface="Open Sans"/>
+              </a:rPr>
+              <a:t>Islamic economics</a:t>
+            </a:r>
+            <a:r>
+              <a:rPr lang="en-US" sz="2400">
+                <a:latin typeface="Open Sans"/>
+                <a:ea typeface="Open Sans"/>
+                <a:cs typeface="Open Sans"/>
+                <a:sym typeface="Open Sans"/>
+              </a:rPr>
+              <a:t> acabou por atrapalhar o estabelecimento de práticas modernas de administração e finanças</a:t>
+            </a:r>
+            <a:endParaRPr sz="2400">
+              <a:latin typeface="Open Sans"/>
+              <a:ea typeface="Open Sans"/>
+              <a:cs typeface="Open Sans"/>
+              <a:sym typeface="Open Sans"/>
+            </a:endParaRPr>
+          </a:p>
+          <a:p>
+            <a:pPr indent="0" lvl="0" marL="406400" rtl="0" algn="l">
+              <a:lnSpc>
+                <a:spcPct val="115000"/>
+              </a:lnSpc>
+              <a:spcBef>
+                <a:spcPts val="0"/>
+              </a:spcBef>
+              <a:spcAft>
+                <a:spcPts val="0"/>
+              </a:spcAft>
+              <a:buNone/>
+            </a:pPr>
+            <a:r>
+              <a:t/>
+            </a:r>
+            <a:endParaRPr sz="2400">
+              <a:latin typeface="Open Sans"/>
+              <a:ea typeface="Open Sans"/>
+              <a:cs typeface="Open Sans"/>
+              <a:sym typeface="Open Sans"/>
+            </a:endParaRPr>
+          </a:p>
+          <a:p>
+            <a:pPr indent="-358140" lvl="0" marL="457200" rtl="0" algn="l">
+              <a:lnSpc>
+                <a:spcPct val="115000"/>
+              </a:lnSpc>
+              <a:spcBef>
+                <a:spcPts val="0"/>
+              </a:spcBef>
+              <a:spcAft>
+                <a:spcPts val="0"/>
+              </a:spcAft>
+              <a:buClr>
+                <a:schemeClr val="dk1"/>
+              </a:buClr>
+              <a:buSzPct val="100000"/>
+              <a:buFont typeface="Open Sans"/>
+              <a:buChar char="•"/>
+            </a:pPr>
+            <a:r>
+              <a:rPr lang="en-US" sz="2400">
+                <a:latin typeface="Open Sans"/>
+                <a:ea typeface="Open Sans"/>
+                <a:cs typeface="Open Sans"/>
+                <a:sym typeface="Open Sans"/>
+              </a:rPr>
+              <a:t>Com isso, a diferença entre ambos deve continuar</a:t>
+            </a:r>
+            <a:endParaRPr>
+              <a:latin typeface="Open Sans"/>
+              <a:ea typeface="Open Sans"/>
+              <a:cs typeface="Open Sans"/>
+              <a:sym typeface="Open Sans"/>
+            </a:endParaRPr>
+          </a:p>
+        </p:txBody>
+      </p:sp>
+      <p:pic>
+        <p:nvPicPr>
+          <p:cNvPr id="235" name="Google Shape;235;p35"/>
+          <p:cNvPicPr preferRelativeResize="0"/>
+          <p:nvPr/>
+        </p:nvPicPr>
+        <p:blipFill>
+          <a:blip r:embed="rId3">
+            <a:alphaModFix/>
+          </a:blip>
+          <a:stretch>
+            <a:fillRect/>
+          </a:stretch>
+        </p:blipFill>
+        <p:spPr>
+          <a:xfrm>
+            <a:off x="152400" y="6069824"/>
+            <a:ext cx="2118076" cy="635774"/>
+          </a:xfrm>
+          <a:prstGeom prst="rect">
+            <a:avLst/>
+          </a:prstGeom>
+          <a:noFill/>
+          <a:ln>
+            <a:noFill/>
+          </a:ln>
+        </p:spPr>
+      </p:pic>
+    </p:spTree>
+  </p:cSld>
+  <p:clrMapOvr>
+    <a:masterClrMapping/>
+  </p:clrMapOvr>
+</p:sld>
+</file>
+
+<file path=ppt/slides/slide23.xml><?xml version="1.0" encoding="utf-8"?>
+<p:sld xmlns:a="http://schemas.openxmlformats.org/drawingml/2006/main" xmlns:r="http://schemas.openxmlformats.org/officeDocument/2006/relationships" xmlns:mc="http://schemas.openxmlformats.org/markup-compatibility/2006" xmlns:mv="urn:schemas-microsoft-com:mac:vml" xmlns:p="http://schemas.openxmlformats.org/presentationml/2006/main" xmlns:c="http://schemas.openxmlformats.org/drawingml/2006/chart" xmlns:dgm="http://schemas.openxmlformats.org/drawingml/2006/diagram" xmlns:o="urn:schemas-microsoft-com:office:office" xmlns:v="urn:schemas-microsoft-com:vml" xmlns:pvml="urn:schemas-microsoft-com:office:powerpoint" xmlns:com="http://schemas.openxmlformats.org/drawingml/2006/compatibility" xmlns:p14="http://schemas.microsoft.com/office/powerpoint/2010/main" xmlns:p15="http://schemas.microsoft.com/office/powerpoint/2012/main" xmlns:ahyp="http://schemas.microsoft.com/office/drawing/2018/hyperlinkcolor">
+  <p:cSld>
+    <p:spTree>
+      <p:nvGrpSpPr>
+        <p:cNvPr id="240" name="Shape 240"/>
+        <p:cNvGrpSpPr/>
+        <p:nvPr/>
+      </p:nvGrpSpPr>
+      <p:grpSpPr>
+        <a:xfrm>
+          <a:off x="0" y="0"/>
+          <a:ext cx="0" cy="0"/>
+          <a:chOff x="0" y="0"/>
+          <a:chExt cx="0" cy="0"/>
+        </a:xfrm>
+      </p:grpSpPr>
+      <p:sp>
+        <p:nvSpPr>
+          <p:cNvPr id="241" name="Google Shape;241;p36"/>
+          <p:cNvSpPr txBox="1"/>
+          <p:nvPr>
+            <p:ph type="title"/>
+          </p:nvPr>
+        </p:nvSpPr>
+        <p:spPr>
+          <a:xfrm>
+            <a:off x="457200" y="274637"/>
+            <a:ext cx="8229600" cy="1143000"/>
+          </a:xfrm>
+          <a:prstGeom prst="rect">
+            <a:avLst/>
+          </a:prstGeom>
+          <a:noFill/>
+          <a:ln>
+            <a:noFill/>
+          </a:ln>
+        </p:spPr>
+        <p:txBody>
+          <a:bodyPr anchorCtr="0" anchor="ctr" bIns="91425" lIns="91425" spcFirstLastPara="1" rIns="91425" wrap="square" tIns="91425">
+            <a:normAutofit/>
+          </a:bodyPr>
+          <a:lstStyle/>
+          <a:p>
+            <a:pPr indent="0" lvl="0" marL="0" marR="0" rtl="0" algn="ctr">
+              <a:lnSpc>
+                <a:spcPct val="100000"/>
+              </a:lnSpc>
+              <a:spcBef>
+                <a:spcPts val="0"/>
+              </a:spcBef>
+              <a:spcAft>
+                <a:spcPts val="0"/>
+              </a:spcAft>
+              <a:buClr>
+                <a:schemeClr val="dk1"/>
+              </a:buClr>
+              <a:buSzPts val="900"/>
+              <a:buFont typeface="Calibri"/>
+              <a:buNone/>
+            </a:pPr>
+            <a:r>
+              <a:rPr b="1" i="0" lang="en-US" sz="3600" u="none" cap="none" strike="noStrike">
+                <a:solidFill>
+                  <a:schemeClr val="dk1"/>
+                </a:solidFill>
+                <a:latin typeface="Open Sans"/>
+                <a:ea typeface="Open Sans"/>
+                <a:cs typeface="Open Sans"/>
+                <a:sym typeface="Open Sans"/>
+              </a:rPr>
+              <a:t>Questões</a:t>
+            </a:r>
+            <a:endParaRPr>
+              <a:latin typeface="Open Sans"/>
+              <a:ea typeface="Open Sans"/>
+              <a:cs typeface="Open Sans"/>
+              <a:sym typeface="Open Sans"/>
+            </a:endParaRPr>
+          </a:p>
+        </p:txBody>
+      </p:sp>
+      <p:sp>
+        <p:nvSpPr>
+          <p:cNvPr id="242" name="Google Shape;242;p36"/>
+          <p:cNvSpPr txBox="1"/>
+          <p:nvPr>
+            <p:ph idx="1" type="body"/>
+          </p:nvPr>
+        </p:nvSpPr>
+        <p:spPr>
+          <a:xfrm>
+            <a:off x="457200" y="1665725"/>
+            <a:ext cx="8229600" cy="4336800"/>
+          </a:xfrm>
+          <a:prstGeom prst="rect">
+            <a:avLst/>
+          </a:prstGeom>
+          <a:noFill/>
+          <a:ln>
+            <a:noFill/>
+          </a:ln>
+        </p:spPr>
+        <p:txBody>
+          <a:bodyPr anchorCtr="0" anchor="t" bIns="91425" lIns="91425" spcFirstLastPara="1" rIns="91425" wrap="square" tIns="91425">
+            <a:normAutofit/>
+          </a:bodyPr>
+          <a:lstStyle/>
+          <a:p>
+            <a:pPr indent="-381000" lvl="0" marL="457200" rtl="0" algn="l">
+              <a:lnSpc>
+                <a:spcPct val="100000"/>
+              </a:lnSpc>
+              <a:spcBef>
+                <a:spcPts val="0"/>
+              </a:spcBef>
+              <a:spcAft>
+                <a:spcPts val="0"/>
+              </a:spcAft>
+              <a:buClr>
+                <a:schemeClr val="dk1"/>
+              </a:buClr>
+              <a:buSzPts val="2400"/>
+              <a:buFont typeface="Open Sans"/>
+              <a:buChar char="•"/>
+            </a:pPr>
+            <a:r>
+              <a:rPr lang="en-US" sz="2400">
+                <a:latin typeface="Open Sans"/>
+                <a:ea typeface="Open Sans"/>
+                <a:cs typeface="Open Sans"/>
+                <a:sym typeface="Open Sans"/>
+              </a:rPr>
+              <a:t>Como ligar o problema da moral coletivista e a afirmação do esforço individual? O Ocidente também foi capaz de fazê-lo? Que tal pensar no livro de Deirdre McCloskey, </a:t>
+            </a:r>
+            <a:r>
+              <a:rPr i="1" lang="en-US" sz="2400">
+                <a:latin typeface="Open Sans"/>
+                <a:ea typeface="Open Sans"/>
+                <a:cs typeface="Open Sans"/>
+                <a:sym typeface="Open Sans"/>
+              </a:rPr>
+              <a:t>The Bourgeois Virtues</a:t>
+            </a:r>
+            <a:r>
+              <a:rPr lang="en-US" sz="2400">
+                <a:latin typeface="Open Sans"/>
+                <a:ea typeface="Open Sans"/>
+                <a:cs typeface="Open Sans"/>
+                <a:sym typeface="Open Sans"/>
+              </a:rPr>
+              <a:t>?</a:t>
+            </a:r>
+            <a:endParaRPr>
+              <a:latin typeface="Open Sans"/>
+              <a:ea typeface="Open Sans"/>
+              <a:cs typeface="Open Sans"/>
+              <a:sym typeface="Open Sans"/>
+            </a:endParaRPr>
+          </a:p>
+          <a:p>
+            <a:pPr indent="0" lvl="0" marL="0" rtl="0" algn="l">
+              <a:lnSpc>
+                <a:spcPct val="100000"/>
+              </a:lnSpc>
+              <a:spcBef>
+                <a:spcPts val="0"/>
+              </a:spcBef>
+              <a:spcAft>
+                <a:spcPts val="0"/>
+              </a:spcAft>
+              <a:buNone/>
+            </a:pPr>
+            <a:r>
+              <a:t/>
+            </a:r>
+            <a:endParaRPr sz="2400">
+              <a:latin typeface="Open Sans"/>
+              <a:ea typeface="Open Sans"/>
+              <a:cs typeface="Open Sans"/>
+              <a:sym typeface="Open Sans"/>
+            </a:endParaRPr>
+          </a:p>
+        </p:txBody>
+      </p:sp>
+      <p:pic>
+        <p:nvPicPr>
+          <p:cNvPr id="243" name="Google Shape;243;p36"/>
+          <p:cNvPicPr preferRelativeResize="0"/>
+          <p:nvPr/>
+        </p:nvPicPr>
+        <p:blipFill>
+          <a:blip r:embed="rId3">
+            <a:alphaModFix/>
+          </a:blip>
+          <a:stretch>
+            <a:fillRect/>
+          </a:stretch>
+        </p:blipFill>
+        <p:spPr>
+          <a:xfrm>
+            <a:off x="152400" y="6069824"/>
+            <a:ext cx="2118076" cy="635774"/>
           </a:xfrm>
           <a:prstGeom prst="rect">
             <a:avLst/>
@@ -14408,35 +17118,41 @@
         </p:spPr>
         <p:txBody>
           <a:bodyPr anchorCtr="0" anchor="ctr" bIns="91425" lIns="91425" spcFirstLastPara="1" rIns="91425" wrap="square" tIns="91425">
-            <a:normAutofit/>
+            <a:normAutofit fontScale="90000"/>
           </a:bodyPr>
           <a:lstStyle/>
           <a:p>
             <a:pPr indent="0" lvl="0" marL="0" marR="0" rtl="0" algn="ctr">
               <a:lnSpc>
-                <a:spcPct val="125000"/>
-              </a:lnSpc>
-              <a:spcBef>
-                <a:spcPts val="0"/>
-              </a:spcBef>
-              <a:spcAft>
-                <a:spcPts val="0"/>
-              </a:spcAft>
-              <a:buClr>
-                <a:srgbClr val="000000"/>
-              </a:buClr>
-              <a:buSzPts val="900"/>
-              <a:buFont typeface="Arial"/>
+                <a:spcPct val="100000"/>
+              </a:lnSpc>
+              <a:spcBef>
+                <a:spcPts val="0"/>
+              </a:spcBef>
+              <a:spcAft>
+                <a:spcPts val="0"/>
+              </a:spcAft>
+              <a:buClr>
+                <a:schemeClr val="dk1"/>
+              </a:buClr>
+              <a:buSzPts val="810"/>
+              <a:buFont typeface="Calibri"/>
               <a:buNone/>
             </a:pPr>
             <a:r>
               <a:rPr b="1" lang="en-US" sz="3600">
+                <a:solidFill>
+                  <a:srgbClr val="000000"/>
+                </a:solidFill>
+                <a:highlight>
+                  <a:srgbClr val="FFFFFF"/>
+                </a:highlight>
                 <a:latin typeface="Open Sans"/>
                 <a:ea typeface="Open Sans"/>
                 <a:cs typeface="Open Sans"/>
                 <a:sym typeface="Open Sans"/>
               </a:rPr>
-              <a:t>The Design of Regulation</a:t>
+              <a:t>The Puzzle of the Middle East's Economic Underdevelopment</a:t>
             </a:r>
             <a:endParaRPr>
               <a:latin typeface="Open Sans"/>
@@ -14474,16 +17190,19 @@
           </a:bodyPr>
           <a:lstStyle/>
           <a:p>
-            <a:pPr indent="-358140" lvl="0" marL="457200" marR="0" rtl="0" algn="l">
-              <a:lnSpc>
-                <a:spcPct val="150000"/>
-              </a:lnSpc>
-              <a:spcBef>
-                <a:spcPts val="0"/>
-              </a:spcBef>
-              <a:spcAft>
-                <a:spcPts val="0"/>
-              </a:spcAft>
+            <a:pPr indent="-358140" lvl="0" marL="457200" rtl="0" algn="l">
+              <a:lnSpc>
+                <a:spcPct val="115000"/>
+              </a:lnSpc>
+              <a:spcBef>
+                <a:spcPts val="0"/>
+              </a:spcBef>
+              <a:spcAft>
+                <a:spcPts val="0"/>
+              </a:spcAft>
+              <a:buClr>
+                <a:schemeClr val="dk1"/>
+              </a:buClr>
               <a:buSzPct val="100000"/>
               <a:buFont typeface="Open Sans"/>
               <a:buChar char="•"/>
@@ -14495,7 +17214,7 @@
                 <a:cs typeface="Open Sans"/>
                 <a:sym typeface="Open Sans"/>
               </a:rPr>
-              <a:t>Como estabelecer um marco regulatório que garanta a eficiência econômica ao mesmo tempo que promova a liberdade individual?</a:t>
+              <a:t>O mundo islâmico nem sempre ficou atrás do Ocidente em termos econômicos</a:t>
             </a:r>
             <a:endParaRPr sz="2400">
               <a:latin typeface="Open Sans"/>
@@ -14505,9 +17224,9 @@
             </a:endParaRPr>
           </a:p>
           <a:p>
-            <a:pPr indent="0" lvl="0" marL="406400" marR="0" rtl="0" algn="l">
-              <a:lnSpc>
-                <a:spcPct val="150000"/>
+            <a:pPr indent="0" lvl="0" marL="406400" rtl="0" algn="l">
+              <a:lnSpc>
+                <a:spcPct val="115000"/>
               </a:lnSpc>
               <a:spcBef>
                 <a:spcPts val="0"/>
@@ -14528,16 +17247,19 @@
             </a:endParaRPr>
           </a:p>
           <a:p>
-            <a:pPr indent="-358140" lvl="0" marL="457200" marR="0" rtl="0" algn="l">
-              <a:lnSpc>
-                <a:spcPct val="150000"/>
-              </a:lnSpc>
-              <a:spcBef>
-                <a:spcPts val="0"/>
-              </a:spcBef>
-              <a:spcAft>
-                <a:spcPts val="0"/>
-              </a:spcAft>
+            <a:pPr indent="-358140" lvl="0" marL="457200" rtl="0" algn="l">
+              <a:lnSpc>
+                <a:spcPct val="115000"/>
+              </a:lnSpc>
+              <a:spcBef>
+                <a:spcPts val="0"/>
+              </a:spcBef>
+              <a:spcAft>
+                <a:spcPts val="0"/>
+              </a:spcAft>
+              <a:buClr>
+                <a:schemeClr val="dk1"/>
+              </a:buClr>
               <a:buSzPct val="100000"/>
               <a:buFont typeface="Open Sans"/>
               <a:buChar char="•"/>
@@ -14549,7 +17271,7 @@
                 <a:cs typeface="Open Sans"/>
                 <a:sym typeface="Open Sans"/>
               </a:rPr>
-              <a:t>A regulação é um fenômeno complexo do ponto de vista político, jurídico e econômico, e sempre envolve análises que integram estas 3 disciplinas</a:t>
+              <a:t>Por séculos, o mundo muçulmano manteve certa paridade, ou reduzida distância, com os padrões de vida encontrados na Europa Ocidental</a:t>
             </a:r>
             <a:endParaRPr sz="2400">
               <a:latin typeface="Open Sans"/>
@@ -14559,9 +17281,9 @@
             </a:endParaRPr>
           </a:p>
           <a:p>
-            <a:pPr indent="0" lvl="0" marL="406400" marR="0" rtl="0" algn="l">
-              <a:lnSpc>
-                <a:spcPct val="150000"/>
+            <a:pPr indent="0" lvl="0" marL="406400" rtl="0" algn="l">
+              <a:lnSpc>
+                <a:spcPct val="115000"/>
               </a:lnSpc>
               <a:spcBef>
                 <a:spcPts val="0"/>
@@ -14582,16 +17304,19 @@
             </a:endParaRPr>
           </a:p>
           <a:p>
-            <a:pPr indent="-358140" lvl="0" marL="457200" marR="0" rtl="0" algn="l">
-              <a:lnSpc>
-                <a:spcPct val="150000"/>
-              </a:lnSpc>
-              <a:spcBef>
-                <a:spcPts val="0"/>
-              </a:spcBef>
-              <a:spcAft>
-                <a:spcPts val="0"/>
-              </a:spcAft>
+            <a:pPr indent="-358140" lvl="0" marL="457200" rtl="0" algn="l">
+              <a:lnSpc>
+                <a:spcPct val="115000"/>
+              </a:lnSpc>
+              <a:spcBef>
+                <a:spcPts val="0"/>
+              </a:spcBef>
+              <a:spcAft>
+                <a:spcPts val="0"/>
+              </a:spcAft>
+              <a:buClr>
+                <a:schemeClr val="dk1"/>
+              </a:buClr>
               <a:buSzPct val="100000"/>
               <a:buFont typeface="Open Sans"/>
               <a:buChar char="•"/>
@@ -14603,7 +17328,64 @@
                 <a:cs typeface="Open Sans"/>
                 <a:sym typeface="Open Sans"/>
               </a:rPr>
-              <a:t>Ogus comenta que a disciplina mudou muito nos últimos 20 anos: mas que mudanças foram estas?</a:t>
+              <a:t>A partir do século XIX, entretanto, começa um longo processo de divergência na trajetória econômica destas duas áreas, e o processo se acentua até os dias de hoje</a:t>
+            </a:r>
+            <a:endParaRPr sz="2400">
+              <a:latin typeface="Open Sans"/>
+              <a:ea typeface="Open Sans"/>
+              <a:cs typeface="Open Sans"/>
+              <a:sym typeface="Open Sans"/>
+            </a:endParaRPr>
+          </a:p>
+          <a:p>
+            <a:pPr indent="0" lvl="0" marL="406400" rtl="0" algn="l">
+              <a:lnSpc>
+                <a:spcPct val="115000"/>
+              </a:lnSpc>
+              <a:spcBef>
+                <a:spcPts val="0"/>
+              </a:spcBef>
+              <a:spcAft>
+                <a:spcPts val="0"/>
+              </a:spcAft>
+              <a:buNone/>
+            </a:pPr>
+            <a:r>
+              <a:t/>
+            </a:r>
+            <a:endParaRPr sz="2400">
+              <a:latin typeface="Open Sans"/>
+              <a:ea typeface="Open Sans"/>
+              <a:cs typeface="Open Sans"/>
+              <a:sym typeface="Open Sans"/>
+            </a:endParaRPr>
+          </a:p>
+          <a:p>
+            <a:pPr indent="-358140" lvl="0" marL="457200" rtl="0" algn="l">
+              <a:lnSpc>
+                <a:spcPct val="115000"/>
+              </a:lnSpc>
+              <a:spcBef>
+                <a:spcPts val="0"/>
+              </a:spcBef>
+              <a:spcAft>
+                <a:spcPts val="0"/>
+              </a:spcAft>
+              <a:buClr>
+                <a:schemeClr val="dk1"/>
+              </a:buClr>
+              <a:buSzPct val="100000"/>
+              <a:buFont typeface="Open Sans"/>
+              <a:buChar char="•"/>
+            </a:pPr>
+            <a:r>
+              <a:rPr lang="en-US" sz="2400">
+                <a:latin typeface="Open Sans"/>
+                <a:ea typeface="Open Sans"/>
+                <a:cs typeface="Open Sans"/>
+                <a:sym typeface="Open Sans"/>
+              </a:rPr>
+              <a:t>Quais os motivos do subdesenvolvimento econômico do Oriente Médio?</a:t>
             </a:r>
             <a:endParaRPr>
               <a:latin typeface="Open Sans"/>
@@ -14630,8 +17412,8 @@
         </p:blipFill>
         <p:spPr>
           <a:xfrm>
-            <a:off x="152400" y="6080299"/>
-            <a:ext cx="2083148" cy="625301"/>
+            <a:off x="152400" y="6069824"/>
+            <a:ext cx="2118076" cy="635774"/>
           </a:xfrm>
           <a:prstGeom prst="rect">
             <a:avLst/>
@@ -14690,35 +17472,41 @@
         </p:spPr>
         <p:txBody>
           <a:bodyPr anchorCtr="0" anchor="ctr" bIns="91425" lIns="91425" spcFirstLastPara="1" rIns="91425" wrap="square" tIns="91425">
-            <a:normAutofit/>
+            <a:normAutofit fontScale="90000"/>
           </a:bodyPr>
           <a:lstStyle/>
           <a:p>
             <a:pPr indent="0" lvl="0" marL="0" marR="0" rtl="0" algn="ctr">
               <a:lnSpc>
-                <a:spcPct val="125000"/>
-              </a:lnSpc>
-              <a:spcBef>
-                <a:spcPts val="0"/>
-              </a:spcBef>
-              <a:spcAft>
-                <a:spcPts val="0"/>
-              </a:spcAft>
-              <a:buClr>
-                <a:srgbClr val="000000"/>
-              </a:buClr>
-              <a:buSzPts val="900"/>
-              <a:buFont typeface="Arial"/>
+                <a:spcPct val="100000"/>
+              </a:lnSpc>
+              <a:spcBef>
+                <a:spcPts val="0"/>
+              </a:spcBef>
+              <a:spcAft>
+                <a:spcPts val="0"/>
+              </a:spcAft>
+              <a:buClr>
+                <a:schemeClr val="dk1"/>
+              </a:buClr>
+              <a:buSzPts val="810"/>
+              <a:buFont typeface="Calibri"/>
               <a:buNone/>
             </a:pPr>
             <a:r>
               <a:rPr b="1" lang="en-US" sz="3600">
+                <a:solidFill>
+                  <a:srgbClr val="000000"/>
+                </a:solidFill>
+                <a:highlight>
+                  <a:srgbClr val="FFFFFF"/>
+                </a:highlight>
                 <a:latin typeface="Open Sans"/>
                 <a:ea typeface="Open Sans"/>
                 <a:cs typeface="Open Sans"/>
                 <a:sym typeface="Open Sans"/>
               </a:rPr>
-              <a:t>The Design of Regulation</a:t>
+              <a:t>The Puzzle of the Middle East's Economic Underdevelopment</a:t>
             </a:r>
             <a:endParaRPr>
               <a:latin typeface="Open Sans"/>
@@ -14756,16 +17544,19 @@
           </a:bodyPr>
           <a:lstStyle/>
           <a:p>
-            <a:pPr indent="-358140" lvl="0" marL="457200" marR="0" rtl="0" algn="l">
-              <a:lnSpc>
-                <a:spcPct val="150000"/>
-              </a:lnSpc>
-              <a:spcBef>
-                <a:spcPts val="0"/>
-              </a:spcBef>
-              <a:spcAft>
-                <a:spcPts val="0"/>
-              </a:spcAft>
+            <a:pPr indent="-358140" lvl="0" marL="457200" rtl="0" algn="l">
+              <a:lnSpc>
+                <a:spcPct val="115000"/>
+              </a:lnSpc>
+              <a:spcBef>
+                <a:spcPts val="0"/>
+              </a:spcBef>
+              <a:spcAft>
+                <a:spcPts val="0"/>
+              </a:spcAft>
+              <a:buClr>
+                <a:schemeClr val="dk1"/>
+              </a:buClr>
               <a:buSzPct val="100000"/>
               <a:buFont typeface="Open Sans"/>
               <a:buChar char="•"/>
@@ -14777,7 +17568,7 @@
                 <a:cs typeface="Open Sans"/>
                 <a:sym typeface="Open Sans"/>
               </a:rPr>
-              <a:t>Ogus começa com uma breve consideração a respeito da regulação da atividade comercial nos anos 1960 e 1970</a:t>
+              <a:t>A tese principal do livro de Kuran é a de que as instituições islâmicas não originaram condições propícias para o florescimento do capitalismo moderno</a:t>
             </a:r>
             <a:endParaRPr sz="2400">
               <a:latin typeface="Open Sans"/>
@@ -14787,9 +17578,9 @@
             </a:endParaRPr>
           </a:p>
           <a:p>
-            <a:pPr indent="0" lvl="0" marL="406400" marR="0" rtl="0" algn="l">
-              <a:lnSpc>
-                <a:spcPct val="150000"/>
+            <a:pPr indent="0" lvl="0" marL="406400" rtl="0" algn="l">
+              <a:lnSpc>
+                <a:spcPct val="115000"/>
               </a:lnSpc>
               <a:spcBef>
                 <a:spcPts val="0"/>
@@ -14810,29 +17601,23 @@
             </a:endParaRPr>
           </a:p>
           <a:p>
-            <a:pPr indent="-358140" lvl="0" marL="457200" marR="0" rtl="0" algn="l">
-              <a:lnSpc>
-                <a:spcPct val="150000"/>
-              </a:lnSpc>
-              <a:spcBef>
-                <a:spcPts val="0"/>
-              </a:spcBef>
-              <a:spcAft>
-                <a:spcPts val="0"/>
-              </a:spcAft>
+            <a:pPr indent="-358140" lvl="0" marL="457200" rtl="0" algn="l">
+              <a:lnSpc>
+                <a:spcPct val="115000"/>
+              </a:lnSpc>
+              <a:spcBef>
+                <a:spcPts val="0"/>
+              </a:spcBef>
+              <a:spcAft>
+                <a:spcPts val="0"/>
+              </a:spcAft>
+              <a:buClr>
+                <a:schemeClr val="dk1"/>
+              </a:buClr>
               <a:buSzPct val="100000"/>
               <a:buFont typeface="Open Sans"/>
               <a:buChar char="•"/>
             </a:pPr>
-            <a:r>
-              <a:rPr i="1" lang="en-US" sz="2400">
-                <a:latin typeface="Open Sans"/>
-                <a:ea typeface="Open Sans"/>
-                <a:cs typeface="Open Sans"/>
-                <a:sym typeface="Open Sans"/>
-              </a:rPr>
-              <a:t>Economia: </a:t>
-            </a:r>
             <a:r>
               <a:rPr lang="en-US" sz="2400">
                 <a:latin typeface="Open Sans"/>
@@ -14840,7 +17625,7 @@
                 <a:cs typeface="Open Sans"/>
                 <a:sym typeface="Open Sans"/>
               </a:rPr>
-              <a:t>o direito público basicamente se ocupava de controlar a atuação do estado, o qual produzia uma série de atividades diretamente, ou influenciava (ou participava) da condução dos negócios de diversas empresas privadas</a:t>
+              <a:t>Embora nem todas as instituições islâmicas fossem derivadas da Sharia -- havia também a “lei do governante” e o costume -- esta regulava fortemente aspectos da vida financeira</a:t>
             </a:r>
             <a:endParaRPr sz="2400">
               <a:latin typeface="Open Sans"/>
@@ -14850,9 +17635,9 @@
             </a:endParaRPr>
           </a:p>
           <a:p>
-            <a:pPr indent="0" lvl="0" marL="406400" marR="0" rtl="0" algn="l">
-              <a:lnSpc>
-                <a:spcPct val="150000"/>
+            <a:pPr indent="0" lvl="0" marL="406400" rtl="0" algn="l">
+              <a:lnSpc>
+                <a:spcPct val="115000"/>
               </a:lnSpc>
               <a:spcBef>
                 <a:spcPts val="0"/>
@@ -14873,16 +17658,19 @@
             </a:endParaRPr>
           </a:p>
           <a:p>
-            <a:pPr indent="-358140" lvl="0" marL="457200" marR="0" rtl="0" algn="l">
-              <a:lnSpc>
-                <a:spcPct val="150000"/>
-              </a:lnSpc>
-              <a:spcBef>
-                <a:spcPts val="0"/>
-              </a:spcBef>
-              <a:spcAft>
-                <a:spcPts val="0"/>
-              </a:spcAft>
+            <a:pPr indent="-358140" lvl="0" marL="457200" rtl="0" algn="l">
+              <a:lnSpc>
+                <a:spcPct val="115000"/>
+              </a:lnSpc>
+              <a:spcBef>
+                <a:spcPts val="0"/>
+              </a:spcBef>
+              <a:spcAft>
+                <a:spcPts val="0"/>
+              </a:spcAft>
+              <a:buClr>
+                <a:schemeClr val="dk1"/>
+              </a:buClr>
               <a:buSzPct val="100000"/>
               <a:buFont typeface="Open Sans"/>
               <a:buChar char="•"/>
@@ -14894,7 +17682,64 @@
                 <a:cs typeface="Open Sans"/>
                 <a:sym typeface="Open Sans"/>
               </a:rPr>
-              <a:t>Pouco interesse dos pensadores do direito em como promover maior competição entre empresas privadas</a:t>
+              <a:t>As leis, entretanto, não permaneceram estanques</a:t>
+            </a:r>
+            <a:endParaRPr sz="2400">
+              <a:latin typeface="Open Sans"/>
+              <a:ea typeface="Open Sans"/>
+              <a:cs typeface="Open Sans"/>
+              <a:sym typeface="Open Sans"/>
+            </a:endParaRPr>
+          </a:p>
+          <a:p>
+            <a:pPr indent="0" lvl="0" marL="406400" rtl="0" algn="l">
+              <a:lnSpc>
+                <a:spcPct val="115000"/>
+              </a:lnSpc>
+              <a:spcBef>
+                <a:spcPts val="0"/>
+              </a:spcBef>
+              <a:spcAft>
+                <a:spcPts val="0"/>
+              </a:spcAft>
+              <a:buNone/>
+            </a:pPr>
+            <a:r>
+              <a:t/>
+            </a:r>
+            <a:endParaRPr sz="2400">
+              <a:latin typeface="Open Sans"/>
+              <a:ea typeface="Open Sans"/>
+              <a:cs typeface="Open Sans"/>
+              <a:sym typeface="Open Sans"/>
+            </a:endParaRPr>
+          </a:p>
+          <a:p>
+            <a:pPr indent="-358140" lvl="0" marL="457200" rtl="0" algn="l">
+              <a:lnSpc>
+                <a:spcPct val="115000"/>
+              </a:lnSpc>
+              <a:spcBef>
+                <a:spcPts val="0"/>
+              </a:spcBef>
+              <a:spcAft>
+                <a:spcPts val="0"/>
+              </a:spcAft>
+              <a:buClr>
+                <a:schemeClr val="dk1"/>
+              </a:buClr>
+              <a:buSzPct val="100000"/>
+              <a:buFont typeface="Open Sans"/>
+              <a:buChar char="•"/>
+            </a:pPr>
+            <a:r>
+              <a:rPr lang="en-US" sz="2400">
+                <a:latin typeface="Open Sans"/>
+                <a:ea typeface="Open Sans"/>
+                <a:cs typeface="Open Sans"/>
+                <a:sym typeface="Open Sans"/>
+              </a:rPr>
+              <a:t>Como o Islã tem uma estrutura pouco centralizada, interpretações diferentes eram comuns, mas ainda isso não foi suficiente</a:t>
             </a:r>
             <a:endParaRPr>
               <a:latin typeface="Open Sans"/>
@@ -14921,8 +17766,8 @@
         </p:blipFill>
         <p:spPr>
           <a:xfrm>
-            <a:off x="152400" y="6080299"/>
-            <a:ext cx="2083148" cy="625301"/>
+            <a:off x="152400" y="6069824"/>
+            <a:ext cx="2118076" cy="635774"/>
           </a:xfrm>
           <a:prstGeom prst="rect">
             <a:avLst/>
@@ -14981,35 +17826,41 @@
         </p:spPr>
         <p:txBody>
           <a:bodyPr anchorCtr="0" anchor="ctr" bIns="91425" lIns="91425" spcFirstLastPara="1" rIns="91425" wrap="square" tIns="91425">
-            <a:normAutofit/>
+            <a:normAutofit fontScale="90000"/>
           </a:bodyPr>
           <a:lstStyle/>
           <a:p>
             <a:pPr indent="0" lvl="0" marL="0" marR="0" rtl="0" algn="ctr">
               <a:lnSpc>
-                <a:spcPct val="125000"/>
-              </a:lnSpc>
-              <a:spcBef>
-                <a:spcPts val="0"/>
-              </a:spcBef>
-              <a:spcAft>
-                <a:spcPts val="0"/>
-              </a:spcAft>
-              <a:buClr>
-                <a:srgbClr val="000000"/>
-              </a:buClr>
-              <a:buSzPts val="900"/>
-              <a:buFont typeface="Arial"/>
+                <a:spcPct val="100000"/>
+              </a:lnSpc>
+              <a:spcBef>
+                <a:spcPts val="0"/>
+              </a:spcBef>
+              <a:spcAft>
+                <a:spcPts val="0"/>
+              </a:spcAft>
+              <a:buClr>
+                <a:schemeClr val="dk1"/>
+              </a:buClr>
+              <a:buSzPts val="810"/>
+              <a:buFont typeface="Calibri"/>
               <a:buNone/>
             </a:pPr>
             <a:r>
               <a:rPr b="1" lang="en-US" sz="3600">
+                <a:solidFill>
+                  <a:srgbClr val="000000"/>
+                </a:solidFill>
+                <a:highlight>
+                  <a:srgbClr val="FFFFFF"/>
+                </a:highlight>
                 <a:latin typeface="Open Sans"/>
                 <a:ea typeface="Open Sans"/>
                 <a:cs typeface="Open Sans"/>
                 <a:sym typeface="Open Sans"/>
               </a:rPr>
-              <a:t>The Design of Regulation</a:t>
+              <a:t>The Puzzle of the Middle East's Economic Underdevelopment</a:t>
             </a:r>
             <a:endParaRPr>
               <a:latin typeface="Open Sans"/>
@@ -15047,20 +17898,146 @@
           </a:bodyPr>
           <a:lstStyle/>
           <a:p>
-            <a:pPr indent="-358140" lvl="0" marL="457200" marR="0" rtl="0" algn="l">
-              <a:lnSpc>
-                <a:spcPct val="150000"/>
-              </a:lnSpc>
-              <a:spcBef>
-                <a:spcPts val="0"/>
-              </a:spcBef>
-              <a:spcAft>
-                <a:spcPts val="0"/>
-              </a:spcAft>
+            <a:pPr indent="-358140" lvl="0" marL="457200" rtl="0" algn="l">
+              <a:lnSpc>
+                <a:spcPct val="115000"/>
+              </a:lnSpc>
+              <a:spcBef>
+                <a:spcPts val="0"/>
+              </a:spcBef>
+              <a:spcAft>
+                <a:spcPts val="0"/>
+              </a:spcAft>
+              <a:buClr>
+                <a:schemeClr val="dk1"/>
+              </a:buClr>
               <a:buSzPct val="100000"/>
               <a:buFont typeface="Open Sans"/>
               <a:buChar char="•"/>
             </a:pPr>
+            <a:r>
+              <a:rPr lang="en-US" sz="2400">
+                <a:latin typeface="Open Sans"/>
+                <a:ea typeface="Open Sans"/>
+                <a:cs typeface="Open Sans"/>
+                <a:sym typeface="Open Sans"/>
+              </a:rPr>
+              <a:t>Kuran argumenta que não foi o conservadorismo ou certo fatalismo inerente aos muçulmanos que provocou o distanciamento do Oriente Médio com a Europa</a:t>
+            </a:r>
+            <a:endParaRPr sz="2400">
+              <a:latin typeface="Open Sans"/>
+              <a:ea typeface="Open Sans"/>
+              <a:cs typeface="Open Sans"/>
+              <a:sym typeface="Open Sans"/>
+            </a:endParaRPr>
+          </a:p>
+          <a:p>
+            <a:pPr indent="0" lvl="0" marL="406400" rtl="0" algn="l">
+              <a:lnSpc>
+                <a:spcPct val="115000"/>
+              </a:lnSpc>
+              <a:spcBef>
+                <a:spcPts val="0"/>
+              </a:spcBef>
+              <a:spcAft>
+                <a:spcPts val="0"/>
+              </a:spcAft>
+              <a:buNone/>
+            </a:pPr>
+            <a:r>
+              <a:t/>
+            </a:r>
+            <a:endParaRPr sz="2400">
+              <a:latin typeface="Open Sans"/>
+              <a:ea typeface="Open Sans"/>
+              <a:cs typeface="Open Sans"/>
+              <a:sym typeface="Open Sans"/>
+            </a:endParaRPr>
+          </a:p>
+          <a:p>
+            <a:pPr indent="-358140" lvl="0" marL="457200" rtl="0" algn="l">
+              <a:lnSpc>
+                <a:spcPct val="115000"/>
+              </a:lnSpc>
+              <a:spcBef>
+                <a:spcPts val="0"/>
+              </a:spcBef>
+              <a:spcAft>
+                <a:spcPts val="0"/>
+              </a:spcAft>
+              <a:buClr>
+                <a:schemeClr val="dk1"/>
+              </a:buClr>
+              <a:buSzPct val="100000"/>
+              <a:buFont typeface="Open Sans"/>
+              <a:buChar char="•"/>
+            </a:pPr>
+            <a:r>
+              <a:rPr lang="en-US" sz="2400">
+                <a:latin typeface="Open Sans"/>
+                <a:ea typeface="Open Sans"/>
+                <a:cs typeface="Open Sans"/>
+                <a:sym typeface="Open Sans"/>
+              </a:rPr>
+              <a:t>Kuran afirma que ambas as características também eram prevalentes na Europa dos séculos anteriores</a:t>
+            </a:r>
+            <a:endParaRPr sz="2400">
+              <a:latin typeface="Open Sans"/>
+              <a:ea typeface="Open Sans"/>
+              <a:cs typeface="Open Sans"/>
+              <a:sym typeface="Open Sans"/>
+            </a:endParaRPr>
+          </a:p>
+          <a:p>
+            <a:pPr indent="0" lvl="0" marL="406400" rtl="0" algn="l">
+              <a:lnSpc>
+                <a:spcPct val="115000"/>
+              </a:lnSpc>
+              <a:spcBef>
+                <a:spcPts val="0"/>
+              </a:spcBef>
+              <a:spcAft>
+                <a:spcPts val="0"/>
+              </a:spcAft>
+              <a:buNone/>
+            </a:pPr>
+            <a:r>
+              <a:t/>
+            </a:r>
+            <a:endParaRPr sz="2400">
+              <a:latin typeface="Open Sans"/>
+              <a:ea typeface="Open Sans"/>
+              <a:cs typeface="Open Sans"/>
+              <a:sym typeface="Open Sans"/>
+            </a:endParaRPr>
+          </a:p>
+          <a:p>
+            <a:pPr indent="-358140" lvl="0" marL="457200" rtl="0" algn="l">
+              <a:lnSpc>
+                <a:spcPct val="115000"/>
+              </a:lnSpc>
+              <a:spcBef>
+                <a:spcPts val="0"/>
+              </a:spcBef>
+              <a:spcAft>
+                <a:spcPts val="0"/>
+              </a:spcAft>
+              <a:buClr>
+                <a:schemeClr val="dk1"/>
+              </a:buClr>
+              <a:buSzPct val="100000"/>
+              <a:buFont typeface="Open Sans"/>
+              <a:buChar char="•"/>
+            </a:pPr>
+            <a:r>
+              <a:rPr lang="en-US" sz="2400">
+                <a:latin typeface="Open Sans"/>
+                <a:ea typeface="Open Sans"/>
+                <a:cs typeface="Open Sans"/>
+                <a:sym typeface="Open Sans"/>
+              </a:rPr>
+              <a:t>A questão principal, diz o autor, </a:t>
+            </a:r>
             <a:r>
               <a:rPr i="1" lang="en-US" sz="2400">
                 <a:latin typeface="Open Sans"/>
@@ -15068,7 +18045,7 @@
                 <a:cs typeface="Open Sans"/>
                 <a:sym typeface="Open Sans"/>
               </a:rPr>
-              <a:t>Regulação social</a:t>
+              <a:t>foi a falta de instituições econômicas e comerciais como as européias</a:t>
             </a:r>
             <a:r>
               <a:rPr lang="en-US" sz="2400">
@@ -15077,7 +18054,7 @@
                 <a:cs typeface="Open Sans"/>
                 <a:sym typeface="Open Sans"/>
               </a:rPr>
-              <a:t>: princípios provenientes da administração pública destinados a regular os riscos à saúde e segurança do trabalho</a:t>
+              <a:t>, que permitissem a acumulação e giro de capitais</a:t>
             </a:r>
             <a:endParaRPr sz="2400">
               <a:latin typeface="Open Sans"/>
@@ -15087,9 +18064,9 @@
             </a:endParaRPr>
           </a:p>
           <a:p>
-            <a:pPr indent="0" lvl="0" marL="406400" marR="0" rtl="0" algn="l">
-              <a:lnSpc>
-                <a:spcPct val="150000"/>
+            <a:pPr indent="0" lvl="0" marL="406400" rtl="0" algn="l">
+              <a:lnSpc>
+                <a:spcPct val="115000"/>
               </a:lnSpc>
               <a:spcBef>
                 <a:spcPts val="0"/>
@@ -15110,16 +18087,19 @@
             </a:endParaRPr>
           </a:p>
           <a:p>
-            <a:pPr indent="-358140" lvl="0" marL="457200" marR="0" rtl="0" algn="l">
-              <a:lnSpc>
-                <a:spcPct val="150000"/>
-              </a:lnSpc>
-              <a:spcBef>
-                <a:spcPts val="0"/>
-              </a:spcBef>
-              <a:spcAft>
-                <a:spcPts val="0"/>
-              </a:spcAft>
+            <a:pPr indent="-358140" lvl="0" marL="457200" rtl="0" algn="l">
+              <a:lnSpc>
+                <a:spcPct val="115000"/>
+              </a:lnSpc>
+              <a:spcBef>
+                <a:spcPts val="0"/>
+              </a:spcBef>
+              <a:spcAft>
+                <a:spcPts val="0"/>
+              </a:spcAft>
+              <a:buClr>
+                <a:schemeClr val="dk1"/>
+              </a:buClr>
               <a:buSzPct val="100000"/>
               <a:buFont typeface="Open Sans"/>
               <a:buChar char="•"/>
@@ -15131,53 +18111,17 @@
                 <a:cs typeface="Open Sans"/>
                 <a:sym typeface="Open Sans"/>
               </a:rPr>
-              <a:t>Atenção ao direito do consumidor, visando assegurar que os produtos finais tenham a qualidade satisfatória determinada pelas agências sanitárias e de controle de produção</a:t>
-            </a:r>
-            <a:endParaRPr sz="2400">
-              <a:latin typeface="Open Sans"/>
-              <a:ea typeface="Open Sans"/>
-              <a:cs typeface="Open Sans"/>
-              <a:sym typeface="Open Sans"/>
-            </a:endParaRPr>
-          </a:p>
-          <a:p>
-            <a:pPr indent="0" lvl="0" marL="406400" marR="0" rtl="0" algn="l">
-              <a:lnSpc>
-                <a:spcPct val="150000"/>
-              </a:lnSpc>
-              <a:spcBef>
-                <a:spcPts val="0"/>
-              </a:spcBef>
-              <a:spcAft>
-                <a:spcPts val="0"/>
-              </a:spcAft>
-              <a:buNone/>
-            </a:pPr>
-            <a:r>
-              <a:t/>
-            </a:r>
-            <a:endParaRPr sz="2400">
-              <a:latin typeface="Open Sans"/>
-              <a:ea typeface="Open Sans"/>
-              <a:cs typeface="Open Sans"/>
-              <a:sym typeface="Open Sans"/>
-            </a:endParaRPr>
-          </a:p>
-          <a:p>
-            <a:pPr indent="-358140" lvl="0" marL="457200" marR="0" rtl="0" algn="l">
-              <a:lnSpc>
-                <a:spcPct val="150000"/>
-              </a:lnSpc>
-              <a:spcBef>
-                <a:spcPts val="0"/>
-              </a:spcBef>
-              <a:spcAft>
-                <a:spcPts val="0"/>
-              </a:spcAft>
-              <a:buSzPct val="100000"/>
-              <a:buFont typeface="Open Sans"/>
-              <a:buChar char="•"/>
-            </a:pPr>
+              <a:t>A forma tradicional de assistência social, o </a:t>
+            </a:r>
+            <a:r>
+              <a:rPr i="1" lang="en-US" sz="2400">
+                <a:latin typeface="Open Sans"/>
+                <a:ea typeface="Open Sans"/>
+                <a:cs typeface="Open Sans"/>
+                <a:sym typeface="Open Sans"/>
+              </a:rPr>
+              <a:t>waqf</a:t>
+            </a:r>
             <a:r>
               <a:rPr lang="en-US" sz="2400">
                 <a:latin typeface="Open Sans"/>
@@ -15185,25 +18129,7 @@
                 <a:cs typeface="Open Sans"/>
                 <a:sym typeface="Open Sans"/>
               </a:rPr>
-              <a:t>Em resumo, </a:t>
-            </a:r>
-            <a:r>
-              <a:rPr i="1" lang="en-US" sz="2400">
-                <a:latin typeface="Open Sans"/>
-                <a:ea typeface="Open Sans"/>
-                <a:cs typeface="Open Sans"/>
-                <a:sym typeface="Open Sans"/>
-              </a:rPr>
-              <a:t>falhas de mercado eram tidas como inevitáveis e frequentes</a:t>
-            </a:r>
-            <a:r>
-              <a:rPr lang="en-US" sz="2400">
-                <a:latin typeface="Open Sans"/>
-                <a:ea typeface="Open Sans"/>
-                <a:cs typeface="Open Sans"/>
-                <a:sym typeface="Open Sans"/>
-              </a:rPr>
-              <a:t>, sendo necessária constante intervenção pública</a:t>
+              <a:t>, também era menos eficiente do que o estado</a:t>
             </a:r>
             <a:endParaRPr>
               <a:latin typeface="Open Sans"/>
@@ -15230,8 +18156,8 @@
         </p:blipFill>
         <p:spPr>
           <a:xfrm>
-            <a:off x="152400" y="6080299"/>
-            <a:ext cx="2083148" cy="625301"/>
+            <a:off x="152400" y="6069824"/>
+            <a:ext cx="2118076" cy="635774"/>
           </a:xfrm>
           <a:prstGeom prst="rect">
             <a:avLst/>
@@ -15290,35 +18216,41 @@
         </p:spPr>
         <p:txBody>
           <a:bodyPr anchorCtr="0" anchor="ctr" bIns="91425" lIns="91425" spcFirstLastPara="1" rIns="91425" wrap="square" tIns="91425">
-            <a:normAutofit/>
+            <a:normAutofit fontScale="90000"/>
           </a:bodyPr>
           <a:lstStyle/>
           <a:p>
             <a:pPr indent="0" lvl="0" marL="0" marR="0" rtl="0" algn="ctr">
               <a:lnSpc>
-                <a:spcPct val="125000"/>
-              </a:lnSpc>
-              <a:spcBef>
-                <a:spcPts val="0"/>
-              </a:spcBef>
-              <a:spcAft>
-                <a:spcPts val="0"/>
-              </a:spcAft>
-              <a:buClr>
-                <a:srgbClr val="000000"/>
-              </a:buClr>
-              <a:buSzPts val="900"/>
-              <a:buFont typeface="Arial"/>
+                <a:spcPct val="100000"/>
+              </a:lnSpc>
+              <a:spcBef>
+                <a:spcPts val="0"/>
+              </a:spcBef>
+              <a:spcAft>
+                <a:spcPts val="0"/>
+              </a:spcAft>
+              <a:buClr>
+                <a:schemeClr val="dk1"/>
+              </a:buClr>
+              <a:buSzPts val="810"/>
+              <a:buFont typeface="Calibri"/>
               <a:buNone/>
             </a:pPr>
             <a:r>
               <a:rPr b="1" lang="en-US" sz="3600">
+                <a:solidFill>
+                  <a:srgbClr val="000000"/>
+                </a:solidFill>
+                <a:highlight>
+                  <a:srgbClr val="FFFFFF"/>
+                </a:highlight>
                 <a:latin typeface="Open Sans"/>
                 <a:ea typeface="Open Sans"/>
                 <a:cs typeface="Open Sans"/>
                 <a:sym typeface="Open Sans"/>
               </a:rPr>
-              <a:t>The Design of Regulation</a:t>
+              <a:t>The Puzzle of the Middle East's Economic Underdevelopment</a:t>
             </a:r>
             <a:endParaRPr>
               <a:latin typeface="Open Sans"/>
@@ -15356,16 +18288,19 @@
           </a:bodyPr>
           <a:lstStyle/>
           <a:p>
-            <a:pPr indent="-369570" lvl="0" marL="457200" marR="0" rtl="0" algn="l">
-              <a:lnSpc>
-                <a:spcPct val="150000"/>
-              </a:lnSpc>
-              <a:spcBef>
-                <a:spcPts val="0"/>
-              </a:spcBef>
-              <a:spcAft>
-                <a:spcPts val="0"/>
-              </a:spcAft>
+            <a:pPr indent="-369570" lvl="0" marL="457200" rtl="0" algn="l">
+              <a:lnSpc>
+                <a:spcPct val="115000"/>
+              </a:lnSpc>
+              <a:spcBef>
+                <a:spcPts val="0"/>
+              </a:spcBef>
+              <a:spcAft>
+                <a:spcPts val="0"/>
+              </a:spcAft>
+              <a:buClr>
+                <a:schemeClr val="dk1"/>
+              </a:buClr>
               <a:buSzPct val="100000"/>
               <a:buFont typeface="Open Sans"/>
               <a:buChar char="•"/>
@@ -15377,7 +18312,43 @@
                 <a:cs typeface="Open Sans"/>
                 <a:sym typeface="Open Sans"/>
               </a:rPr>
-              <a:t>Tais problemas remontam aos anos 60 e 70, onde assumia-se que o mercado livre tinha problemas inerentes, como grandes assimetrias de informação entre produtores e consumidores e constante possibilidade de que as interações entre ambos se tornassem dilemas do prisioneiro para os compradores</a:t>
+              <a:t>As instituições que foram transplantadas do Ocidente no século XIX, como as cortes de tipo francês no Egito, não modernizaram a região, </a:t>
+            </a:r>
+            <a:r>
+              <a:rPr i="1" lang="en-US" sz="2400">
+                <a:latin typeface="Open Sans"/>
+                <a:ea typeface="Open Sans"/>
+                <a:cs typeface="Open Sans"/>
+                <a:sym typeface="Open Sans"/>
+              </a:rPr>
+              <a:t>pelo contrário</a:t>
+            </a:r>
+            <a:r>
+              <a:rPr lang="en-US" sz="2400">
+                <a:latin typeface="Open Sans"/>
+                <a:ea typeface="Open Sans"/>
+                <a:cs typeface="Open Sans"/>
+                <a:sym typeface="Open Sans"/>
+              </a:rPr>
+              <a:t>: algumas foram usadas de modo estratégico por grupos de interesse justamente para </a:t>
+            </a:r>
+            <a:r>
+              <a:rPr i="1" lang="en-US" sz="2400">
+                <a:latin typeface="Open Sans"/>
+                <a:ea typeface="Open Sans"/>
+                <a:cs typeface="Open Sans"/>
+                <a:sym typeface="Open Sans"/>
+              </a:rPr>
+              <a:t>frear</a:t>
+            </a:r>
+            <a:r>
+              <a:rPr lang="en-US" sz="2400">
+                <a:latin typeface="Open Sans"/>
+                <a:ea typeface="Open Sans"/>
+                <a:cs typeface="Open Sans"/>
+                <a:sym typeface="Open Sans"/>
+              </a:rPr>
+              <a:t> o avanço das idéias ocidentais</a:t>
             </a:r>
             <a:endParaRPr sz="2400">
               <a:latin typeface="Open Sans"/>
@@ -15387,9 +18358,9 @@
             </a:endParaRPr>
           </a:p>
           <a:p>
-            <a:pPr indent="0" lvl="0" marL="406400" marR="0" rtl="0" algn="l">
-              <a:lnSpc>
-                <a:spcPct val="150000"/>
+            <a:pPr indent="0" lvl="0" marL="406400" rtl="0" algn="l">
+              <a:lnSpc>
+                <a:spcPct val="115000"/>
               </a:lnSpc>
               <a:spcBef>
                 <a:spcPts val="0"/>
@@ -15410,16 +18381,19 @@
             </a:endParaRPr>
           </a:p>
           <a:p>
-            <a:pPr indent="-369570" lvl="0" marL="457200" marR="0" rtl="0" algn="l">
-              <a:lnSpc>
-                <a:spcPct val="150000"/>
-              </a:lnSpc>
-              <a:spcBef>
-                <a:spcPts val="0"/>
-              </a:spcBef>
-              <a:spcAft>
-                <a:spcPts val="0"/>
-              </a:spcAft>
+            <a:pPr indent="-369570" lvl="0" marL="457200" rtl="0" algn="l">
+              <a:lnSpc>
+                <a:spcPct val="115000"/>
+              </a:lnSpc>
+              <a:spcBef>
+                <a:spcPts val="0"/>
+              </a:spcBef>
+              <a:spcAft>
+                <a:spcPts val="0"/>
+              </a:spcAft>
+              <a:buClr>
+                <a:schemeClr val="dk1"/>
+              </a:buClr>
               <a:buSzPct val="100000"/>
               <a:buFont typeface="Open Sans"/>
               <a:buChar char="•"/>
@@ -15431,7 +18405,7 @@
                 <a:cs typeface="Open Sans"/>
                 <a:sym typeface="Open Sans"/>
               </a:rPr>
-              <a:t>Não se assumia que as possíveis </a:t>
+              <a:t>A idéia de modernizar a sociedade nem sempre era sinônimo de </a:t>
             </a:r>
             <a:r>
               <a:rPr i="1" lang="en-US" sz="2400">
@@ -15440,7 +18414,7 @@
                 <a:cs typeface="Open Sans"/>
                 <a:sym typeface="Open Sans"/>
               </a:rPr>
-              <a:t>government failures</a:t>
+              <a:t>ocidentalizar</a:t>
             </a:r>
             <a:r>
               <a:rPr lang="en-US" sz="2400">
@@ -15449,16 +18423,7 @@
                 <a:cs typeface="Open Sans"/>
                 <a:sym typeface="Open Sans"/>
               </a:rPr>
-              <a:t>, muito ressaltadas nas análises da </a:t>
-            </a:r>
-            <a:r>
-              <a:rPr i="1" lang="en-US" sz="2400">
-                <a:latin typeface="Open Sans"/>
-                <a:ea typeface="Open Sans"/>
-                <a:cs typeface="Open Sans"/>
-                <a:sym typeface="Open Sans"/>
-              </a:rPr>
-              <a:t>public choice</a:t>
+              <a:t> a sociedade islâmica; assim, muitas instituições foram adotadas seletivamente a fim de restringir a entrada de outras idéias mais conflitivas com o paradigma cultural prevalente no Oriente Médio</a:t>
             </a:r>
             <a:endParaRPr>
               <a:latin typeface="Open Sans"/>
@@ -15485,8 +18450,8 @@
         </p:blipFill>
         <p:spPr>
           <a:xfrm>
-            <a:off x="152400" y="6080299"/>
-            <a:ext cx="2083148" cy="625301"/>
+            <a:off x="152400" y="6069824"/>
+            <a:ext cx="2118076" cy="635774"/>
           </a:xfrm>
           <a:prstGeom prst="rect">
             <a:avLst/>
@@ -15545,35 +18510,41 @@
         </p:spPr>
         <p:txBody>
           <a:bodyPr anchorCtr="0" anchor="ctr" bIns="91425" lIns="91425" spcFirstLastPara="1" rIns="91425" wrap="square" tIns="91425">
-            <a:normAutofit/>
+            <a:normAutofit fontScale="90000"/>
           </a:bodyPr>
           <a:lstStyle/>
           <a:p>
             <a:pPr indent="0" lvl="0" marL="0" marR="0" rtl="0" algn="ctr">
               <a:lnSpc>
-                <a:spcPct val="125000"/>
-              </a:lnSpc>
-              <a:spcBef>
-                <a:spcPts val="0"/>
-              </a:spcBef>
-              <a:spcAft>
-                <a:spcPts val="0"/>
-              </a:spcAft>
-              <a:buClr>
-                <a:srgbClr val="000000"/>
-              </a:buClr>
-              <a:buSzPts val="900"/>
-              <a:buFont typeface="Arial"/>
+                <a:spcPct val="100000"/>
+              </a:lnSpc>
+              <a:spcBef>
+                <a:spcPts val="0"/>
+              </a:spcBef>
+              <a:spcAft>
+                <a:spcPts val="0"/>
+              </a:spcAft>
+              <a:buClr>
+                <a:schemeClr val="dk1"/>
+              </a:buClr>
+              <a:buSzPts val="810"/>
+              <a:buFont typeface="Calibri"/>
               <a:buNone/>
             </a:pPr>
             <a:r>
               <a:rPr b="1" lang="en-US" sz="3600">
+                <a:solidFill>
+                  <a:srgbClr val="000000"/>
+                </a:solidFill>
+                <a:highlight>
+                  <a:srgbClr val="FFFFFF"/>
+                </a:highlight>
                 <a:latin typeface="Open Sans"/>
                 <a:ea typeface="Open Sans"/>
                 <a:cs typeface="Open Sans"/>
                 <a:sym typeface="Open Sans"/>
               </a:rPr>
-              <a:t>The Design of Regulation</a:t>
+              <a:t>The Puzzle of the Middle East's Economic Underdevelopment</a:t>
             </a:r>
             <a:endParaRPr>
               <a:latin typeface="Open Sans"/>
@@ -15607,20 +18578,23 @@
         </p:spPr>
         <p:txBody>
           <a:bodyPr anchorCtr="0" anchor="t" bIns="91425" lIns="91425" spcFirstLastPara="1" rIns="91425" wrap="square" tIns="91425">
-            <a:normAutofit fontScale="92500" lnSpcReduction="10000"/>
+            <a:normAutofit fontScale="85000" lnSpcReduction="20000"/>
           </a:bodyPr>
           <a:lstStyle/>
           <a:p>
-            <a:pPr indent="-369570" lvl="0" marL="457200" marR="0" rtl="0" algn="l">
-              <a:lnSpc>
-                <a:spcPct val="150000"/>
-              </a:lnSpc>
-              <a:spcBef>
-                <a:spcPts val="0"/>
-              </a:spcBef>
-              <a:spcAft>
-                <a:spcPts val="0"/>
-              </a:spcAft>
+            <a:pPr indent="-358140" lvl="0" marL="457200" rtl="0" algn="l">
+              <a:lnSpc>
+                <a:spcPct val="115000"/>
+              </a:lnSpc>
+              <a:spcBef>
+                <a:spcPts val="0"/>
+              </a:spcBef>
+              <a:spcAft>
+                <a:spcPts val="0"/>
+              </a:spcAft>
+              <a:buClr>
+                <a:schemeClr val="dk1"/>
+              </a:buClr>
               <a:buSzPct val="100000"/>
               <a:buFont typeface="Open Sans"/>
               <a:buChar char="•"/>
@@ -15632,7 +18606,178 @@
                 <a:cs typeface="Open Sans"/>
                 <a:sym typeface="Open Sans"/>
               </a:rPr>
-              <a:t>A ênfase nas falhas do governo é dada pela </a:t>
+              <a:t>As relações diretas com os europeus também eram problemáticas</a:t>
+            </a:r>
+            <a:endParaRPr sz="2400">
+              <a:latin typeface="Open Sans"/>
+              <a:ea typeface="Open Sans"/>
+              <a:cs typeface="Open Sans"/>
+              <a:sym typeface="Open Sans"/>
+            </a:endParaRPr>
+          </a:p>
+          <a:p>
+            <a:pPr indent="0" lvl="0" marL="406400" rtl="0" algn="l">
+              <a:lnSpc>
+                <a:spcPct val="115000"/>
+              </a:lnSpc>
+              <a:spcBef>
+                <a:spcPts val="0"/>
+              </a:spcBef>
+              <a:spcAft>
+                <a:spcPts val="0"/>
+              </a:spcAft>
+              <a:buNone/>
+            </a:pPr>
+            <a:r>
+              <a:t/>
+            </a:r>
+            <a:endParaRPr sz="2400">
+              <a:latin typeface="Open Sans"/>
+              <a:ea typeface="Open Sans"/>
+              <a:cs typeface="Open Sans"/>
+              <a:sym typeface="Open Sans"/>
+            </a:endParaRPr>
+          </a:p>
+          <a:p>
+            <a:pPr indent="-358140" lvl="0" marL="457200" rtl="0" algn="l">
+              <a:lnSpc>
+                <a:spcPct val="115000"/>
+              </a:lnSpc>
+              <a:spcBef>
+                <a:spcPts val="0"/>
+              </a:spcBef>
+              <a:spcAft>
+                <a:spcPts val="0"/>
+              </a:spcAft>
+              <a:buClr>
+                <a:schemeClr val="dk1"/>
+              </a:buClr>
+              <a:buSzPct val="100000"/>
+              <a:buFont typeface="Open Sans"/>
+              <a:buChar char="•"/>
+            </a:pPr>
+            <a:r>
+              <a:rPr lang="en-US" sz="2400">
+                <a:latin typeface="Open Sans"/>
+                <a:ea typeface="Open Sans"/>
+                <a:cs typeface="Open Sans"/>
+                <a:sym typeface="Open Sans"/>
+              </a:rPr>
+              <a:t>Uma das vantagens dos comerciantes estrangeiros perante os islâmicos era que aqueles usavam as leis de seus países de origem</a:t>
+            </a:r>
+            <a:endParaRPr sz="2400">
+              <a:latin typeface="Open Sans"/>
+              <a:ea typeface="Open Sans"/>
+              <a:cs typeface="Open Sans"/>
+              <a:sym typeface="Open Sans"/>
+            </a:endParaRPr>
+          </a:p>
+          <a:p>
+            <a:pPr indent="0" lvl="0" marL="406400" rtl="0" algn="l">
+              <a:lnSpc>
+                <a:spcPct val="115000"/>
+              </a:lnSpc>
+              <a:spcBef>
+                <a:spcPts val="0"/>
+              </a:spcBef>
+              <a:spcAft>
+                <a:spcPts val="0"/>
+              </a:spcAft>
+              <a:buNone/>
+            </a:pPr>
+            <a:r>
+              <a:t/>
+            </a:r>
+            <a:endParaRPr sz="2400">
+              <a:latin typeface="Open Sans"/>
+              <a:ea typeface="Open Sans"/>
+              <a:cs typeface="Open Sans"/>
+              <a:sym typeface="Open Sans"/>
+            </a:endParaRPr>
+          </a:p>
+          <a:p>
+            <a:pPr indent="-358140" lvl="0" marL="457200" rtl="0" algn="l">
+              <a:lnSpc>
+                <a:spcPct val="115000"/>
+              </a:lnSpc>
+              <a:spcBef>
+                <a:spcPts val="0"/>
+              </a:spcBef>
+              <a:spcAft>
+                <a:spcPts val="0"/>
+              </a:spcAft>
+              <a:buClr>
+                <a:schemeClr val="dk1"/>
+              </a:buClr>
+              <a:buSzPct val="100000"/>
+              <a:buFont typeface="Open Sans"/>
+              <a:buChar char="•"/>
+            </a:pPr>
+            <a:r>
+              <a:rPr lang="en-US" sz="2400">
+                <a:latin typeface="Open Sans"/>
+                <a:ea typeface="Open Sans"/>
+                <a:cs typeface="Open Sans"/>
+                <a:sym typeface="Open Sans"/>
+              </a:rPr>
+              <a:t>Tal vantagem acabou por acentuar os privilégios dos mercadores europeus pois as instituições eram impessoais, promoviam boa proteção ao direito de propriedade, etc. </a:t>
+            </a:r>
+            <a:endParaRPr sz="2400">
+              <a:latin typeface="Open Sans"/>
+              <a:ea typeface="Open Sans"/>
+              <a:cs typeface="Open Sans"/>
+              <a:sym typeface="Open Sans"/>
+            </a:endParaRPr>
+          </a:p>
+          <a:p>
+            <a:pPr indent="0" lvl="0" marL="406400" rtl="0" algn="l">
+              <a:lnSpc>
+                <a:spcPct val="115000"/>
+              </a:lnSpc>
+              <a:spcBef>
+                <a:spcPts val="0"/>
+              </a:spcBef>
+              <a:spcAft>
+                <a:spcPts val="0"/>
+              </a:spcAft>
+              <a:buNone/>
+            </a:pPr>
+            <a:r>
+              <a:t/>
+            </a:r>
+            <a:endParaRPr sz="2400">
+              <a:latin typeface="Open Sans"/>
+              <a:ea typeface="Open Sans"/>
+              <a:cs typeface="Open Sans"/>
+              <a:sym typeface="Open Sans"/>
+            </a:endParaRPr>
+          </a:p>
+          <a:p>
+            <a:pPr indent="-358140" lvl="0" marL="457200" rtl="0" algn="l">
+              <a:lnSpc>
+                <a:spcPct val="115000"/>
+              </a:lnSpc>
+              <a:spcBef>
+                <a:spcPts val="0"/>
+              </a:spcBef>
+              <a:spcAft>
+                <a:spcPts val="0"/>
+              </a:spcAft>
+              <a:buClr>
+                <a:schemeClr val="dk1"/>
+              </a:buClr>
+              <a:buSzPct val="100000"/>
+              <a:buFont typeface="Open Sans"/>
+              <a:buChar char="•"/>
+            </a:pPr>
+            <a:r>
+              <a:rPr lang="en-US" sz="2400">
+                <a:latin typeface="Open Sans"/>
+                <a:ea typeface="Open Sans"/>
+                <a:cs typeface="Open Sans"/>
+                <a:sym typeface="Open Sans"/>
+              </a:rPr>
+              <a:t>Os europeus já transitavam para as </a:t>
             </a:r>
             <a:r>
               <a:rPr i="1" lang="en-US" sz="2400">
@@ -15641,7 +18786,7 @@
                 <a:cs typeface="Open Sans"/>
                 <a:sym typeface="Open Sans"/>
               </a:rPr>
-              <a:t>public choice school</a:t>
+              <a:t>leis impessoais</a:t>
             </a:r>
             <a:r>
               <a:rPr lang="en-US" sz="2400">
@@ -15650,115 +18795,7 @@
                 <a:cs typeface="Open Sans"/>
                 <a:sym typeface="Open Sans"/>
               </a:rPr>
-              <a:t>, mas há dois precursores importantes desta idéia:</a:t>
-            </a:r>
-            <a:endParaRPr sz="2400">
-              <a:latin typeface="Open Sans"/>
-              <a:ea typeface="Open Sans"/>
-              <a:cs typeface="Open Sans"/>
-              <a:sym typeface="Open Sans"/>
-            </a:endParaRPr>
-          </a:p>
-          <a:p>
-            <a:pPr indent="0" lvl="0" marL="406400" marR="0" rtl="0" algn="l">
-              <a:lnSpc>
-                <a:spcPct val="150000"/>
-              </a:lnSpc>
-              <a:spcBef>
-                <a:spcPts val="0"/>
-              </a:spcBef>
-              <a:spcAft>
-                <a:spcPts val="0"/>
-              </a:spcAft>
-              <a:buNone/>
-            </a:pPr>
-            <a:r>
-              <a:t/>
-            </a:r>
-            <a:endParaRPr sz="2400">
-              <a:latin typeface="Open Sans"/>
-              <a:ea typeface="Open Sans"/>
-              <a:cs typeface="Open Sans"/>
-              <a:sym typeface="Open Sans"/>
-            </a:endParaRPr>
-          </a:p>
-          <a:p>
-            <a:pPr indent="-369570" lvl="0" marL="457200" marR="0" rtl="0" algn="l">
-              <a:lnSpc>
-                <a:spcPct val="150000"/>
-              </a:lnSpc>
-              <a:spcBef>
-                <a:spcPts val="0"/>
-              </a:spcBef>
-              <a:spcAft>
-                <a:spcPts val="0"/>
-              </a:spcAft>
-              <a:buSzPct val="100000"/>
-              <a:buFont typeface="Open Sans"/>
-              <a:buChar char="•"/>
-            </a:pPr>
-            <a:r>
-              <a:rPr lang="en-US" sz="2400">
-                <a:latin typeface="Open Sans"/>
-                <a:ea typeface="Open Sans"/>
-                <a:cs typeface="Open Sans"/>
-                <a:sym typeface="Open Sans"/>
-              </a:rPr>
-              <a:t>O primeiro é Hayek em seu </a:t>
-            </a:r>
-            <a:r>
-              <a:rPr i="1" lang="en-US" sz="2400">
-                <a:latin typeface="Open Sans"/>
-                <a:ea typeface="Open Sans"/>
-                <a:cs typeface="Open Sans"/>
-                <a:sym typeface="Open Sans"/>
-              </a:rPr>
-              <a:t>Law, Legislation and Liberty</a:t>
-            </a:r>
-            <a:r>
-              <a:rPr lang="en-US" sz="2400">
-                <a:latin typeface="Open Sans"/>
-                <a:ea typeface="Open Sans"/>
-                <a:cs typeface="Open Sans"/>
-                <a:sym typeface="Open Sans"/>
-              </a:rPr>
-              <a:t>, no qual ele discute, como já vimos, a idéia de ordem espontânea e ordem planejada, </a:t>
-            </a:r>
-            <a:r>
-              <a:rPr i="1" lang="en-US" sz="2400">
-                <a:latin typeface="Open Sans"/>
-                <a:ea typeface="Open Sans"/>
-                <a:cs typeface="Open Sans"/>
-                <a:sym typeface="Open Sans"/>
-              </a:rPr>
-              <a:t>cosmos</a:t>
-            </a:r>
-            <a:r>
-              <a:rPr lang="en-US" sz="2400">
-                <a:latin typeface="Open Sans"/>
-                <a:ea typeface="Open Sans"/>
-                <a:cs typeface="Open Sans"/>
-                <a:sym typeface="Open Sans"/>
-              </a:rPr>
-              <a:t> e </a:t>
-            </a:r>
-            <a:r>
-              <a:rPr i="1" lang="en-US" sz="2400">
-                <a:latin typeface="Open Sans"/>
-                <a:ea typeface="Open Sans"/>
-                <a:cs typeface="Open Sans"/>
-                <a:sym typeface="Open Sans"/>
-              </a:rPr>
-              <a:t>taxis</a:t>
-            </a:r>
-            <a:r>
-              <a:rPr lang="en-US" sz="2400">
-                <a:latin typeface="Open Sans"/>
-                <a:ea typeface="Open Sans"/>
-                <a:cs typeface="Open Sans"/>
-                <a:sym typeface="Open Sans"/>
-              </a:rPr>
-              <a:t>. Os segundos tendem a ter falhas mais graves do que o primeiro, sugere Hayek, e por isso a atenção dos pesquisadores também deveria voltar-se a este problema</a:t>
+              <a:t>, enquanto o Oriente Médio ainda não rompera os vínculos menores</a:t>
             </a:r>
             <a:endParaRPr>
               <a:latin typeface="Open Sans"/>
@@ -15785,8 +18822,8 @@
         </p:blipFill>
         <p:spPr>
           <a:xfrm>
-            <a:off x="152400" y="6080299"/>
-            <a:ext cx="2083148" cy="625301"/>
+            <a:off x="152400" y="6069824"/>
+            <a:ext cx="2118076" cy="635774"/>
           </a:xfrm>
           <a:prstGeom prst="rect">
             <a:avLst/>
@@ -15845,35 +18882,41 @@
         </p:spPr>
         <p:txBody>
           <a:bodyPr anchorCtr="0" anchor="ctr" bIns="91425" lIns="91425" spcFirstLastPara="1" rIns="91425" wrap="square" tIns="91425">
-            <a:normAutofit/>
+            <a:normAutofit fontScale="90000"/>
           </a:bodyPr>
           <a:lstStyle/>
           <a:p>
             <a:pPr indent="0" lvl="0" marL="0" marR="0" rtl="0" algn="ctr">
               <a:lnSpc>
-                <a:spcPct val="125000"/>
-              </a:lnSpc>
-              <a:spcBef>
-                <a:spcPts val="0"/>
-              </a:spcBef>
-              <a:spcAft>
-                <a:spcPts val="0"/>
-              </a:spcAft>
-              <a:buClr>
-                <a:srgbClr val="000000"/>
-              </a:buClr>
-              <a:buSzPts val="900"/>
-              <a:buFont typeface="Arial"/>
+                <a:spcPct val="100000"/>
+              </a:lnSpc>
+              <a:spcBef>
+                <a:spcPts val="0"/>
+              </a:spcBef>
+              <a:spcAft>
+                <a:spcPts val="0"/>
+              </a:spcAft>
+              <a:buClr>
+                <a:schemeClr val="dk1"/>
+              </a:buClr>
+              <a:buSzPts val="810"/>
+              <a:buFont typeface="Calibri"/>
               <a:buNone/>
             </a:pPr>
             <a:r>
               <a:rPr b="1" lang="en-US" sz="3600">
+                <a:solidFill>
+                  <a:srgbClr val="000000"/>
+                </a:solidFill>
+                <a:highlight>
+                  <a:srgbClr val="FFFFFF"/>
+                </a:highlight>
                 <a:latin typeface="Open Sans"/>
                 <a:ea typeface="Open Sans"/>
                 <a:cs typeface="Open Sans"/>
                 <a:sym typeface="Open Sans"/>
               </a:rPr>
-              <a:t>The Design of Regulation</a:t>
+              <a:t>The Puzzle of the Middle East's Economic Underdevelopment</a:t>
             </a:r>
             <a:endParaRPr>
               <a:latin typeface="Open Sans"/>
@@ -15907,20 +18950,23 @@
         </p:spPr>
         <p:txBody>
           <a:bodyPr anchorCtr="0" anchor="t" bIns="91425" lIns="91425" spcFirstLastPara="1" rIns="91425" wrap="square" tIns="91425">
-            <a:normAutofit fontScale="85000" lnSpcReduction="20000"/>
+            <a:normAutofit fontScale="92500" lnSpcReduction="20000"/>
           </a:bodyPr>
           <a:lstStyle/>
           <a:p>
-            <a:pPr indent="-358140" lvl="0" marL="457200" marR="0" rtl="0" algn="l">
-              <a:lnSpc>
-                <a:spcPct val="150000"/>
-              </a:lnSpc>
-              <a:spcBef>
-                <a:spcPts val="0"/>
-              </a:spcBef>
-              <a:spcAft>
-                <a:spcPts val="0"/>
-              </a:spcAft>
+            <a:pPr indent="-369570" lvl="0" marL="457200" rtl="0" algn="l">
+              <a:lnSpc>
+                <a:spcPct val="115000"/>
+              </a:lnSpc>
+              <a:spcBef>
+                <a:spcPts val="0"/>
+              </a:spcBef>
+              <a:spcAft>
+                <a:spcPts val="0"/>
+              </a:spcAft>
+              <a:buClr>
+                <a:schemeClr val="dk1"/>
+              </a:buClr>
               <a:buSzPct val="100000"/>
               <a:buFont typeface="Open Sans"/>
               <a:buChar char="•"/>
@@ -15932,18 +18978,9 @@
                 <a:cs typeface="Open Sans"/>
                 <a:sym typeface="Open Sans"/>
               </a:rPr>
-              <a:t>O segundo autor mencionado por Ogus é </a:t>
-            </a:r>
-            <a:r>
-              <a:rPr i="1" lang="en-US" sz="2400">
-                <a:latin typeface="Open Sans"/>
-                <a:ea typeface="Open Sans"/>
-                <a:cs typeface="Open Sans"/>
-                <a:sym typeface="Open Sans"/>
-              </a:rPr>
-              <a:t>Ronald Coase</a:t>
-            </a:r>
-            <a:endParaRPr i="1" sz="2400">
+              <a:t>As minorias religiosas tiveram um papel muito importante na Europa, mas muito menor no mundo muçulmano</a:t>
+            </a:r>
+            <a:endParaRPr sz="2400">
               <a:latin typeface="Open Sans"/>
               <a:ea typeface="Open Sans"/>
               <a:cs typeface="Open Sans"/>
@@ -15951,9 +18988,9 @@
             </a:endParaRPr>
           </a:p>
           <a:p>
-            <a:pPr indent="0" lvl="0" marL="406400" marR="0" rtl="0" algn="l">
-              <a:lnSpc>
-                <a:spcPct val="150000"/>
+            <a:pPr indent="0" lvl="0" marL="406400" rtl="0" algn="l">
+              <a:lnSpc>
+                <a:spcPct val="115000"/>
               </a:lnSpc>
               <a:spcBef>
                 <a:spcPts val="0"/>
@@ -15966,7 +19003,7 @@
             <a:r>
               <a:t/>
             </a:r>
-            <a:endParaRPr i="1" sz="2400">
+            <a:endParaRPr sz="2400">
               <a:latin typeface="Open Sans"/>
               <a:ea typeface="Open Sans"/>
               <a:cs typeface="Open Sans"/>
@@ -15974,16 +19011,19 @@
             </a:endParaRPr>
           </a:p>
           <a:p>
-            <a:pPr indent="-358140" lvl="0" marL="457200" marR="0" rtl="0" algn="l">
-              <a:lnSpc>
-                <a:spcPct val="150000"/>
-              </a:lnSpc>
-              <a:spcBef>
-                <a:spcPts val="0"/>
-              </a:spcBef>
-              <a:spcAft>
-                <a:spcPts val="0"/>
-              </a:spcAft>
+            <a:pPr indent="-369570" lvl="0" marL="457200" rtl="0" algn="l">
+              <a:lnSpc>
+                <a:spcPct val="115000"/>
+              </a:lnSpc>
+              <a:spcBef>
+                <a:spcPts val="0"/>
+              </a:spcBef>
+              <a:spcAft>
+                <a:spcPts val="0"/>
+              </a:spcAft>
+              <a:buClr>
+                <a:schemeClr val="dk1"/>
+              </a:buClr>
               <a:buSzPct val="100000"/>
               <a:buFont typeface="Open Sans"/>
               <a:buChar char="•"/>
@@ -15995,7 +19035,7 @@
                 <a:cs typeface="Open Sans"/>
                 <a:sym typeface="Open Sans"/>
               </a:rPr>
-              <a:t>Coase mostra como, caso os custos de transação sejam baixos, o intercâmbio voluntário entre duas partes é a melhor solução para problemas</a:t>
+              <a:t>Como os ditames da Sharia pressupõe que muçulmanos vivam de acordo com a lei islâmica, isso acabou por afetar minorias empreendedoras como os armênios e judeus</a:t>
             </a:r>
             <a:endParaRPr sz="2400">
               <a:latin typeface="Open Sans"/>
@@ -16005,9 +19045,9 @@
             </a:endParaRPr>
           </a:p>
           <a:p>
-            <a:pPr indent="0" lvl="0" marL="406400" marR="0" rtl="0" algn="l">
-              <a:lnSpc>
-                <a:spcPct val="150000"/>
+            <a:pPr indent="0" lvl="0" marL="406400" rtl="0" algn="l">
+              <a:lnSpc>
+                <a:spcPct val="115000"/>
               </a:lnSpc>
               <a:spcBef>
                 <a:spcPts val="0"/>
@@ -16028,16 +19068,19 @@
             </a:endParaRPr>
           </a:p>
           <a:p>
-            <a:pPr indent="-358140" lvl="0" marL="457200" marR="0" rtl="0" algn="l">
-              <a:lnSpc>
-                <a:spcPct val="150000"/>
-              </a:lnSpc>
-              <a:spcBef>
-                <a:spcPts val="0"/>
-              </a:spcBef>
-              <a:spcAft>
-                <a:spcPts val="0"/>
-              </a:spcAft>
+            <a:pPr indent="-369570" lvl="0" marL="457200" rtl="0" algn="l">
+              <a:lnSpc>
+                <a:spcPct val="115000"/>
+              </a:lnSpc>
+              <a:spcBef>
+                <a:spcPts val="0"/>
+              </a:spcBef>
+              <a:spcAft>
+                <a:spcPts val="0"/>
+              </a:spcAft>
+              <a:buClr>
+                <a:schemeClr val="dk1"/>
+              </a:buClr>
               <a:buSzPct val="100000"/>
               <a:buFont typeface="Open Sans"/>
               <a:buChar char="•"/>
@@ -16049,7 +19092,7 @@
                 <a:cs typeface="Open Sans"/>
                 <a:sym typeface="Open Sans"/>
               </a:rPr>
-              <a:t>Além disso, o teorema de Coase aponta que há outras soluções possíveis além da internalização dos custos pelo causador do dano, outros acordos também podem ser interessantes para as partes</a:t>
+              <a:t>Já no caso europeu, tais minorias foram melhor incorporadas aos circuitos financeiros locais, ao menos até as duas guerras mundiais</a:t>
             </a:r>
             <a:endParaRPr>
               <a:latin typeface="Open Sans"/>
@@ -16076,8 +19119,8 @@
         </p:blipFill>
         <p:spPr>
           <a:xfrm>
-            <a:off x="152400" y="6080299"/>
-            <a:ext cx="2083148" cy="625301"/>
+            <a:off x="152400" y="6069824"/>
+            <a:ext cx="2118076" cy="635774"/>
           </a:xfrm>
           <a:prstGeom prst="rect">
             <a:avLst/>
@@ -16142,29 +19185,35 @@
           <a:p>
             <a:pPr indent="0" lvl="0" marL="0" marR="0" rtl="0" algn="ctr">
               <a:lnSpc>
-                <a:spcPct val="125000"/>
-              </a:lnSpc>
-              <a:spcBef>
-                <a:spcPts val="0"/>
-              </a:spcBef>
-              <a:spcAft>
-                <a:spcPts val="0"/>
-              </a:spcAft>
-              <a:buClr>
-                <a:srgbClr val="000000"/>
+                <a:spcPct val="100000"/>
+              </a:lnSpc>
+              <a:spcBef>
+                <a:spcPts val="0"/>
+              </a:spcBef>
+              <a:spcAft>
+                <a:spcPts val="0"/>
+              </a:spcAft>
+              <a:buClr>
+                <a:schemeClr val="dk1"/>
               </a:buClr>
               <a:buSzPts val="900"/>
-              <a:buFont typeface="Arial"/>
+              <a:buFont typeface="Calibri"/>
               <a:buNone/>
             </a:pPr>
             <a:r>
               <a:rPr b="1" lang="en-US" sz="3600">
+                <a:solidFill>
+                  <a:srgbClr val="000000"/>
+                </a:solidFill>
+                <a:highlight>
+                  <a:srgbClr val="FFFFFF"/>
+                </a:highlight>
                 <a:latin typeface="Open Sans"/>
                 <a:ea typeface="Open Sans"/>
                 <a:cs typeface="Open Sans"/>
                 <a:sym typeface="Open Sans"/>
               </a:rPr>
-              <a:t>The Design of Regulation</a:t>
+              <a:t>The Economic Impact of Islamism</a:t>
             </a:r>
             <a:endParaRPr>
               <a:latin typeface="Open Sans"/>
@@ -16202,16 +19251,19 @@
           </a:bodyPr>
           <a:lstStyle/>
           <a:p>
-            <a:pPr indent="-358140" lvl="0" marL="457200" marR="0" rtl="0" algn="l">
-              <a:lnSpc>
-                <a:spcPct val="150000"/>
-              </a:lnSpc>
-              <a:spcBef>
-                <a:spcPts val="0"/>
-              </a:spcBef>
-              <a:spcAft>
-                <a:spcPts val="0"/>
-              </a:spcAft>
+            <a:pPr indent="-358140" lvl="0" marL="457200" rtl="0" algn="l">
+              <a:lnSpc>
+                <a:spcPct val="115000"/>
+              </a:lnSpc>
+              <a:spcBef>
+                <a:spcPts val="0"/>
+              </a:spcBef>
+              <a:spcAft>
+                <a:spcPts val="0"/>
+              </a:spcAft>
+              <a:buClr>
+                <a:schemeClr val="dk1"/>
+              </a:buClr>
               <a:buSzPct val="100000"/>
               <a:buFont typeface="Open Sans"/>
               <a:buChar char="•"/>
@@ -16223,7 +19275,7 @@
                 <a:cs typeface="Open Sans"/>
                 <a:sym typeface="Open Sans"/>
               </a:rPr>
-              <a:t>Nos anos 70-80, uma mudança de paradigma começa a tomar corpo no campo da regulação</a:t>
+              <a:t>Neste texto, Kuran dá exemplos mais concretos sobre o impacto da islamização das instituições econômicas</a:t>
             </a:r>
             <a:endParaRPr sz="2400">
               <a:latin typeface="Open Sans"/>
@@ -16233,9 +19285,9 @@
             </a:endParaRPr>
           </a:p>
           <a:p>
-            <a:pPr indent="0" lvl="0" marL="406400" marR="0" rtl="0" algn="l">
-              <a:lnSpc>
-                <a:spcPct val="150000"/>
+            <a:pPr indent="0" lvl="0" marL="406400" rtl="0" algn="l">
+              <a:lnSpc>
+                <a:spcPct val="115000"/>
               </a:lnSpc>
               <a:spcBef>
                 <a:spcPts val="0"/>
@@ -16256,16 +19308,19 @@
             </a:endParaRPr>
           </a:p>
           <a:p>
-            <a:pPr indent="-358140" lvl="0" marL="457200" marR="0" rtl="0" algn="l">
-              <a:lnSpc>
-                <a:spcPct val="150000"/>
-              </a:lnSpc>
-              <a:spcBef>
-                <a:spcPts val="0"/>
-              </a:spcBef>
-              <a:spcAft>
-                <a:spcPts val="0"/>
-              </a:spcAft>
+            <a:pPr indent="-358140" lvl="0" marL="457200" rtl="0" algn="l">
+              <a:lnSpc>
+                <a:spcPct val="115000"/>
+              </a:lnSpc>
+              <a:spcBef>
+                <a:spcPts val="0"/>
+              </a:spcBef>
+              <a:spcAft>
+                <a:spcPts val="0"/>
+              </a:spcAft>
+              <a:buClr>
+                <a:schemeClr val="dk1"/>
+              </a:buClr>
               <a:buSzPct val="100000"/>
               <a:buFont typeface="Open Sans"/>
               <a:buChar char="•"/>
@@ -16277,7 +19332,7 @@
                 <a:cs typeface="Open Sans"/>
                 <a:sym typeface="Open Sans"/>
               </a:rPr>
-              <a:t>Esta mudança corresponde a uma crescimento do pensamento liberal em outras áreas, como na economia, administração pública, política, etc</a:t>
+              <a:t>O exemplo-chave é o do Paquistão no final dos anos 1970, onde um governo conservador expandiu a esfera de influência da religião na economia</a:t>
             </a:r>
             <a:endParaRPr sz="2400">
               <a:latin typeface="Open Sans"/>
@@ -16287,9 +19342,9 @@
             </a:endParaRPr>
           </a:p>
           <a:p>
-            <a:pPr indent="0" lvl="0" marL="406400" marR="0" rtl="0" algn="l">
-              <a:lnSpc>
-                <a:spcPct val="150000"/>
+            <a:pPr indent="0" lvl="0" marL="406400" rtl="0" algn="l">
+              <a:lnSpc>
+                <a:spcPct val="115000"/>
               </a:lnSpc>
               <a:spcBef>
                 <a:spcPts val="0"/>
@@ -16310,16 +19365,19 @@
             </a:endParaRPr>
           </a:p>
           <a:p>
-            <a:pPr indent="-358140" lvl="0" marL="457200" marR="0" rtl="0" algn="l">
-              <a:lnSpc>
-                <a:spcPct val="150000"/>
-              </a:lnSpc>
-              <a:spcBef>
-                <a:spcPts val="0"/>
-              </a:spcBef>
-              <a:spcAft>
-                <a:spcPts val="0"/>
-              </a:spcAft>
+            <a:pPr indent="-358140" lvl="0" marL="457200" rtl="0" algn="l">
+              <a:lnSpc>
+                <a:spcPct val="115000"/>
+              </a:lnSpc>
+              <a:spcBef>
+                <a:spcPts val="0"/>
+              </a:spcBef>
+              <a:spcAft>
+                <a:spcPts val="0"/>
+              </a:spcAft>
+              <a:buClr>
+                <a:schemeClr val="dk1"/>
+              </a:buClr>
               <a:buSzPct val="100000"/>
               <a:buFont typeface="Open Sans"/>
               <a:buChar char="•"/>
@@ -16331,7 +19389,7 @@
                 <a:cs typeface="Open Sans"/>
                 <a:sym typeface="Open Sans"/>
               </a:rPr>
-              <a:t>O principal tema a emergir nesta época foi a idéia de </a:t>
+              <a:t>O juro foi abolido dos empréstimos bancários; o </a:t>
             </a:r>
             <a:r>
               <a:rPr i="1" lang="en-US" sz="2400">
@@ -16340,7 +19398,7 @@
                 <a:cs typeface="Open Sans"/>
                 <a:sym typeface="Open Sans"/>
               </a:rPr>
-              <a:t>regulatory failure</a:t>
+              <a:t>zakat</a:t>
             </a:r>
             <a:r>
               <a:rPr lang="en-US" sz="2400">
@@ -16349,7 +19407,82 @@
                 <a:cs typeface="Open Sans"/>
                 <a:sym typeface="Open Sans"/>
               </a:rPr>
-              <a:t>, de que agências regulatórias também estão sujeitas a falhas graves</a:t>
+              <a:t>, a contribuição voluntária para caridade, tornou-se compulsória; maiores regulações foram implementadas</a:t>
+            </a:r>
+            <a:endParaRPr sz="2400">
+              <a:latin typeface="Open Sans"/>
+              <a:ea typeface="Open Sans"/>
+              <a:cs typeface="Open Sans"/>
+              <a:sym typeface="Open Sans"/>
+            </a:endParaRPr>
+          </a:p>
+          <a:p>
+            <a:pPr indent="0" lvl="0" marL="406400" rtl="0" algn="l">
+              <a:lnSpc>
+                <a:spcPct val="115000"/>
+              </a:lnSpc>
+              <a:spcBef>
+                <a:spcPts val="0"/>
+              </a:spcBef>
+              <a:spcAft>
+                <a:spcPts val="0"/>
+              </a:spcAft>
+              <a:buNone/>
+            </a:pPr>
+            <a:r>
+              <a:t/>
+            </a:r>
+            <a:endParaRPr sz="2400">
+              <a:latin typeface="Open Sans"/>
+              <a:ea typeface="Open Sans"/>
+              <a:cs typeface="Open Sans"/>
+              <a:sym typeface="Open Sans"/>
+            </a:endParaRPr>
+          </a:p>
+          <a:p>
+            <a:pPr indent="-358140" lvl="0" marL="457200" rtl="0" algn="l">
+              <a:lnSpc>
+                <a:spcPct val="115000"/>
+              </a:lnSpc>
+              <a:spcBef>
+                <a:spcPts val="0"/>
+              </a:spcBef>
+              <a:spcAft>
+                <a:spcPts val="0"/>
+              </a:spcAft>
+              <a:buClr>
+                <a:schemeClr val="dk1"/>
+              </a:buClr>
+              <a:buSzPct val="100000"/>
+              <a:buFont typeface="Open Sans"/>
+              <a:buChar char="•"/>
+            </a:pPr>
+            <a:r>
+              <a:rPr lang="en-US" sz="2400">
+                <a:latin typeface="Open Sans"/>
+                <a:ea typeface="Open Sans"/>
+                <a:cs typeface="Open Sans"/>
+                <a:sym typeface="Open Sans"/>
+              </a:rPr>
+              <a:t>O mesmo modelo de </a:t>
+            </a:r>
+            <a:r>
+              <a:rPr i="1" lang="en-US" sz="2400">
+                <a:latin typeface="Open Sans"/>
+                <a:ea typeface="Open Sans"/>
+                <a:cs typeface="Open Sans"/>
+                <a:sym typeface="Open Sans"/>
+              </a:rPr>
+              <a:t>Islamic economics</a:t>
+            </a:r>
+            <a:r>
+              <a:rPr lang="en-US" sz="2400">
+                <a:latin typeface="Open Sans"/>
+                <a:ea typeface="Open Sans"/>
+                <a:cs typeface="Open Sans"/>
+                <a:sym typeface="Open Sans"/>
+              </a:rPr>
+              <a:t> existe em países como Arábia Saudita, Malásia, Sudão, etc</a:t>
             </a:r>
             <a:endParaRPr>
               <a:latin typeface="Open Sans"/>
@@ -16376,8 +19509,8 @@
         </p:blipFill>
         <p:spPr>
           <a:xfrm>
-            <a:off x="152400" y="6080299"/>
-            <a:ext cx="2083148" cy="625301"/>
+            <a:off x="152400" y="6069824"/>
+            <a:ext cx="2118076" cy="635774"/>
           </a:xfrm>
           <a:prstGeom prst="rect">
             <a:avLst/>
@@ -16397,6 +19530,285 @@
 </file>
 
 <file path=ppt/theme/theme1.xml><?xml version="1.0" encoding="utf-8"?>
+<a:theme xmlns:a="http://schemas.openxmlformats.org/drawingml/2006/main" xmlns:r="http://schemas.openxmlformats.org/officeDocument/2006/relationships" name="Simple Light">
+  <a:themeElements>
+    <a:clrScheme name="Simple Light">
+      <a:dk1>
+        <a:srgbClr val="000000"/>
+      </a:dk1>
+      <a:lt1>
+        <a:srgbClr val="FFFFFF"/>
+      </a:lt1>
+      <a:dk2>
+        <a:srgbClr val="595959"/>
+      </a:dk2>
+      <a:lt2>
+        <a:srgbClr val="EEEEEE"/>
+      </a:lt2>
+      <a:accent1>
+        <a:srgbClr val="4285F4"/>
+      </a:accent1>
+      <a:accent2>
+        <a:srgbClr val="212121"/>
+      </a:accent2>
+      <a:accent3>
+        <a:srgbClr val="78909C"/>
+      </a:accent3>
+      <a:accent4>
+        <a:srgbClr val="FFAB40"/>
+      </a:accent4>
+      <a:accent5>
+        <a:srgbClr val="0097A7"/>
+      </a:accent5>
+      <a:accent6>
+        <a:srgbClr val="EEFF41"/>
+      </a:accent6>
+      <a:hlink>
+        <a:srgbClr val="0097A7"/>
+      </a:hlink>
+      <a:folHlink>
+        <a:srgbClr val="0097A7"/>
+      </a:folHlink>
+    </a:clrScheme>
+    <a:fontScheme name="Office">
+      <a:majorFont>
+        <a:latin typeface="Arial"/>
+        <a:ea typeface=""/>
+        <a:cs typeface=""/>
+        <a:font script="Jpan" typeface="ＭＳ Ｐゴシック"/>
+        <a:font script="Hang" typeface="맑은 고딕"/>
+        <a:font script="Hans" typeface="宋体"/>
+        <a:font script="Hant" typeface="新細明體"/>
+        <a:font script="Arab" typeface="Times New Roman"/>
+        <a:font script="Hebr" typeface="Times New Roman"/>
+        <a:font script="Thai" typeface="Angsana New"/>
+        <a:font script="Ethi" typeface="Nyala"/>
+        <a:font script="Beng" typeface="Vrinda"/>
+        <a:font script="Gujr" typeface="Shruti"/>
+        <a:font script="Khmr" typeface="MoolBoran"/>
+        <a:font script="Knda" typeface="Tunga"/>
+        <a:font script="Guru" typeface="Raavi"/>
+        <a:font script="Cans" typeface="Euphemia"/>
+        <a:font script="Cher" typeface="Plantagenet Cherokee"/>
+        <a:font script="Yiii" typeface="Microsoft Yi Baiti"/>
+        <a:font script="Tibt" typeface="Microsoft Himalaya"/>
+        <a:font script="Thaa" typeface="MV Boli"/>
+        <a:font script="Deva" typeface="Mangal"/>
+        <a:font script="Telu" typeface="Gautami"/>
+        <a:font script="Taml" typeface="Latha"/>
+        <a:font script="Syrc" typeface="Estrangelo Edessa"/>
+        <a:font script="Orya" typeface="Kalinga"/>
+        <a:font script="Mlym" typeface="Kartika"/>
+        <a:font script="Laoo" typeface="DokChampa"/>
+        <a:font script="Sinh" typeface="Iskoola Pota"/>
+        <a:font script="Mong" typeface="Mongolian Baiti"/>
+        <a:font script="Viet" typeface="Times New Roman"/>
+        <a:font script="Uigh" typeface="Microsoft Uighur"/>
+        <a:font script="Geor" typeface="Sylfaen"/>
+      </a:majorFont>
+      <a:minorFont>
+        <a:latin typeface="Arial"/>
+        <a:ea typeface=""/>
+        <a:cs typeface=""/>
+        <a:font script="Jpan" typeface="ＭＳ Ｐゴシック"/>
+        <a:font script="Hang" typeface="맑은 고딕"/>
+        <a:font script="Hans" typeface="宋体"/>
+        <a:font script="Hant" typeface="新細明體"/>
+        <a:font script="Arab" typeface="Arial"/>
+        <a:font script="Hebr" typeface="Arial"/>
+        <a:font script="Thai" typeface="Cordia New"/>
+        <a:font script="Ethi" typeface="Nyala"/>
+        <a:font script="Beng" typeface="Vrinda"/>
+        <a:font script="Gujr" typeface="Shruti"/>
+        <a:font script="Khmr" typeface="DaunPenh"/>
+        <a:font script="Knda" typeface="Tunga"/>
+        <a:font script="Guru" typeface="Raavi"/>
+        <a:font script="Cans" typeface="Euphemia"/>
+        <a:font script="Cher" typeface="Plantagenet Cherokee"/>
+        <a:font script="Yiii" typeface="Microsoft Yi Baiti"/>
+        <a:font script="Tibt" typeface="Microsoft Himalaya"/>
+        <a:font script="Thaa" typeface="MV Boli"/>
+        <a:font script="Deva" typeface="Mangal"/>
+        <a:font script="Telu" typeface="Gautami"/>
+        <a:font script="Taml" typeface="Latha"/>
+        <a:font script="Syrc" typeface="Estrangelo Edessa"/>
+        <a:font script="Orya" typeface="Kalinga"/>
+        <a:font script="Mlym" typeface="Kartika"/>
+        <a:font script="Laoo" typeface="DokChampa"/>
+        <a:font script="Sinh" typeface="Iskoola Pota"/>
+        <a:font script="Mong" typeface="Mongolian Baiti"/>
+        <a:font script="Viet" typeface="Arial"/>
+        <a:font script="Uigh" typeface="Microsoft Uighur"/>
+        <a:font script="Geor" typeface="Sylfaen"/>
+      </a:minorFont>
+    </a:fontScheme>
+    <a:fmtScheme name="Office">
+      <a:fillStyleLst>
+        <a:solidFill>
+          <a:schemeClr val="phClr"/>
+        </a:solidFill>
+        <a:gradFill rotWithShape="1">
+          <a:gsLst>
+            <a:gs pos="0">
+              <a:schemeClr val="phClr">
+                <a:tint val="50000"/>
+                <a:satMod val="300000"/>
+              </a:schemeClr>
+            </a:gs>
+            <a:gs pos="35000">
+              <a:schemeClr val="phClr">
+                <a:tint val="37000"/>
+                <a:satMod val="300000"/>
+              </a:schemeClr>
+            </a:gs>
+            <a:gs pos="100000">
+              <a:schemeClr val="phClr">
+                <a:tint val="15000"/>
+                <a:satMod val="350000"/>
+              </a:schemeClr>
+            </a:gs>
+          </a:gsLst>
+          <a:lin ang="16200000" scaled="1"/>
+        </a:gradFill>
+        <a:gradFill rotWithShape="1">
+          <a:gsLst>
+            <a:gs pos="0">
+              <a:schemeClr val="phClr">
+                <a:tint val="100000"/>
+                <a:shade val="100000"/>
+                <a:satMod val="130000"/>
+              </a:schemeClr>
+            </a:gs>
+            <a:gs pos="100000">
+              <a:schemeClr val="phClr">
+                <a:tint val="50000"/>
+                <a:shade val="100000"/>
+                <a:satMod val="350000"/>
+              </a:schemeClr>
+            </a:gs>
+          </a:gsLst>
+          <a:lin ang="16200000" scaled="0"/>
+        </a:gradFill>
+      </a:fillStyleLst>
+      <a:lnStyleLst>
+        <a:ln w="9525" cap="flat" cmpd="sng" algn="ctr">
+          <a:solidFill>
+            <a:schemeClr val="phClr">
+              <a:shade val="95000"/>
+              <a:satMod val="105000"/>
+            </a:schemeClr>
+          </a:solidFill>
+          <a:prstDash val="solid"/>
+        </a:ln>
+        <a:ln w="25400" cap="flat" cmpd="sng" algn="ctr">
+          <a:solidFill>
+            <a:schemeClr val="phClr"/>
+          </a:solidFill>
+          <a:prstDash val="solid"/>
+        </a:ln>
+        <a:ln w="38100" cap="flat" cmpd="sng" algn="ctr">
+          <a:solidFill>
+            <a:schemeClr val="phClr"/>
+          </a:solidFill>
+          <a:prstDash val="solid"/>
+        </a:ln>
+      </a:lnStyleLst>
+      <a:effectStyleLst>
+        <a:effectStyle>
+          <a:effectLst>
+            <a:outerShdw blurRad="40000" dist="20000" dir="5400000" rotWithShape="0">
+              <a:srgbClr val="000000">
+                <a:alpha val="38000"/>
+              </a:srgbClr>
+            </a:outerShdw>
+          </a:effectLst>
+        </a:effectStyle>
+        <a:effectStyle>
+          <a:effectLst>
+            <a:outerShdw blurRad="40000" dist="23000" dir="5400000" rotWithShape="0">
+              <a:srgbClr val="000000">
+                <a:alpha val="35000"/>
+              </a:srgbClr>
+            </a:outerShdw>
+          </a:effectLst>
+        </a:effectStyle>
+        <a:effectStyle>
+          <a:effectLst>
+            <a:outerShdw blurRad="40000" dist="23000" dir="5400000" rotWithShape="0">
+              <a:srgbClr val="000000">
+                <a:alpha val="35000"/>
+              </a:srgbClr>
+            </a:outerShdw>
+          </a:effectLst>
+          <a:scene3d>
+            <a:camera prst="orthographicFront">
+              <a:rot lat="0" lon="0" rev="0"/>
+            </a:camera>
+            <a:lightRig rig="threePt" dir="t">
+              <a:rot lat="0" lon="0" rev="1200000"/>
+            </a:lightRig>
+          </a:scene3d>
+          <a:sp3d>
+            <a:bevelT w="63500" h="25400"/>
+          </a:sp3d>
+        </a:effectStyle>
+      </a:effectStyleLst>
+      <a:bgFillStyleLst>
+        <a:solidFill>
+          <a:schemeClr val="phClr"/>
+        </a:solidFill>
+        <a:gradFill rotWithShape="1">
+          <a:gsLst>
+            <a:gs pos="0">
+              <a:schemeClr val="phClr">
+                <a:tint val="40000"/>
+                <a:satMod val="350000"/>
+              </a:schemeClr>
+            </a:gs>
+            <a:gs pos="40000">
+              <a:schemeClr val="phClr">
+                <a:tint val="45000"/>
+                <a:shade val="99000"/>
+                <a:satMod val="350000"/>
+              </a:schemeClr>
+            </a:gs>
+            <a:gs pos="100000">
+              <a:schemeClr val="phClr">
+                <a:shade val="20000"/>
+                <a:satMod val="255000"/>
+              </a:schemeClr>
+            </a:gs>
+          </a:gsLst>
+          <a:path path="circle">
+            <a:fillToRect l="50000" t="-80000" r="50000" b="180000"/>
+          </a:path>
+        </a:gradFill>
+        <a:gradFill rotWithShape="1">
+          <a:gsLst>
+            <a:gs pos="0">
+              <a:schemeClr val="phClr">
+                <a:tint val="80000"/>
+                <a:satMod val="300000"/>
+              </a:schemeClr>
+            </a:gs>
+            <a:gs pos="100000">
+              <a:schemeClr val="phClr">
+                <a:shade val="30000"/>
+                <a:satMod val="200000"/>
+              </a:schemeClr>
+            </a:gs>
+          </a:gsLst>
+          <a:path path="circle">
+            <a:fillToRect l="50000" t="50000" r="50000" b="50000"/>
+          </a:path>
+        </a:gradFill>
+      </a:bgFillStyleLst>
+    </a:fmtScheme>
+  </a:themeElements>
+</a:theme>
+</file>
+
+<file path=ppt/theme/theme2.xml><?xml version="1.0" encoding="utf-8"?>
 <a:theme xmlns:a="http://schemas.openxmlformats.org/drawingml/2006/main" xmlns:r="http://schemas.openxmlformats.org/officeDocument/2006/relationships" name="Custom Theme">
   <a:themeElements>
     <a:clrScheme name="Default">
@@ -16673,283 +20085,4 @@
     </a:fmtScheme>
   </a:themeElements>
 </a:theme>
-</file>
-
-<file path=ppt/theme/theme2.xml><?xml version="1.0" encoding="utf-8"?>
-<a:theme xmlns:a="http://schemas.openxmlformats.org/drawingml/2006/main" xmlns:r="http://schemas.openxmlformats.org/officeDocument/2006/relationships" name="Simple Light">
-  <a:themeElements>
-    <a:clrScheme name="Simple Light">
-      <a:dk1>
-        <a:srgbClr val="000000"/>
-      </a:dk1>
-      <a:lt1>
-        <a:srgbClr val="FFFFFF"/>
-      </a:lt1>
-      <a:dk2>
-        <a:srgbClr val="595959"/>
-      </a:dk2>
-      <a:lt2>
-        <a:srgbClr val="EEEEEE"/>
-      </a:lt2>
-      <a:accent1>
-        <a:srgbClr val="4285F4"/>
-      </a:accent1>
-      <a:accent2>
-        <a:srgbClr val="212121"/>
-      </a:accent2>
-      <a:accent3>
-        <a:srgbClr val="78909C"/>
-      </a:accent3>
-      <a:accent4>
-        <a:srgbClr val="FFAB40"/>
-      </a:accent4>
-      <a:accent5>
-        <a:srgbClr val="0097A7"/>
-      </a:accent5>
-      <a:accent6>
-        <a:srgbClr val="EEFF41"/>
-      </a:accent6>
-      <a:hlink>
-        <a:srgbClr val="0097A7"/>
-      </a:hlink>
-      <a:folHlink>
-        <a:srgbClr val="0097A7"/>
-      </a:folHlink>
-    </a:clrScheme>
-    <a:fontScheme name="Office">
-      <a:majorFont>
-        <a:latin typeface="Arial"/>
-        <a:ea typeface=""/>
-        <a:cs typeface=""/>
-        <a:font script="Jpan" typeface="ＭＳ Ｐゴシック"/>
-        <a:font script="Hang" typeface="맑은 고딕"/>
-        <a:font script="Hans" typeface="宋体"/>
-        <a:font script="Hant" typeface="新細明體"/>
-        <a:font script="Arab" typeface="Times New Roman"/>
-        <a:font script="Hebr" typeface="Times New Roman"/>
-        <a:font script="Thai" typeface="Angsana New"/>
-        <a:font script="Ethi" typeface="Nyala"/>
-        <a:font script="Beng" typeface="Vrinda"/>
-        <a:font script="Gujr" typeface="Shruti"/>
-        <a:font script="Khmr" typeface="MoolBoran"/>
-        <a:font script="Knda" typeface="Tunga"/>
-        <a:font script="Guru" typeface="Raavi"/>
-        <a:font script="Cans" typeface="Euphemia"/>
-        <a:font script="Cher" typeface="Plantagenet Cherokee"/>
-        <a:font script="Yiii" typeface="Microsoft Yi Baiti"/>
-        <a:font script="Tibt" typeface="Microsoft Himalaya"/>
-        <a:font script="Thaa" typeface="MV Boli"/>
-        <a:font script="Deva" typeface="Mangal"/>
-        <a:font script="Telu" typeface="Gautami"/>
-        <a:font script="Taml" typeface="Latha"/>
-        <a:font script="Syrc" typeface="Estrangelo Edessa"/>
-        <a:font script="Orya" typeface="Kalinga"/>
-        <a:font script="Mlym" typeface="Kartika"/>
-        <a:font script="Laoo" typeface="DokChampa"/>
-        <a:font script="Sinh" typeface="Iskoola Pota"/>
-        <a:font script="Mong" typeface="Mongolian Baiti"/>
-        <a:font script="Viet" typeface="Times New Roman"/>
-        <a:font script="Uigh" typeface="Microsoft Uighur"/>
-        <a:font script="Geor" typeface="Sylfaen"/>
-      </a:majorFont>
-      <a:minorFont>
-        <a:latin typeface="Arial"/>
-        <a:ea typeface=""/>
-        <a:cs typeface=""/>
-        <a:font script="Jpan" typeface="ＭＳ Ｐゴシック"/>
-        <a:font script="Hang" typeface="맑은 고딕"/>
-        <a:font script="Hans" typeface="宋体"/>
-        <a:font script="Hant" typeface="新細明體"/>
-        <a:font script="Arab" typeface="Arial"/>
-        <a:font script="Hebr" typeface="Arial"/>
-        <a:font script="Thai" typeface="Cordia New"/>
-        <a:font script="Ethi" typeface="Nyala"/>
-        <a:font script="Beng" typeface="Vrinda"/>
-        <a:font script="Gujr" typeface="Shruti"/>
-        <a:font script="Khmr" typeface="DaunPenh"/>
-        <a:font script="Knda" typeface="Tunga"/>
-        <a:font script="Guru" typeface="Raavi"/>
-        <a:font script="Cans" typeface="Euphemia"/>
-        <a:font script="Cher" typeface="Plantagenet Cherokee"/>
-        <a:font script="Yiii" typeface="Microsoft Yi Baiti"/>
-        <a:font script="Tibt" typeface="Microsoft Himalaya"/>
-        <a:font script="Thaa" typeface="MV Boli"/>
-        <a:font script="Deva" typeface="Mangal"/>
-        <a:font script="Telu" typeface="Gautami"/>
-        <a:font script="Taml" typeface="Latha"/>
-        <a:font script="Syrc" typeface="Estrangelo Edessa"/>
-        <a:font script="Orya" typeface="Kalinga"/>
-        <a:font script="Mlym" typeface="Kartika"/>
-        <a:font script="Laoo" typeface="DokChampa"/>
-        <a:font script="Sinh" typeface="Iskoola Pota"/>
-        <a:font script="Mong" typeface="Mongolian Baiti"/>
-        <a:font script="Viet" typeface="Arial"/>
-        <a:font script="Uigh" typeface="Microsoft Uighur"/>
-        <a:font script="Geor" typeface="Sylfaen"/>
-      </a:minorFont>
-    </a:fontScheme>
-    <a:fmtScheme name="Office">
-      <a:fillStyleLst>
-        <a:solidFill>
-          <a:schemeClr val="phClr"/>
-        </a:solidFill>
-        <a:gradFill rotWithShape="1">
-          <a:gsLst>
-            <a:gs pos="0">
-              <a:schemeClr val="phClr">
-                <a:tint val="50000"/>
-                <a:satMod val="300000"/>
-              </a:schemeClr>
-            </a:gs>
-            <a:gs pos="35000">
-              <a:schemeClr val="phClr">
-                <a:tint val="37000"/>
-                <a:satMod val="300000"/>
-              </a:schemeClr>
-            </a:gs>
-            <a:gs pos="100000">
-              <a:schemeClr val="phClr">
-                <a:tint val="15000"/>
-                <a:satMod val="350000"/>
-              </a:schemeClr>
-            </a:gs>
-          </a:gsLst>
-          <a:lin ang="16200000" scaled="1"/>
-        </a:gradFill>
-        <a:gradFill rotWithShape="1">
-          <a:gsLst>
-            <a:gs pos="0">
-              <a:schemeClr val="phClr">
-                <a:tint val="100000"/>
-                <a:shade val="100000"/>
-                <a:satMod val="130000"/>
-              </a:schemeClr>
-            </a:gs>
-            <a:gs pos="100000">
-              <a:schemeClr val="phClr">
-                <a:tint val="50000"/>
-                <a:shade val="100000"/>
-                <a:satMod val="350000"/>
-              </a:schemeClr>
-            </a:gs>
-          </a:gsLst>
-          <a:lin ang="16200000" scaled="0"/>
-        </a:gradFill>
-      </a:fillStyleLst>
-      <a:lnStyleLst>
-        <a:ln w="9525" cap="flat" cmpd="sng" algn="ctr">
-          <a:solidFill>
-            <a:schemeClr val="phClr">
-              <a:shade val="95000"/>
-              <a:satMod val="105000"/>
-            </a:schemeClr>
-          </a:solidFill>
-          <a:prstDash val="solid"/>
-        </a:ln>
-        <a:ln w="25400" cap="flat" cmpd="sng" algn="ctr">
-          <a:solidFill>
-            <a:schemeClr val="phClr"/>
-          </a:solidFill>
-          <a:prstDash val="solid"/>
-        </a:ln>
-        <a:ln w="38100" cap="flat" cmpd="sng" algn="ctr">
-          <a:solidFill>
-            <a:schemeClr val="phClr"/>
-          </a:solidFill>
-          <a:prstDash val="solid"/>
-        </a:ln>
-      </a:lnStyleLst>
-      <a:effectStyleLst>
-        <a:effectStyle>
-          <a:effectLst>
-            <a:outerShdw blurRad="40000" dist="20000" dir="5400000" rotWithShape="0">
-              <a:srgbClr val="000000">
-                <a:alpha val="38000"/>
-              </a:srgbClr>
-            </a:outerShdw>
-          </a:effectLst>
-        </a:effectStyle>
-        <a:effectStyle>
-          <a:effectLst>
-            <a:outerShdw blurRad="40000" dist="23000" dir="5400000" rotWithShape="0">
-              <a:srgbClr val="000000">
-                <a:alpha val="35000"/>
-              </a:srgbClr>
-            </a:outerShdw>
-          </a:effectLst>
-        </a:effectStyle>
-        <a:effectStyle>
-          <a:effectLst>
-            <a:outerShdw blurRad="40000" dist="23000" dir="5400000" rotWithShape="0">
-              <a:srgbClr val="000000">
-                <a:alpha val="35000"/>
-              </a:srgbClr>
-            </a:outerShdw>
-          </a:effectLst>
-          <a:scene3d>
-            <a:camera prst="orthographicFront">
-              <a:rot lat="0" lon="0" rev="0"/>
-            </a:camera>
-            <a:lightRig rig="threePt" dir="t">
-              <a:rot lat="0" lon="0" rev="1200000"/>
-            </a:lightRig>
-          </a:scene3d>
-          <a:sp3d>
-            <a:bevelT w="63500" h="25400"/>
-          </a:sp3d>
-        </a:effectStyle>
-      </a:effectStyleLst>
-      <a:bgFillStyleLst>
-        <a:solidFill>
-          <a:schemeClr val="phClr"/>
-        </a:solidFill>
-        <a:gradFill rotWithShape="1">
-          <a:gsLst>
-            <a:gs pos="0">
-              <a:schemeClr val="phClr">
-                <a:tint val="40000"/>
-                <a:satMod val="350000"/>
-              </a:schemeClr>
-            </a:gs>
-            <a:gs pos="40000">
-              <a:schemeClr val="phClr">
-                <a:tint val="45000"/>
-                <a:shade val="99000"/>
-                <a:satMod val="350000"/>
-              </a:schemeClr>
-            </a:gs>
-            <a:gs pos="100000">
-              <a:schemeClr val="phClr">
-                <a:shade val="20000"/>
-                <a:satMod val="255000"/>
-              </a:schemeClr>
-            </a:gs>
-          </a:gsLst>
-          <a:path path="circle">
-            <a:fillToRect l="50000" t="-80000" r="50000" b="180000"/>
-          </a:path>
-        </a:gradFill>
-        <a:gradFill rotWithShape="1">
-          <a:gsLst>
-            <a:gs pos="0">
-              <a:schemeClr val="phClr">
-                <a:tint val="80000"/>
-                <a:satMod val="300000"/>
-              </a:schemeClr>
-            </a:gs>
-            <a:gs pos="100000">
-              <a:schemeClr val="phClr">
-                <a:shade val="30000"/>
-                <a:satMod val="200000"/>
-              </a:schemeClr>
-            </a:gs>
-          </a:gsLst>
-          <a:path path="circle">
-            <a:fillToRect l="50000" t="50000" r="50000" b="50000"/>
-          </a:path>
-        </a:gradFill>
-      </a:bgFillStyleLst>
-    </a:fmtScheme>
-  </a:themeElements>
-</a:theme>
 </file>